--- a/docs/wsdm.pptx
+++ b/docs/wsdm.pptx
@@ -29,16 +29,16 @@
   <p:notesSz cx="6858000" cy="9144000"/>
   <p:embeddedFontLst>
     <p:embeddedFont>
-      <p:font typeface="Montserrat" panose="020B0604020202020204" charset="0"/>
+      <p:font typeface="Karla" panose="020B0604020202020204" charset="0"/>
       <p:regular r:id="rId19"/>
       <p:bold r:id="rId20"/>
+      <p:italic r:id="rId21"/>
+      <p:boldItalic r:id="rId22"/>
     </p:embeddedFont>
     <p:embeddedFont>
-      <p:font typeface="Karla" panose="020B0604020202020204" charset="0"/>
-      <p:regular r:id="rId21"/>
-      <p:bold r:id="rId22"/>
-      <p:italic r:id="rId23"/>
-      <p:boldItalic r:id="rId24"/>
+      <p:font typeface="Montserrat" panose="020B0604020202020204" charset="0"/>
+      <p:regular r:id="rId23"/>
+      <p:bold r:id="rId24"/>
     </p:embeddedFont>
   </p:embeddedFontLst>
   <p:defaultTextStyle>
@@ -245,7 +245,7 @@
   </p:defaultTextStyle>
   <p:extLst>
     <p:ext uri="{EFAFB233-063F-42B5-8137-9DF3F51BA10A}">
-      <p15:sldGuideLst xmlns:p15="http://schemas.microsoft.com/office/powerpoint/2012/main"/>
+      <p15:sldGuideLst xmlns:p15="http://schemas.microsoft.com/office/powerpoint/2012/main" xmlns=""/>
     </p:ext>
   </p:extLst>
 </p:presentation>
@@ -5770,7 +5770,7 @@
                   </a:schemeClr>
                 </a:solidFill>
               </a:rPr>
-              <a:t>Exact matches, TF-IDF and Word2Vec</a:t>
+              <a:t>Exact matches, </a:t>
             </a:r>
             <a:r>
               <a:rPr lang="en-US" sz="2000" dirty="0" smtClean="0">
@@ -5780,8 +5780,13 @@
                   </a:schemeClr>
                 </a:solidFill>
               </a:rPr>
-              <a:t>)</a:t>
+              <a:t>TF-IDF, Word2Vec and word count)</a:t>
             </a:r>
+          </a:p>
+          <a:p>
+            <a:pPr>
+              <a:buNone/>
+            </a:pPr>
             <a:endParaRPr lang="en-US" sz="2000" dirty="0">
               <a:solidFill>
                 <a:schemeClr val="tx2">
@@ -6749,14 +6754,14 @@
           <p:nvPr>
             <p:extLst>
               <p:ext uri="{D42A27DB-BD31-4B8C-83A1-F6EECF244321}">
-                <p14:modId xmlns:p14="http://schemas.microsoft.com/office/powerpoint/2010/main" val="2618040302"/>
+                <p14:modId xmlns:p14="http://schemas.microsoft.com/office/powerpoint/2010/main" val="2224712882"/>
               </p:ext>
             </p:extLst>
           </p:nvPr>
         </p:nvGraphicFramePr>
         <p:xfrm>
-          <a:off x="841288" y="1631760"/>
-          <a:ext cx="4743966" cy="2317116"/>
+          <a:off x="995940" y="1389696"/>
+          <a:ext cx="4743966" cy="3117940"/>
         </p:xfrm>
         <a:graphic>
           <a:graphicData uri="http://schemas.openxmlformats.org/drawingml/2006/table">
@@ -6769,21 +6774,21 @@
                 <a:gridCol w="1932804">
                   <a:extLst>
                     <a:ext uri="{9D8B030D-6E8A-4147-A177-3AD203B41FA5}">
-                      <a16:colId xmlns:a16="http://schemas.microsoft.com/office/drawing/2014/main" xmlns="" val="20000"/>
+                      <a16:colId xmlns="" xmlns:a16="http://schemas.microsoft.com/office/drawing/2014/main" val="20000"/>
                     </a:ext>
                   </a:extLst>
                 </a:gridCol>
                 <a:gridCol w="1425458">
                   <a:extLst>
                     <a:ext uri="{9D8B030D-6E8A-4147-A177-3AD203B41FA5}">
-                      <a16:colId xmlns:a16="http://schemas.microsoft.com/office/drawing/2014/main" xmlns="" val="20001"/>
+                      <a16:colId xmlns="" xmlns:a16="http://schemas.microsoft.com/office/drawing/2014/main" val="20001"/>
                     </a:ext>
                   </a:extLst>
                 </a:gridCol>
                 <a:gridCol w="1385704">
                   <a:extLst>
                     <a:ext uri="{9D8B030D-6E8A-4147-A177-3AD203B41FA5}">
-                      <a16:colId xmlns:a16="http://schemas.microsoft.com/office/drawing/2014/main" xmlns="" val="20002"/>
+                      <a16:colId xmlns="" xmlns:a16="http://schemas.microsoft.com/office/drawing/2014/main" val="20002"/>
                     </a:ext>
                   </a:extLst>
                 </a:gridCol>
@@ -7063,7 +7068,7 @@
                 </a:tc>
                 <a:extLst>
                   <a:ext uri="{0D108BD9-81ED-4DB2-BD59-A6C34878D82A}">
-                    <a16:rowId xmlns:a16="http://schemas.microsoft.com/office/drawing/2014/main" xmlns="" val="10000"/>
+                    <a16:rowId xmlns="" xmlns:a16="http://schemas.microsoft.com/office/drawing/2014/main" val="10000"/>
                   </a:ext>
                 </a:extLst>
               </a:tr>
@@ -7307,7 +7312,7 @@
                 </a:tc>
                 <a:extLst>
                   <a:ext uri="{0D108BD9-81ED-4DB2-BD59-A6C34878D82A}">
-                    <a16:rowId xmlns:a16="http://schemas.microsoft.com/office/drawing/2014/main" xmlns="" val="10001"/>
+                    <a16:rowId xmlns="" xmlns:a16="http://schemas.microsoft.com/office/drawing/2014/main" val="10001"/>
                   </a:ext>
                 </a:extLst>
               </a:tr>
@@ -7551,7 +7556,7 @@
                 </a:tc>
                 <a:extLst>
                   <a:ext uri="{0D108BD9-81ED-4DB2-BD59-A6C34878D82A}">
-                    <a16:rowId xmlns:a16="http://schemas.microsoft.com/office/drawing/2014/main" xmlns="" val="1379631780"/>
+                    <a16:rowId xmlns="" xmlns:a16="http://schemas.microsoft.com/office/drawing/2014/main" val="1379631780"/>
                   </a:ext>
                 </a:extLst>
               </a:tr>
@@ -7795,7 +7800,7 @@
                 </a:tc>
                 <a:extLst>
                   <a:ext uri="{0D108BD9-81ED-4DB2-BD59-A6C34878D82A}">
-                    <a16:rowId xmlns:a16="http://schemas.microsoft.com/office/drawing/2014/main" xmlns="" val="2682683010"/>
+                    <a16:rowId xmlns="" xmlns:a16="http://schemas.microsoft.com/office/drawing/2014/main" val="2682683010"/>
                   </a:ext>
                 </a:extLst>
               </a:tr>
@@ -8039,7 +8044,7 @@
                 </a:tc>
                 <a:extLst>
                   <a:ext uri="{0D108BD9-81ED-4DB2-BD59-A6C34878D82A}">
-                    <a16:rowId xmlns:a16="http://schemas.microsoft.com/office/drawing/2014/main" xmlns="" val="3904289897"/>
+                    <a16:rowId xmlns="" xmlns:a16="http://schemas.microsoft.com/office/drawing/2014/main" val="3904289897"/>
                   </a:ext>
                 </a:extLst>
               </a:tr>
@@ -8298,9 +8303,487 @@
                 </a:tc>
                 <a:extLst>
                   <a:ext uri="{0D108BD9-81ED-4DB2-BD59-A6C34878D82A}">
-                    <a16:rowId xmlns:a16="http://schemas.microsoft.com/office/drawing/2014/main" xmlns="" val="2900340182"/>
+                    <a16:rowId xmlns="" xmlns:a16="http://schemas.microsoft.com/office/drawing/2014/main" val="2900340182"/>
                   </a:ext>
                 </a:extLst>
+              </a:tr>
+              <a:tr h="363064">
+                <a:tc>
+                  <a:txBody>
+                    <a:bodyPr/>
+                    <a:lstStyle/>
+                    <a:p>
+                      <a:pPr lvl="0" algn="r">
+                        <a:spcBef>
+                          <a:spcPts val="0"/>
+                        </a:spcBef>
+                        <a:buNone/>
+                      </a:pPr>
+                      <a:r>
+                        <a:rPr lang="en" sz="1200" dirty="0" smtClean="0">
+                          <a:solidFill>
+                            <a:schemeClr val="tx1">
+                              <a:lumMod val="85000"/>
+                              <a:lumOff val="15000"/>
+                            </a:schemeClr>
+                          </a:solidFill>
+                          <a:latin typeface="Karla"/>
+                          <a:ea typeface="Karla"/>
+                          <a:cs typeface="Karla"/>
+                          <a:sym typeface="Karla"/>
+                        </a:rPr>
+                        <a:t>Word count</a:t>
+                      </a:r>
+                      <a:endParaRPr lang="en" sz="1200" dirty="0">
+                        <a:solidFill>
+                          <a:schemeClr val="tx1">
+                            <a:lumMod val="85000"/>
+                            <a:lumOff val="15000"/>
+                          </a:schemeClr>
+                        </a:solidFill>
+                        <a:latin typeface="Karla"/>
+                        <a:ea typeface="Karla"/>
+                        <a:cs typeface="Karla"/>
+                        <a:sym typeface="Karla"/>
+                      </a:endParaRPr>
+                    </a:p>
+                  </a:txBody>
+                  <a:tcPr marL="36000" marR="36000" marT="36000" marB="36000" anchor="ctr">
+                    <a:lnL w="19050" cap="flat" cmpd="sng">
+                      <a:solidFill>
+                        <a:srgbClr val="F3F3F3"/>
+                      </a:solidFill>
+                      <a:prstDash val="solid"/>
+                      <a:round/>
+                      <a:headEnd type="none" w="med" len="med"/>
+                      <a:tailEnd type="none" w="med" len="med"/>
+                    </a:lnL>
+                    <a:lnR w="19050" cap="flat" cmpd="sng" algn="ctr">
+                      <a:solidFill>
+                        <a:srgbClr val="F3F3F3"/>
+                      </a:solidFill>
+                      <a:prstDash val="solid"/>
+                      <a:round/>
+                      <a:headEnd type="none" w="med" len="med"/>
+                      <a:tailEnd type="none" w="med" len="med"/>
+                    </a:lnR>
+                    <a:lnT w="19050" cap="flat" cmpd="sng">
+                      <a:solidFill>
+                        <a:srgbClr val="D9D9D9"/>
+                      </a:solidFill>
+                      <a:prstDash val="solid"/>
+                      <a:round/>
+                      <a:headEnd type="none" w="med" len="med"/>
+                      <a:tailEnd type="none" w="med" len="med"/>
+                    </a:lnT>
+                    <a:lnB w="19050" cap="flat" cmpd="sng" algn="ctr">
+                      <a:solidFill>
+                        <a:srgbClr val="D9D9D9"/>
+                      </a:solidFill>
+                      <a:prstDash val="solid"/>
+                      <a:round/>
+                      <a:headEnd type="none" w="med" len="med"/>
+                      <a:tailEnd type="none" w="med" len="med"/>
+                    </a:lnB>
+                  </a:tcPr>
+                </a:tc>
+                <a:tc>
+                  <a:txBody>
+                    <a:bodyPr/>
+                    <a:lstStyle/>
+                    <a:p>
+                      <a:pPr lvl="0" algn="ctr">
+                        <a:spcBef>
+                          <a:spcPts val="0"/>
+                        </a:spcBef>
+                        <a:buNone/>
+                      </a:pPr>
+                      <a:r>
+                        <a:rPr lang="en" sz="1100" b="1" dirty="0" smtClean="0">
+                          <a:solidFill>
+                            <a:schemeClr val="tx1">
+                              <a:lumMod val="85000"/>
+                              <a:lumOff val="15000"/>
+                            </a:schemeClr>
+                          </a:solidFill>
+                          <a:latin typeface="Karla"/>
+                          <a:ea typeface="Karla"/>
+                          <a:cs typeface="Karla"/>
+                          <a:sym typeface="Karla"/>
+                        </a:rPr>
+                        <a:t>?</a:t>
+                      </a:r>
+                      <a:endParaRPr lang="en" sz="1100" b="1" dirty="0">
+                        <a:solidFill>
+                          <a:schemeClr val="tx1">
+                            <a:lumMod val="85000"/>
+                            <a:lumOff val="15000"/>
+                          </a:schemeClr>
+                        </a:solidFill>
+                        <a:latin typeface="Karla"/>
+                        <a:ea typeface="Karla"/>
+                        <a:cs typeface="Karla"/>
+                        <a:sym typeface="Karla"/>
+                      </a:endParaRPr>
+                    </a:p>
+                  </a:txBody>
+                  <a:tcPr marL="36000" marR="36000" marT="36000" marB="36000" anchor="ctr">
+                    <a:lnL w="19050" cap="flat" cmpd="sng" algn="ctr">
+                      <a:solidFill>
+                        <a:srgbClr val="F3F3F3"/>
+                      </a:solidFill>
+                      <a:prstDash val="solid"/>
+                      <a:round/>
+                      <a:headEnd type="none" w="med" len="med"/>
+                      <a:tailEnd type="none" w="med" len="med"/>
+                    </a:lnL>
+                    <a:lnR w="19050" cap="flat" cmpd="sng" algn="ctr">
+                      <a:solidFill>
+                        <a:srgbClr val="F3F3F3"/>
+                      </a:solidFill>
+                      <a:prstDash val="solid"/>
+                      <a:round/>
+                      <a:headEnd type="none" w="med" len="med"/>
+                      <a:tailEnd type="none" w="med" len="med"/>
+                    </a:lnR>
+                    <a:lnT w="19050" cap="flat" cmpd="sng">
+                      <a:solidFill>
+                        <a:srgbClr val="D9D9D9"/>
+                      </a:solidFill>
+                      <a:prstDash val="solid"/>
+                      <a:round/>
+                      <a:headEnd type="none" w="med" len="med"/>
+                      <a:tailEnd type="none" w="med" len="med"/>
+                    </a:lnT>
+                    <a:lnB w="19050" cap="flat" cmpd="sng" algn="ctr">
+                      <a:solidFill>
+                        <a:srgbClr val="D9D9D9"/>
+                      </a:solidFill>
+                      <a:prstDash val="solid"/>
+                      <a:round/>
+                      <a:headEnd type="none" w="med" len="med"/>
+                      <a:tailEnd type="none" w="med" len="med"/>
+                    </a:lnB>
+                  </a:tcPr>
+                </a:tc>
+                <a:tc>
+                  <a:txBody>
+                    <a:bodyPr/>
+                    <a:lstStyle/>
+                    <a:p>
+                      <a:pPr lvl="0" algn="ctr">
+                        <a:spcBef>
+                          <a:spcPts val="0"/>
+                        </a:spcBef>
+                        <a:buNone/>
+                      </a:pPr>
+                      <a:r>
+                        <a:rPr lang="en" sz="1100" b="1" dirty="0" smtClean="0">
+                          <a:solidFill>
+                            <a:schemeClr val="tx1">
+                              <a:lumMod val="85000"/>
+                              <a:lumOff val="15000"/>
+                            </a:schemeClr>
+                          </a:solidFill>
+                          <a:latin typeface="Karla"/>
+                          <a:ea typeface="Karla"/>
+                          <a:cs typeface="Karla"/>
+                          <a:sym typeface="Karla"/>
+                        </a:rPr>
+                        <a:t>?</a:t>
+                      </a:r>
+                      <a:endParaRPr lang="en" sz="1100" b="1" dirty="0">
+                        <a:solidFill>
+                          <a:schemeClr val="tx1">
+                            <a:lumMod val="85000"/>
+                            <a:lumOff val="15000"/>
+                          </a:schemeClr>
+                        </a:solidFill>
+                        <a:latin typeface="Karla"/>
+                        <a:ea typeface="Karla"/>
+                        <a:cs typeface="Karla"/>
+                        <a:sym typeface="Karla"/>
+                      </a:endParaRPr>
+                    </a:p>
+                  </a:txBody>
+                  <a:tcPr marL="36000" marR="36000" marT="36000" marB="36000" anchor="ctr">
+                    <a:lnL w="19050" cap="flat" cmpd="sng" algn="ctr">
+                      <a:solidFill>
+                        <a:srgbClr val="F3F3F3"/>
+                      </a:solidFill>
+                      <a:prstDash val="solid"/>
+                      <a:round/>
+                      <a:headEnd type="none" w="med" len="med"/>
+                      <a:tailEnd type="none" w="med" len="med"/>
+                    </a:lnL>
+                    <a:lnR w="19050" cap="flat" cmpd="sng">
+                      <a:solidFill>
+                        <a:srgbClr val="F3F3F3"/>
+                      </a:solidFill>
+                      <a:prstDash val="solid"/>
+                      <a:round/>
+                      <a:headEnd type="none" w="med" len="med"/>
+                      <a:tailEnd type="none" w="med" len="med"/>
+                    </a:lnR>
+                    <a:lnT w="19050" cap="flat" cmpd="sng">
+                      <a:solidFill>
+                        <a:srgbClr val="D9D9D9"/>
+                      </a:solidFill>
+                      <a:prstDash val="solid"/>
+                      <a:round/>
+                      <a:headEnd type="none" w="med" len="med"/>
+                      <a:tailEnd type="none" w="med" len="med"/>
+                    </a:lnT>
+                    <a:lnB w="19050" cap="flat" cmpd="sng" algn="ctr">
+                      <a:solidFill>
+                        <a:srgbClr val="D9D9D9"/>
+                      </a:solidFill>
+                      <a:prstDash val="solid"/>
+                      <a:round/>
+                      <a:headEnd type="none" w="med" len="med"/>
+                      <a:tailEnd type="none" w="med" len="med"/>
+                    </a:lnB>
+                  </a:tcPr>
+                </a:tc>
+              </a:tr>
+              <a:tr h="363064">
+                <a:tc>
+                  <a:txBody>
+                    <a:bodyPr/>
+                    <a:lstStyle/>
+                    <a:p>
+                      <a:pPr lvl="0" algn="r">
+                        <a:spcBef>
+                          <a:spcPts val="0"/>
+                        </a:spcBef>
+                        <a:buNone/>
+                      </a:pPr>
+                      <a:r>
+                        <a:rPr lang="en" sz="1200" dirty="0" smtClean="0">
+                          <a:solidFill>
+                            <a:schemeClr val="tx1">
+                              <a:lumMod val="85000"/>
+                              <a:lumOff val="15000"/>
+                            </a:schemeClr>
+                          </a:solidFill>
+                          <a:latin typeface="Karla"/>
+                          <a:ea typeface="Karla"/>
+                          <a:cs typeface="Karla"/>
+                          <a:sym typeface="Karla"/>
+                        </a:rPr>
+                        <a:t>Word count, based on synonyms</a:t>
+                      </a:r>
+                      <a:endParaRPr lang="en" sz="1200" dirty="0">
+                        <a:solidFill>
+                          <a:schemeClr val="tx1">
+                            <a:lumMod val="85000"/>
+                            <a:lumOff val="15000"/>
+                          </a:schemeClr>
+                        </a:solidFill>
+                        <a:latin typeface="Karla"/>
+                        <a:ea typeface="Karla"/>
+                        <a:cs typeface="Karla"/>
+                        <a:sym typeface="Karla"/>
+                      </a:endParaRPr>
+                    </a:p>
+                  </a:txBody>
+                  <a:tcPr marL="36000" marR="36000" marT="36000" marB="36000" anchor="ctr">
+                    <a:lnL w="19050" cap="flat" cmpd="sng">
+                      <a:solidFill>
+                        <a:srgbClr val="F3F3F3"/>
+                      </a:solidFill>
+                      <a:prstDash val="solid"/>
+                      <a:round/>
+                      <a:headEnd type="none" w="med" len="med"/>
+                      <a:tailEnd type="none" w="med" len="med"/>
+                    </a:lnL>
+                    <a:lnR w="19050" cap="flat" cmpd="sng" algn="ctr">
+                      <a:solidFill>
+                        <a:srgbClr val="F3F3F3"/>
+                      </a:solidFill>
+                      <a:prstDash val="solid"/>
+                      <a:round/>
+                      <a:headEnd type="none" w="med" len="med"/>
+                      <a:tailEnd type="none" w="med" len="med"/>
+                    </a:lnR>
+                    <a:lnT w="19050" cap="flat" cmpd="sng">
+                      <a:solidFill>
+                        <a:srgbClr val="D9D9D9"/>
+                      </a:solidFill>
+                      <a:prstDash val="solid"/>
+                      <a:round/>
+                      <a:headEnd type="none" w="med" len="med"/>
+                      <a:tailEnd type="none" w="med" len="med"/>
+                    </a:lnT>
+                    <a:lnB w="19050" cap="flat" cmpd="sng" algn="ctr">
+                      <a:solidFill>
+                        <a:srgbClr val="D9D9D9"/>
+                      </a:solidFill>
+                      <a:prstDash val="solid"/>
+                      <a:round/>
+                      <a:headEnd type="none" w="med" len="med"/>
+                      <a:tailEnd type="none" w="med" len="med"/>
+                    </a:lnB>
+                  </a:tcPr>
+                </a:tc>
+                <a:tc>
+                  <a:txBody>
+                    <a:bodyPr/>
+                    <a:lstStyle/>
+                    <a:p>
+                      <a:pPr lvl="0" algn="ctr">
+                        <a:spcBef>
+                          <a:spcPts val="0"/>
+                        </a:spcBef>
+                        <a:buNone/>
+                      </a:pPr>
+                      <a:r>
+                        <a:rPr lang="en" sz="1100" b="1" dirty="0" smtClean="0">
+                          <a:solidFill>
+                            <a:schemeClr val="tx1">
+                              <a:lumMod val="85000"/>
+                              <a:lumOff val="15000"/>
+                            </a:schemeClr>
+                          </a:solidFill>
+                          <a:latin typeface="Karla"/>
+                          <a:ea typeface="Karla"/>
+                          <a:cs typeface="Karla"/>
+                          <a:sym typeface="Karla"/>
+                        </a:rPr>
+                        <a:t>?</a:t>
+                      </a:r>
+                      <a:endParaRPr lang="en" sz="1100" b="1" dirty="0">
+                        <a:solidFill>
+                          <a:schemeClr val="tx1">
+                            <a:lumMod val="85000"/>
+                            <a:lumOff val="15000"/>
+                          </a:schemeClr>
+                        </a:solidFill>
+                        <a:latin typeface="Karla"/>
+                        <a:ea typeface="Karla"/>
+                        <a:cs typeface="Karla"/>
+                        <a:sym typeface="Karla"/>
+                      </a:endParaRPr>
+                    </a:p>
+                  </a:txBody>
+                  <a:tcPr marL="36000" marR="36000" marT="36000" marB="36000" anchor="ctr">
+                    <a:lnL w="19050" cap="flat" cmpd="sng" algn="ctr">
+                      <a:solidFill>
+                        <a:srgbClr val="F3F3F3"/>
+                      </a:solidFill>
+                      <a:prstDash val="solid"/>
+                      <a:round/>
+                      <a:headEnd type="none" w="med" len="med"/>
+                      <a:tailEnd type="none" w="med" len="med"/>
+                    </a:lnL>
+                    <a:lnR w="19050" cap="flat" cmpd="sng" algn="ctr">
+                      <a:solidFill>
+                        <a:srgbClr val="F3F3F3"/>
+                      </a:solidFill>
+                      <a:prstDash val="solid"/>
+                      <a:round/>
+                      <a:headEnd type="none" w="med" len="med"/>
+                      <a:tailEnd type="none" w="med" len="med"/>
+                    </a:lnR>
+                    <a:lnT w="19050" cap="flat" cmpd="sng">
+                      <a:solidFill>
+                        <a:srgbClr val="D9D9D9"/>
+                      </a:solidFill>
+                      <a:prstDash val="solid"/>
+                      <a:round/>
+                      <a:headEnd type="none" w="med" len="med"/>
+                      <a:tailEnd type="none" w="med" len="med"/>
+                    </a:lnT>
+                    <a:lnB w="19050" cap="flat" cmpd="sng" algn="ctr">
+                      <a:solidFill>
+                        <a:srgbClr val="D9D9D9"/>
+                      </a:solidFill>
+                      <a:prstDash val="solid"/>
+                      <a:round/>
+                      <a:headEnd type="none" w="med" len="med"/>
+                      <a:tailEnd type="none" w="med" len="med"/>
+                    </a:lnB>
+                  </a:tcPr>
+                </a:tc>
+                <a:tc>
+                  <a:txBody>
+                    <a:bodyPr/>
+                    <a:lstStyle/>
+                    <a:p>
+                      <a:pPr lvl="0" algn="ctr">
+                        <a:spcBef>
+                          <a:spcPts val="0"/>
+                        </a:spcBef>
+                        <a:buNone/>
+                      </a:pPr>
+                      <a:r>
+                        <a:rPr lang="en" sz="1100" b="1" smtClean="0">
+                          <a:solidFill>
+                            <a:schemeClr val="tx1">
+                              <a:lumMod val="85000"/>
+                              <a:lumOff val="15000"/>
+                            </a:schemeClr>
+                          </a:solidFill>
+                          <a:latin typeface="Karla"/>
+                          <a:ea typeface="Karla"/>
+                          <a:cs typeface="Karla"/>
+                          <a:sym typeface="Karla"/>
+                        </a:rPr>
+                        <a:t>?</a:t>
+                      </a:r>
+                      <a:endParaRPr lang="en" sz="1100" b="1" dirty="0">
+                        <a:solidFill>
+                          <a:schemeClr val="tx1">
+                            <a:lumMod val="85000"/>
+                            <a:lumOff val="15000"/>
+                          </a:schemeClr>
+                        </a:solidFill>
+                        <a:latin typeface="Karla"/>
+                        <a:ea typeface="Karla"/>
+                        <a:cs typeface="Karla"/>
+                        <a:sym typeface="Karla"/>
+                      </a:endParaRPr>
+                    </a:p>
+                  </a:txBody>
+                  <a:tcPr marL="36000" marR="36000" marT="36000" marB="36000" anchor="ctr">
+                    <a:lnL w="19050" cap="flat" cmpd="sng" algn="ctr">
+                      <a:solidFill>
+                        <a:srgbClr val="F3F3F3"/>
+                      </a:solidFill>
+                      <a:prstDash val="solid"/>
+                      <a:round/>
+                      <a:headEnd type="none" w="med" len="med"/>
+                      <a:tailEnd type="none" w="med" len="med"/>
+                    </a:lnL>
+                    <a:lnR w="19050" cap="flat" cmpd="sng">
+                      <a:solidFill>
+                        <a:srgbClr val="F3F3F3"/>
+                      </a:solidFill>
+                      <a:prstDash val="solid"/>
+                      <a:round/>
+                      <a:headEnd type="none" w="med" len="med"/>
+                      <a:tailEnd type="none" w="med" len="med"/>
+                    </a:lnR>
+                    <a:lnT w="19050" cap="flat" cmpd="sng">
+                      <a:solidFill>
+                        <a:srgbClr val="D9D9D9"/>
+                      </a:solidFill>
+                      <a:prstDash val="solid"/>
+                      <a:round/>
+                      <a:headEnd type="none" w="med" len="med"/>
+                      <a:tailEnd type="none" w="med" len="med"/>
+                    </a:lnT>
+                    <a:lnB w="19050" cap="flat" cmpd="sng" algn="ctr">
+                      <a:solidFill>
+                        <a:srgbClr val="D9D9D9"/>
+                      </a:solidFill>
+                      <a:prstDash val="solid"/>
+                      <a:round/>
+                      <a:headEnd type="none" w="med" len="med"/>
+                      <a:tailEnd type="none" w="med" len="med"/>
+                    </a:lnB>
+                  </a:tcPr>
+                </a:tc>
               </a:tr>
             </a:tbl>
           </a:graphicData>
@@ -12167,7 +12650,30 @@
                   </a:schemeClr>
                 </a:solidFill>
               </a:rPr>
-              <a:t>relative training data</a:t>
+              <a:t>relative training </a:t>
+            </a:r>
+            <a:r>
+              <a:rPr lang="en-US" sz="2000" dirty="0" smtClean="0">
+                <a:solidFill>
+                  <a:schemeClr val="tx2">
+                    <a:lumMod val="50000"/>
+                  </a:schemeClr>
+                </a:solidFill>
+              </a:rPr>
+              <a:t>data</a:t>
+            </a:r>
+          </a:p>
+          <a:p>
+            <a:pPr indent="-228600"/>
+            <a:r>
+              <a:rPr lang="en-US" sz="2000" dirty="0" smtClean="0">
+                <a:solidFill>
+                  <a:schemeClr val="tx2">
+                    <a:lumMod val="50000"/>
+                  </a:schemeClr>
+                </a:solidFill>
+              </a:rPr>
+              <a:t>Deep learning approach</a:t>
             </a:r>
             <a:endParaRPr lang="en-US" sz="2000" dirty="0">
               <a:solidFill>
@@ -12662,8 +13168,46 @@
                     <a:lumOff val="35000"/>
                   </a:schemeClr>
                 </a:solidFill>
+                <a:hlinkClick r:id="rId3"/>
               </a:rPr>
-              <a:t>http://dbpedia.org/</a:t>
+              <a:t>http://dbpedia.org</a:t>
+            </a:r>
+            <a:r>
+              <a:rPr lang="en-US" sz="1200" dirty="0" smtClean="0">
+                <a:solidFill>
+                  <a:schemeClr val="tx1">
+                    <a:lumMod val="65000"/>
+                    <a:lumOff val="35000"/>
+                  </a:schemeClr>
+                </a:solidFill>
+                <a:hlinkClick r:id="rId3"/>
+              </a:rPr>
+              <a:t>/</a:t>
+            </a:r>
+            <a:endParaRPr lang="en-US" sz="1200" dirty="0" smtClean="0">
+              <a:solidFill>
+                <a:schemeClr val="tx1">
+                  <a:lumMod val="65000"/>
+                  <a:lumOff val="35000"/>
+                </a:schemeClr>
+              </a:solidFill>
+            </a:endParaRPr>
+          </a:p>
+          <a:p>
+            <a:pPr marL="228600" lvl="0" indent="-228600">
+              <a:buFont typeface="+mj-lt"/>
+              <a:buAutoNum type="arabicPeriod"/>
+            </a:pPr>
+            <a:r>
+              <a:rPr lang="en-US" sz="1200" dirty="0">
+                <a:solidFill>
+                  <a:schemeClr val="tx1">
+                    <a:lumMod val="65000"/>
+                    <a:lumOff val="35000"/>
+                  </a:schemeClr>
+                </a:solidFill>
+              </a:rPr>
+              <a:t>http://www.thesaurus.com/</a:t>
             </a:r>
             <a:endParaRPr lang="en-US" sz="1200" dirty="0">
               <a:solidFill>
@@ -18044,7 +18588,7 @@
                   </a:schemeClr>
                 </a:solidFill>
               </a:rPr>
-              <a:t>DBpedia</a:t>
+              <a:t>Dbpedia</a:t>
             </a:r>
             <a:endParaRPr lang="en-US" sz="2000" dirty="0" smtClean="0">
               <a:solidFill>
@@ -18110,20 +18654,10 @@
                   </a:schemeClr>
                 </a:solidFill>
               </a:rPr>
-              <a:t>Found information </a:t>
+              <a:t>Found information for </a:t>
             </a:r>
             <a:r>
-              <a:rPr lang="en-US" sz="2000" smtClean="0">
-                <a:solidFill>
-                  <a:schemeClr val="tx2">
-                    <a:lumMod val="50000"/>
-                  </a:schemeClr>
-                </a:solidFill>
-              </a:rPr>
-              <a:t>for </a:t>
-            </a:r>
-            <a:r>
-              <a:rPr lang="en-US" sz="2000" b="1" smtClean="0">
+              <a:rPr lang="en-US" sz="2000" b="1" dirty="0" smtClean="0">
                 <a:solidFill>
                   <a:schemeClr val="tx2">
                     <a:lumMod val="50000"/>
@@ -18133,7 +18667,7 @@
               <a:t>385 314</a:t>
             </a:r>
             <a:r>
-              <a:rPr lang="en-US" sz="2000" smtClean="0">
+              <a:rPr lang="en-US" sz="2000" dirty="0" smtClean="0">
                 <a:solidFill>
                   <a:schemeClr val="tx2">
                     <a:lumMod val="50000"/>
@@ -19744,8 +20278,8 @@
         </p:nvSpPr>
         <p:spPr>
           <a:xfrm>
-            <a:off x="797749" y="1835754"/>
-            <a:ext cx="5911275" cy="3198583"/>
+            <a:off x="797749" y="1385246"/>
+            <a:ext cx="6288851" cy="3583442"/>
           </a:xfrm>
           <a:prstGeom prst="rect">
             <a:avLst/>
@@ -19764,15 +20298,7 @@
                   <a:srgbClr val="D81C5C"/>
                 </a:solidFill>
               </a:rPr>
-              <a:t>Missing </a:t>
-            </a:r>
-            <a:r>
-              <a:rPr lang="en-US" sz="2000" b="1" dirty="0" smtClean="0">
-                <a:solidFill>
-                  <a:srgbClr val="D81C5C"/>
-                </a:solidFill>
-              </a:rPr>
-              <a:t>person file</a:t>
+              <a:t>Missing person file</a:t>
             </a:r>
             <a:r>
               <a:rPr lang="en-US" sz="2000" dirty="0" smtClean="0">
@@ -19887,17 +20413,7 @@
                   </a:schemeClr>
                 </a:solidFill>
               </a:rPr>
-              <a:t>– with and </a:t>
-            </a:r>
-            <a:r>
-              <a:rPr lang="en-US" sz="2000" smtClean="0">
-                <a:solidFill>
-                  <a:schemeClr val="tx2">
-                    <a:lumMod val="50000"/>
-                  </a:schemeClr>
-                </a:solidFill>
-              </a:rPr>
-              <a:t>without synonyms</a:t>
+              <a:t>– with and without synonyms</a:t>
             </a:r>
             <a:endParaRPr lang="en-US" sz="2000" b="1" dirty="0">
               <a:solidFill>
@@ -19991,9 +20507,40 @@
                   </a:schemeClr>
                 </a:solidFill>
               </a:rPr>
-              <a:t>positive persons for each term</a:t>
+              <a:t>positive persons for each </a:t>
             </a:r>
-            <a:endParaRPr lang="en-US" sz="2000" dirty="0">
+            <a:r>
+              <a:rPr lang="en-US" sz="2000" dirty="0" smtClean="0">
+                <a:solidFill>
+                  <a:schemeClr val="tx2">
+                    <a:lumMod val="50000"/>
+                  </a:schemeClr>
+                </a:solidFill>
+              </a:rPr>
+              <a:t>term</a:t>
+            </a:r>
+          </a:p>
+          <a:p>
+            <a:pPr indent="-228600"/>
+            <a:r>
+              <a:rPr lang="en-US" sz="2000" b="1" dirty="0" smtClean="0">
+                <a:solidFill>
+                  <a:srgbClr val="D81C5C"/>
+                </a:solidFill>
+              </a:rPr>
+              <a:t>Word Count</a:t>
+            </a:r>
+            <a:r>
+              <a:rPr lang="en-US" sz="2000" dirty="0" smtClean="0">
+                <a:solidFill>
+                  <a:schemeClr val="tx2">
+                    <a:lumMod val="50000"/>
+                  </a:schemeClr>
+                </a:solidFill>
+              </a:rPr>
+              <a:t> – getting all professions, and setting score, based on the order of appearance</a:t>
+            </a:r>
+            <a:endParaRPr lang="bg-BG" sz="2000" dirty="0" smtClean="0">
               <a:solidFill>
                 <a:schemeClr val="tx2">
                   <a:lumMod val="50000"/>
@@ -20002,8 +20549,46 @@
             </a:endParaRPr>
           </a:p>
           <a:p>
-            <a:pPr marL="457200" lvl="2" indent="-228600"/>
-            <a:endParaRPr lang="en" sz="1800" dirty="0">
+            <a:pPr indent="-228600"/>
+            <a:r>
+              <a:rPr lang="en-US" sz="2000" b="1" dirty="0" smtClean="0">
+                <a:solidFill>
+                  <a:srgbClr val="D81C5C"/>
+                </a:solidFill>
+              </a:rPr>
+              <a:t>Word count, based on synonyms </a:t>
+            </a:r>
+            <a:r>
+              <a:rPr lang="en-US" sz="1800" dirty="0" smtClean="0">
+                <a:solidFill>
+                  <a:schemeClr val="tx2">
+                    <a:lumMod val="50000"/>
+                  </a:schemeClr>
+                </a:solidFill>
+              </a:rPr>
+              <a:t>– profession synonyms have </a:t>
+            </a:r>
+            <a:r>
+              <a:rPr lang="en-US" sz="1800" dirty="0">
+                <a:solidFill>
+                  <a:schemeClr val="tx2">
+                    <a:lumMod val="50000"/>
+                  </a:schemeClr>
+                </a:solidFill>
+              </a:rPr>
+              <a:t>been retrieved from </a:t>
+            </a:r>
+            <a:r>
+              <a:rPr lang="en-US" sz="1800" b="1" i="1" dirty="0">
+                <a:solidFill>
+                  <a:schemeClr val="tx2">
+                    <a:lumMod val="50000"/>
+                  </a:schemeClr>
+                </a:solidFill>
+              </a:rPr>
+              <a:t>thesaurus.com</a:t>
+            </a:r>
+            <a:endParaRPr lang="bg-BG" sz="1800" b="1" i="1" dirty="0">
               <a:solidFill>
                 <a:schemeClr val="tx2">
                   <a:lumMod val="50000"/>

--- a/docs/wsdm.pptx
+++ b/docs/wsdm.pptx
@@ -29,16 +29,16 @@
   <p:notesSz cx="6858000" cy="9144000"/>
   <p:embeddedFontLst>
     <p:embeddedFont>
-      <p:font typeface="Karla" panose="020B0604020202020204" charset="0"/>
+      <p:font typeface="Montserrat" panose="020B0604020202020204" charset="0"/>
       <p:regular r:id="rId19"/>
       <p:bold r:id="rId20"/>
-      <p:italic r:id="rId21"/>
-      <p:boldItalic r:id="rId22"/>
     </p:embeddedFont>
     <p:embeddedFont>
-      <p:font typeface="Montserrat" panose="020B0604020202020204" charset="0"/>
-      <p:regular r:id="rId23"/>
-      <p:bold r:id="rId24"/>
+      <p:font typeface="Karla" panose="020B0604020202020204" charset="0"/>
+      <p:regular r:id="rId21"/>
+      <p:bold r:id="rId22"/>
+      <p:italic r:id="rId23"/>
+      <p:boldItalic r:id="rId24"/>
     </p:embeddedFont>
   </p:embeddedFontLst>
   <p:defaultTextStyle>
@@ -245,7 +245,18 @@
   </p:defaultTextStyle>
   <p:extLst>
     <p:ext uri="{EFAFB233-063F-42B5-8137-9DF3F51BA10A}">
-      <p15:sldGuideLst xmlns:p15="http://schemas.microsoft.com/office/powerpoint/2012/main" xmlns=""/>
+      <p15:sldGuideLst xmlns:p15="http://schemas.microsoft.com/office/powerpoint/2012/main">
+        <p15:guide id="1" orient="horz" pos="1620">
+          <p15:clr>
+            <a:srgbClr val="A4A3A4"/>
+          </p15:clr>
+        </p15:guide>
+        <p15:guide id="2" pos="2880">
+          <p15:clr>
+            <a:srgbClr val="A4A3A4"/>
+          </p15:clr>
+        </p15:guide>
+      </p15:sldGuideLst>
     </p:ext>
   </p:extLst>
 </p:presentation>
@@ -5760,7 +5771,27 @@
                   </a:schemeClr>
                 </a:solidFill>
               </a:rPr>
-              <a:t>– only if Boolean feature cannot decide. Combines all other features (</a:t>
+              <a:t>– only if Boolean feature cannot decide. Combines all other features </a:t>
+            </a:r>
+            <a:r>
+              <a:rPr lang="en-US" sz="2000" dirty="0" smtClean="0">
+                <a:solidFill>
+                  <a:schemeClr val="tx2">
+                    <a:lumMod val="50000"/>
+                  </a:schemeClr>
+                </a:solidFill>
+              </a:rPr>
+              <a:t>(TF-IDF</a:t>
+            </a:r>
+            <a:r>
+              <a:rPr lang="en-US" sz="2000" dirty="0" smtClean="0">
+                <a:solidFill>
+                  <a:schemeClr val="tx2">
+                    <a:lumMod val="50000"/>
+                  </a:schemeClr>
+                </a:solidFill>
+              </a:rPr>
+              <a:t>, Word2Vec and </a:t>
             </a:r>
             <a:r>
               <a:rPr lang="en-US" sz="2000" dirty="0">
@@ -5770,7 +5801,7 @@
                   </a:schemeClr>
                 </a:solidFill>
               </a:rPr>
-              <a:t>Exact matches, </a:t>
+              <a:t>W</a:t>
             </a:r>
             <a:r>
               <a:rPr lang="en-US" sz="2000" dirty="0" smtClean="0">
@@ -5780,7 +5811,17 @@
                   </a:schemeClr>
                 </a:solidFill>
               </a:rPr>
-              <a:t>TF-IDF, Word2Vec and word count)</a:t>
+              <a:t>ord </a:t>
+            </a:r>
+            <a:r>
+              <a:rPr lang="en-US" sz="2000" dirty="0" smtClean="0">
+                <a:solidFill>
+                  <a:schemeClr val="tx2">
+                    <a:lumMod val="50000"/>
+                  </a:schemeClr>
+                </a:solidFill>
+              </a:rPr>
+              <a:t>count)</a:t>
             </a:r>
           </a:p>
           <a:p>
@@ -6774,21 +6815,21 @@
                 <a:gridCol w="1932804">
                   <a:extLst>
                     <a:ext uri="{9D8B030D-6E8A-4147-A177-3AD203B41FA5}">
-                      <a16:colId xmlns="" xmlns:a16="http://schemas.microsoft.com/office/drawing/2014/main" val="20000"/>
+                      <a16:colId xmlns:a16="http://schemas.microsoft.com/office/drawing/2014/main" xmlns="" val="20000"/>
                     </a:ext>
                   </a:extLst>
                 </a:gridCol>
                 <a:gridCol w="1425458">
                   <a:extLst>
                     <a:ext uri="{9D8B030D-6E8A-4147-A177-3AD203B41FA5}">
-                      <a16:colId xmlns="" xmlns:a16="http://schemas.microsoft.com/office/drawing/2014/main" val="20001"/>
+                      <a16:colId xmlns:a16="http://schemas.microsoft.com/office/drawing/2014/main" xmlns="" val="20001"/>
                     </a:ext>
                   </a:extLst>
                 </a:gridCol>
                 <a:gridCol w="1385704">
                   <a:extLst>
                     <a:ext uri="{9D8B030D-6E8A-4147-A177-3AD203B41FA5}">
-                      <a16:colId xmlns="" xmlns:a16="http://schemas.microsoft.com/office/drawing/2014/main" val="20002"/>
+                      <a16:colId xmlns:a16="http://schemas.microsoft.com/office/drawing/2014/main" xmlns="" val="20002"/>
                     </a:ext>
                   </a:extLst>
                 </a:gridCol>
@@ -7068,7 +7109,7 @@
                 </a:tc>
                 <a:extLst>
                   <a:ext uri="{0D108BD9-81ED-4DB2-BD59-A6C34878D82A}">
-                    <a16:rowId xmlns="" xmlns:a16="http://schemas.microsoft.com/office/drawing/2014/main" val="10000"/>
+                    <a16:rowId xmlns:a16="http://schemas.microsoft.com/office/drawing/2014/main" xmlns="" val="10000"/>
                   </a:ext>
                 </a:extLst>
               </a:tr>
@@ -7312,7 +7353,7 @@
                 </a:tc>
                 <a:extLst>
                   <a:ext uri="{0D108BD9-81ED-4DB2-BD59-A6C34878D82A}">
-                    <a16:rowId xmlns="" xmlns:a16="http://schemas.microsoft.com/office/drawing/2014/main" val="10001"/>
+                    <a16:rowId xmlns:a16="http://schemas.microsoft.com/office/drawing/2014/main" xmlns="" val="10001"/>
                   </a:ext>
                 </a:extLst>
               </a:tr>
@@ -7556,7 +7597,7 @@
                 </a:tc>
                 <a:extLst>
                   <a:ext uri="{0D108BD9-81ED-4DB2-BD59-A6C34878D82A}">
-                    <a16:rowId xmlns="" xmlns:a16="http://schemas.microsoft.com/office/drawing/2014/main" val="1379631780"/>
+                    <a16:rowId xmlns:a16="http://schemas.microsoft.com/office/drawing/2014/main" xmlns="" val="1379631780"/>
                   </a:ext>
                 </a:extLst>
               </a:tr>
@@ -7800,7 +7841,7 @@
                 </a:tc>
                 <a:extLst>
                   <a:ext uri="{0D108BD9-81ED-4DB2-BD59-A6C34878D82A}">
-                    <a16:rowId xmlns="" xmlns:a16="http://schemas.microsoft.com/office/drawing/2014/main" val="2682683010"/>
+                    <a16:rowId xmlns:a16="http://schemas.microsoft.com/office/drawing/2014/main" xmlns="" val="2682683010"/>
                   </a:ext>
                 </a:extLst>
               </a:tr>
@@ -8044,7 +8085,7 @@
                 </a:tc>
                 <a:extLst>
                   <a:ext uri="{0D108BD9-81ED-4DB2-BD59-A6C34878D82A}">
-                    <a16:rowId xmlns="" xmlns:a16="http://schemas.microsoft.com/office/drawing/2014/main" val="3904289897"/>
+                    <a16:rowId xmlns:a16="http://schemas.microsoft.com/office/drawing/2014/main" xmlns="" val="3904289897"/>
                   </a:ext>
                 </a:extLst>
               </a:tr>
@@ -8303,7 +8344,7 @@
                 </a:tc>
                 <a:extLst>
                   <a:ext uri="{0D108BD9-81ED-4DB2-BD59-A6C34878D82A}">
-                    <a16:rowId xmlns="" xmlns:a16="http://schemas.microsoft.com/office/drawing/2014/main" val="2900340182"/>
+                    <a16:rowId xmlns:a16="http://schemas.microsoft.com/office/drawing/2014/main" xmlns="" val="2900340182"/>
                   </a:ext>
                 </a:extLst>
               </a:tr>
@@ -10541,6 +10582,13 @@
   <p:clrMapOvr>
     <a:masterClrMapping/>
   </p:clrMapOvr>
+  <p:timing>
+    <p:tnLst>
+      <p:par>
+        <p:cTn id="1" dur="indefinite" restart="never" nodeType="tmRoot"/>
+      </p:par>
+    </p:tnLst>
+  </p:timing>
 </p:sld>
 </file>
 
@@ -12650,17 +12698,7 @@
                   </a:schemeClr>
                 </a:solidFill>
               </a:rPr>
-              <a:t>relative training </a:t>
-            </a:r>
-            <a:r>
-              <a:rPr lang="en-US" sz="2000" dirty="0" smtClean="0">
-                <a:solidFill>
-                  <a:schemeClr val="tx2">
-                    <a:lumMod val="50000"/>
-                  </a:schemeClr>
-                </a:solidFill>
-              </a:rPr>
-              <a:t>data</a:t>
+              <a:t>relative training data</a:t>
             </a:r>
           </a:p>
           <a:p>
@@ -12705,6 +12743,13 @@
   <p:clrMapOvr>
     <a:masterClrMapping/>
   </p:clrMapOvr>
+  <p:timing>
+    <p:tnLst>
+      <p:par>
+        <p:cTn id="1" dur="indefinite" restart="never" nodeType="tmRoot"/>
+      </p:par>
+    </p:tnLst>
+  </p:timing>
 </p:sld>
 </file>
 
@@ -12892,6 +12937,13 @@
   <p:clrMapOvr>
     <a:masterClrMapping/>
   </p:clrMapOvr>
+  <p:timing>
+    <p:tnLst>
+      <p:par>
+        <p:cTn id="1" dur="indefinite" restart="never" nodeType="tmRoot"/>
+      </p:par>
+    </p:tnLst>
+  </p:timing>
 </p:sld>
 </file>
 
@@ -13168,7 +13220,6 @@
                     <a:lumOff val="35000"/>
                   </a:schemeClr>
                 </a:solidFill>
-                <a:hlinkClick r:id="rId3"/>
               </a:rPr>
               <a:t>http://dbpedia.org</a:t>
             </a:r>
@@ -13180,18 +13231,9 @@
                     <a:lumOff val="35000"/>
                   </a:schemeClr>
                 </a:solidFill>
-                <a:hlinkClick r:id="rId3"/>
               </a:rPr>
               <a:t>/</a:t>
             </a:r>
-            <a:endParaRPr lang="en-US" sz="1200" dirty="0" smtClean="0">
-              <a:solidFill>
-                <a:schemeClr val="tx1">
-                  <a:lumMod val="65000"/>
-                  <a:lumOff val="35000"/>
-                </a:schemeClr>
-              </a:solidFill>
-            </a:endParaRPr>
           </a:p>
           <a:p>
             <a:pPr marL="228600" lvl="0" indent="-228600">
@@ -13209,14 +13251,6 @@
               </a:rPr>
               <a:t>http://www.thesaurus.com/</a:t>
             </a:r>
-            <a:endParaRPr lang="en-US" sz="1200" dirty="0">
-              <a:solidFill>
-                <a:schemeClr val="tx1">
-                  <a:lumMod val="65000"/>
-                  <a:lumOff val="35000"/>
-                </a:schemeClr>
-              </a:solidFill>
-            </a:endParaRPr>
           </a:p>
         </p:txBody>
       </p:sp>
@@ -14314,6 +14348,13 @@
   <p:clrMapOvr>
     <a:masterClrMapping/>
   </p:clrMapOvr>
+  <p:timing>
+    <p:tnLst>
+      <p:par>
+        <p:cTn id="1" dur="indefinite" restart="never" nodeType="tmRoot"/>
+      </p:par>
+    </p:tnLst>
+  </p:timing>
 </p:sld>
 </file>
 
@@ -14539,6 +14580,13 @@
   <p:clrMapOvr>
     <a:masterClrMapping/>
   </p:clrMapOvr>
+  <p:timing>
+    <p:tnLst>
+      <p:par>
+        <p:cTn id="1" dur="indefinite" restart="never" nodeType="tmRoot"/>
+      </p:par>
+    </p:tnLst>
+  </p:timing>
 </p:sld>
 </file>
 
@@ -18657,14 +18705,34 @@
               <a:t>Found information for </a:t>
             </a:r>
             <a:r>
-              <a:rPr lang="en-US" sz="2000" b="1" dirty="0" smtClean="0">
+              <a:rPr lang="en-US" sz="2000" b="1" smtClean="0">
                 <a:solidFill>
                   <a:schemeClr val="tx2">
                     <a:lumMod val="50000"/>
                   </a:schemeClr>
                 </a:solidFill>
               </a:rPr>
-              <a:t>385 314</a:t>
+              <a:t>385 </a:t>
+            </a:r>
+            <a:r>
+              <a:rPr lang="en-US" sz="2000" b="1" smtClean="0">
+                <a:solidFill>
+                  <a:schemeClr val="tx2">
+                    <a:lumMod val="50000"/>
+                  </a:schemeClr>
+                </a:solidFill>
+              </a:rPr>
+              <a:t>114</a:t>
+            </a:r>
+            <a:r>
+              <a:rPr lang="en-US" sz="2000" smtClean="0">
+                <a:solidFill>
+                  <a:schemeClr val="tx2">
+                    <a:lumMod val="50000"/>
+                  </a:schemeClr>
+                </a:solidFill>
+              </a:rPr>
+              <a:t> </a:t>
             </a:r>
             <a:r>
               <a:rPr lang="en-US" sz="2000" dirty="0" smtClean="0">
@@ -18674,7 +18742,7 @@
                   </a:schemeClr>
                 </a:solidFill>
               </a:rPr>
-              <a:t> / 385 426</a:t>
+              <a:t>/ 385 426</a:t>
             </a:r>
             <a:endParaRPr lang="en" sz="1800" dirty="0">
               <a:solidFill>
@@ -20392,18 +20460,7 @@
                   </a:schemeClr>
                 </a:solidFill>
               </a:rPr>
-              <a:t> based on generated training data</a:t>
-            </a:r>
-          </a:p>
-          <a:p>
-            <a:pPr indent="-228600"/>
-            <a:r>
-              <a:rPr lang="en-US" sz="2000" b="1" dirty="0" smtClean="0">
-                <a:solidFill>
-                  <a:srgbClr val="D81C5C"/>
-                </a:solidFill>
-              </a:rPr>
-              <a:t>Exact matches </a:t>
+              <a:t> based on generated training </a:t>
             </a:r>
             <a:r>
               <a:rPr lang="en-US" sz="2000" dirty="0" smtClean="0">
@@ -20413,7 +20470,7 @@
                   </a:schemeClr>
                 </a:solidFill>
               </a:rPr>
-              <a:t>– with and without synonyms</a:t>
+              <a:t>data</a:t>
             </a:r>
             <a:endParaRPr lang="en-US" sz="2000" b="1" dirty="0">
               <a:solidFill>
@@ -20507,17 +20564,7 @@
                   </a:schemeClr>
                 </a:solidFill>
               </a:rPr>
-              <a:t>positive persons for each </a:t>
-            </a:r>
-            <a:r>
-              <a:rPr lang="en-US" sz="2000" dirty="0" smtClean="0">
-                <a:solidFill>
-                  <a:schemeClr val="tx2">
-                    <a:lumMod val="50000"/>
-                  </a:schemeClr>
-                </a:solidFill>
-              </a:rPr>
-              <a:t>term</a:t>
+              <a:t>positive persons for each term</a:t>
             </a:r>
           </a:p>
           <a:p>

--- a/docs/wsdm.pptx
+++ b/docs/wsdm.pptx
@@ -5,7 +5,7 @@
     <p:sldMasterId id="2147483660" r:id="rId1"/>
   </p:sldMasterIdLst>
   <p:notesMasterIdLst>
-    <p:notesMasterId r:id="rId18"/>
+    <p:notesMasterId r:id="rId20"/>
   </p:notesMasterIdLst>
   <p:sldIdLst>
     <p:sldId id="285" r:id="rId2"/>
@@ -21,24 +21,26 @@
     <p:sldId id="289" r:id="rId12"/>
     <p:sldId id="290" r:id="rId13"/>
     <p:sldId id="292" r:id="rId14"/>
-    <p:sldId id="294" r:id="rId15"/>
-    <p:sldId id="295" r:id="rId16"/>
-    <p:sldId id="293" r:id="rId17"/>
+    <p:sldId id="302" r:id="rId15"/>
+    <p:sldId id="301" r:id="rId16"/>
+    <p:sldId id="294" r:id="rId17"/>
+    <p:sldId id="295" r:id="rId18"/>
+    <p:sldId id="293" r:id="rId19"/>
   </p:sldIdLst>
   <p:sldSz cx="9144000" cy="5143500" type="screen16x9"/>
   <p:notesSz cx="6858000" cy="9144000"/>
   <p:embeddedFontLst>
-    <p:embeddedFont>
-      <p:font typeface="Montserrat" panose="020B0604020202020204" charset="0"/>
-      <p:regular r:id="rId19"/>
-      <p:bold r:id="rId20"/>
-    </p:embeddedFont>
     <p:embeddedFont>
       <p:font typeface="Karla" panose="020B0604020202020204" charset="0"/>
       <p:regular r:id="rId21"/>
       <p:bold r:id="rId22"/>
       <p:italic r:id="rId23"/>
       <p:boldItalic r:id="rId24"/>
+    </p:embeddedFont>
+    <p:embeddedFont>
+      <p:font typeface="Montserrat" panose="020B0604020202020204" charset="0"/>
+      <p:regular r:id="rId25"/>
+      <p:bold r:id="rId26"/>
     </p:embeddedFont>
   </p:embeddedFontLst>
   <p:defaultTextStyle>
@@ -1059,6 +1061,218 @@
   <p:cSld>
     <p:spTree>
       <p:nvGrpSpPr>
+        <p:cNvPr id="1" name="Shape 253"/>
+        <p:cNvGrpSpPr/>
+        <p:nvPr/>
+      </p:nvGrpSpPr>
+      <p:grpSpPr>
+        <a:xfrm>
+          <a:off x="0" y="0"/>
+          <a:ext cx="0" cy="0"/>
+          <a:chOff x="0" y="0"/>
+          <a:chExt cx="0" cy="0"/>
+        </a:xfrm>
+      </p:grpSpPr>
+      <p:sp>
+        <p:nvSpPr>
+          <p:cNvPr id="254" name="Shape 254"/>
+          <p:cNvSpPr>
+            <a:spLocks noGrp="1" noRot="1" noChangeAspect="1"/>
+          </p:cNvSpPr>
+          <p:nvPr>
+            <p:ph type="sldImg" idx="2"/>
+          </p:nvPr>
+        </p:nvSpPr>
+        <p:spPr>
+          <a:xfrm>
+            <a:off x="381000" y="685800"/>
+            <a:ext cx="6096000" cy="3429000"/>
+          </a:xfrm>
+          <a:custGeom>
+            <a:avLst/>
+            <a:gdLst/>
+            <a:ahLst/>
+            <a:cxnLst/>
+            <a:rect l="0" t="0" r="0" b="0"/>
+            <a:pathLst>
+              <a:path w="120000" h="120000" extrusionOk="0">
+                <a:moveTo>
+                  <a:pt x="0" y="0"/>
+                </a:moveTo>
+                <a:lnTo>
+                  <a:pt x="120000" y="0"/>
+                </a:lnTo>
+                <a:lnTo>
+                  <a:pt x="120000" y="120000"/>
+                </a:lnTo>
+                <a:lnTo>
+                  <a:pt x="0" y="120000"/>
+                </a:lnTo>
+                <a:close/>
+              </a:path>
+            </a:pathLst>
+          </a:custGeom>
+        </p:spPr>
+      </p:sp>
+      <p:sp>
+        <p:nvSpPr>
+          <p:cNvPr id="255" name="Shape 255"/>
+          <p:cNvSpPr txBox="1">
+            <a:spLocks noGrp="1"/>
+          </p:cNvSpPr>
+          <p:nvPr>
+            <p:ph type="body" idx="1"/>
+          </p:nvPr>
+        </p:nvSpPr>
+        <p:spPr>
+          <a:xfrm>
+            <a:off x="685800" y="4343400"/>
+            <a:ext cx="5486399" cy="4114800"/>
+          </a:xfrm>
+          <a:prstGeom prst="rect">
+            <a:avLst/>
+          </a:prstGeom>
+        </p:spPr>
+        <p:txBody>
+          <a:bodyPr lIns="91425" tIns="91425" rIns="91425" bIns="91425" anchor="t" anchorCtr="0">
+            <a:noAutofit/>
+          </a:bodyPr>
+          <a:lstStyle/>
+          <a:p>
+            <a:pPr lvl="0">
+              <a:spcBef>
+                <a:spcPts val="0"/>
+              </a:spcBef>
+              <a:buNone/>
+            </a:pPr>
+            <a:endParaRPr/>
+          </a:p>
+        </p:txBody>
+      </p:sp>
+    </p:spTree>
+    <p:extLst>
+      <p:ext uri="{BB962C8B-B14F-4D97-AF65-F5344CB8AC3E}">
+        <p14:creationId xmlns:p14="http://schemas.microsoft.com/office/powerpoint/2010/main" val="1994795557"/>
+      </p:ext>
+    </p:extLst>
+  </p:cSld>
+  <p:clrMapOvr>
+    <a:masterClrMapping/>
+  </p:clrMapOvr>
+</p:notes>
+</file>
+
+<file path=ppt/notesSlides/notesSlide15.xml><?xml version="1.0" encoding="utf-8"?>
+<p:notes xmlns:a="http://schemas.openxmlformats.org/drawingml/2006/main" xmlns:r="http://schemas.openxmlformats.org/officeDocument/2006/relationships" xmlns:p="http://schemas.openxmlformats.org/presentationml/2006/main" showMasterSp="0" showMasterPhAnim="0">
+  <p:cSld>
+    <p:spTree>
+      <p:nvGrpSpPr>
+        <p:cNvPr id="1" name="Shape 253"/>
+        <p:cNvGrpSpPr/>
+        <p:nvPr/>
+      </p:nvGrpSpPr>
+      <p:grpSpPr>
+        <a:xfrm>
+          <a:off x="0" y="0"/>
+          <a:ext cx="0" cy="0"/>
+          <a:chOff x="0" y="0"/>
+          <a:chExt cx="0" cy="0"/>
+        </a:xfrm>
+      </p:grpSpPr>
+      <p:sp>
+        <p:nvSpPr>
+          <p:cNvPr id="254" name="Shape 254"/>
+          <p:cNvSpPr>
+            <a:spLocks noGrp="1" noRot="1" noChangeAspect="1"/>
+          </p:cNvSpPr>
+          <p:nvPr>
+            <p:ph type="sldImg" idx="2"/>
+          </p:nvPr>
+        </p:nvSpPr>
+        <p:spPr>
+          <a:xfrm>
+            <a:off x="381000" y="685800"/>
+            <a:ext cx="6096000" cy="3429000"/>
+          </a:xfrm>
+          <a:custGeom>
+            <a:avLst/>
+            <a:gdLst/>
+            <a:ahLst/>
+            <a:cxnLst/>
+            <a:rect l="0" t="0" r="0" b="0"/>
+            <a:pathLst>
+              <a:path w="120000" h="120000" extrusionOk="0">
+                <a:moveTo>
+                  <a:pt x="0" y="0"/>
+                </a:moveTo>
+                <a:lnTo>
+                  <a:pt x="120000" y="0"/>
+                </a:lnTo>
+                <a:lnTo>
+                  <a:pt x="120000" y="120000"/>
+                </a:lnTo>
+                <a:lnTo>
+                  <a:pt x="0" y="120000"/>
+                </a:lnTo>
+                <a:close/>
+              </a:path>
+            </a:pathLst>
+          </a:custGeom>
+        </p:spPr>
+      </p:sp>
+      <p:sp>
+        <p:nvSpPr>
+          <p:cNvPr id="255" name="Shape 255"/>
+          <p:cNvSpPr txBox="1">
+            <a:spLocks noGrp="1"/>
+          </p:cNvSpPr>
+          <p:nvPr>
+            <p:ph type="body" idx="1"/>
+          </p:nvPr>
+        </p:nvSpPr>
+        <p:spPr>
+          <a:xfrm>
+            <a:off x="685800" y="4343400"/>
+            <a:ext cx="5486399" cy="4114800"/>
+          </a:xfrm>
+          <a:prstGeom prst="rect">
+            <a:avLst/>
+          </a:prstGeom>
+        </p:spPr>
+        <p:txBody>
+          <a:bodyPr lIns="91425" tIns="91425" rIns="91425" bIns="91425" anchor="t" anchorCtr="0">
+            <a:noAutofit/>
+          </a:bodyPr>
+          <a:lstStyle/>
+          <a:p>
+            <a:pPr lvl="0">
+              <a:spcBef>
+                <a:spcPts val="0"/>
+              </a:spcBef>
+              <a:buNone/>
+            </a:pPr>
+            <a:endParaRPr/>
+          </a:p>
+        </p:txBody>
+      </p:sp>
+    </p:spTree>
+    <p:extLst>
+      <p:ext uri="{BB962C8B-B14F-4D97-AF65-F5344CB8AC3E}">
+        <p14:creationId xmlns:p14="http://schemas.microsoft.com/office/powerpoint/2010/main" val="2222238578"/>
+      </p:ext>
+    </p:extLst>
+  </p:cSld>
+  <p:clrMapOvr>
+    <a:masterClrMapping/>
+  </p:clrMapOvr>
+</p:notes>
+</file>
+
+<file path=ppt/notesSlides/notesSlide16.xml><?xml version="1.0" encoding="utf-8"?>
+<p:notes xmlns:a="http://schemas.openxmlformats.org/drawingml/2006/main" xmlns:r="http://schemas.openxmlformats.org/officeDocument/2006/relationships" xmlns:p="http://schemas.openxmlformats.org/presentationml/2006/main" showMasterSp="0" showMasterPhAnim="0">
+  <p:cSld>
+    <p:spTree>
+      <p:nvGrpSpPr>
         <p:cNvPr id="1" name="Shape 95"/>
         <p:cNvGrpSpPr/>
         <p:nvPr/>
@@ -1160,7 +1374,7 @@
 </p:notes>
 </file>
 
-<file path=ppt/notesSlides/notesSlide15.xml><?xml version="1.0" encoding="utf-8"?>
+<file path=ppt/notesSlides/notesSlide17.xml><?xml version="1.0" encoding="utf-8"?>
 <p:notes xmlns:a="http://schemas.openxmlformats.org/drawingml/2006/main" xmlns:r="http://schemas.openxmlformats.org/officeDocument/2006/relationships" xmlns:p="http://schemas.openxmlformats.org/presentationml/2006/main" showMasterSp="0" showMasterPhAnim="0">
   <p:cSld>
     <p:spTree>
@@ -1266,7 +1480,7 @@
 </p:notes>
 </file>
 
-<file path=ppt/notesSlides/notesSlide16.xml><?xml version="1.0" encoding="utf-8"?>
+<file path=ppt/notesSlides/notesSlide18.xml><?xml version="1.0" encoding="utf-8"?>
 <p:notes xmlns:a="http://schemas.openxmlformats.org/drawingml/2006/main" xmlns:r="http://schemas.openxmlformats.org/officeDocument/2006/relationships" xmlns:p="http://schemas.openxmlformats.org/presentationml/2006/main" showMasterSp="0" showMasterPhAnim="0">
   <p:cSld>
     <p:spTree>
@@ -5739,6 +5953,23 @@
               </a:rPr>
               <a:t>; </a:t>
             </a:r>
+            <a:r>
+              <a:rPr lang="en-US" sz="2000" dirty="0" smtClean="0">
+                <a:solidFill>
+                  <a:schemeClr val="tx2">
+                    <a:lumMod val="50000"/>
+                  </a:schemeClr>
+                </a:solidFill>
+              </a:rPr>
+              <a:t>break;</a:t>
+            </a:r>
+            <a:endParaRPr lang="en-US" sz="2000" dirty="0" smtClean="0">
+              <a:solidFill>
+                <a:schemeClr val="tx2">
+                  <a:lumMod val="50000"/>
+                </a:schemeClr>
+              </a:solidFill>
+            </a:endParaRPr>
           </a:p>
           <a:p>
             <a:pPr marL="228600" indent="-457200">
@@ -5751,10 +5982,10 @@
                   <a:srgbClr val="D81C5C"/>
                 </a:solidFill>
               </a:rPr>
-              <a:t>Linear regression</a:t>
+              <a:t>0.5 * Linear regression + 0.5 * Word count</a:t>
             </a:r>
             <a:r>
-              <a:rPr lang="en-US" sz="2000" dirty="0">
+              <a:rPr lang="en-US" sz="2000" dirty="0" smtClean="0">
                 <a:solidFill>
                   <a:schemeClr val="tx2">
                     <a:lumMod val="50000"/>
@@ -5771,7 +6002,7 @@
                   </a:schemeClr>
                 </a:solidFill>
               </a:rPr>
-              <a:t>– only if Boolean feature cannot decide. Combines all other features </a:t>
+              <a:t>– only if Boolean feature </a:t>
             </a:r>
             <a:r>
               <a:rPr lang="en-US" sz="2000" dirty="0" smtClean="0">
@@ -5781,7 +6012,7 @@
                   </a:schemeClr>
                 </a:solidFill>
               </a:rPr>
-              <a:t>(TF-IDF</a:t>
+              <a:t>cannot decide</a:t>
             </a:r>
             <a:r>
               <a:rPr lang="en-US" sz="2000" dirty="0" smtClean="0">
@@ -5791,7 +6022,17 @@
                   </a:schemeClr>
                 </a:solidFill>
               </a:rPr>
-              <a:t>, Word2Vec and </a:t>
+              <a:t>. </a:t>
+            </a:r>
+            <a:r>
+              <a:rPr lang="en-US" sz="2000" dirty="0" smtClean="0">
+                <a:solidFill>
+                  <a:schemeClr val="tx2">
+                    <a:lumMod val="50000"/>
+                  </a:schemeClr>
+                </a:solidFill>
+              </a:rPr>
+              <a:t>LR combines TF-IDF</a:t>
             </a:r>
             <a:r>
               <a:rPr lang="en-US" sz="2000" dirty="0">
@@ -5801,7 +6042,7 @@
                   </a:schemeClr>
                 </a:solidFill>
               </a:rPr>
-              <a:t>W</a:t>
+              <a:t> </a:t>
             </a:r>
             <a:r>
               <a:rPr lang="en-US" sz="2000" dirty="0" smtClean="0">
@@ -5811,7 +6052,7 @@
                   </a:schemeClr>
                 </a:solidFill>
               </a:rPr>
-              <a:t>ord </a:t>
+              <a:t>and</a:t>
             </a:r>
             <a:r>
               <a:rPr lang="en-US" sz="2000" dirty="0" smtClean="0">
@@ -5821,13 +6062,8 @@
                   </a:schemeClr>
                 </a:solidFill>
               </a:rPr>
-              <a:t>count)</a:t>
+              <a:t> Word2Vec.</a:t>
             </a:r>
-          </a:p>
-          <a:p>
-            <a:pPr>
-              <a:buNone/>
-            </a:pPr>
             <a:endParaRPr lang="en-US" sz="2000" dirty="0">
               <a:solidFill>
                 <a:schemeClr val="tx2">
@@ -6795,14 +7031,14 @@
           <p:nvPr>
             <p:extLst>
               <p:ext uri="{D42A27DB-BD31-4B8C-83A1-F6EECF244321}">
-                <p14:modId xmlns:p14="http://schemas.microsoft.com/office/powerpoint/2010/main" val="2224712882"/>
+                <p14:modId xmlns:p14="http://schemas.microsoft.com/office/powerpoint/2010/main" val="3414134016"/>
               </p:ext>
             </p:extLst>
           </p:nvPr>
         </p:nvGraphicFramePr>
         <p:xfrm>
           <a:off x="995940" y="1389696"/>
-          <a:ext cx="4743966" cy="3117940"/>
+          <a:ext cx="4743966" cy="2242420"/>
         </p:xfrm>
         <a:graphic>
           <a:graphicData uri="http://schemas.openxmlformats.org/drawingml/2006/table">
@@ -6815,21 +7051,21 @@
                 <a:gridCol w="1932804">
                   <a:extLst>
                     <a:ext uri="{9D8B030D-6E8A-4147-A177-3AD203B41FA5}">
-                      <a16:colId xmlns:a16="http://schemas.microsoft.com/office/drawing/2014/main" xmlns="" val="20000"/>
+                      <a16:colId xmlns="" xmlns:a16="http://schemas.microsoft.com/office/drawing/2014/main" val="20000"/>
                     </a:ext>
                   </a:extLst>
                 </a:gridCol>
                 <a:gridCol w="1425458">
                   <a:extLst>
                     <a:ext uri="{9D8B030D-6E8A-4147-A177-3AD203B41FA5}">
-                      <a16:colId xmlns:a16="http://schemas.microsoft.com/office/drawing/2014/main" xmlns="" val="20001"/>
+                      <a16:colId xmlns="" xmlns:a16="http://schemas.microsoft.com/office/drawing/2014/main" val="20001"/>
                     </a:ext>
                   </a:extLst>
                 </a:gridCol>
                 <a:gridCol w="1385704">
                   <a:extLst>
                     <a:ext uri="{9D8B030D-6E8A-4147-A177-3AD203B41FA5}">
-                      <a16:colId xmlns:a16="http://schemas.microsoft.com/office/drawing/2014/main" xmlns="" val="20002"/>
+                      <a16:colId xmlns="" xmlns:a16="http://schemas.microsoft.com/office/drawing/2014/main" val="20002"/>
                     </a:ext>
                   </a:extLst>
                 </a:gridCol>
@@ -7109,495 +7345,7 @@
                 </a:tc>
                 <a:extLst>
                   <a:ext uri="{0D108BD9-81ED-4DB2-BD59-A6C34878D82A}">
-                    <a16:rowId xmlns:a16="http://schemas.microsoft.com/office/drawing/2014/main" xmlns="" val="10000"/>
-                  </a:ext>
-                </a:extLst>
-              </a:tr>
-              <a:tr h="363064">
-                <a:tc>
-                  <a:txBody>
-                    <a:bodyPr/>
-                    <a:lstStyle/>
-                    <a:p>
-                      <a:pPr lvl="0" algn="r">
-                        <a:spcBef>
-                          <a:spcPts val="0"/>
-                        </a:spcBef>
-                        <a:buNone/>
-                      </a:pPr>
-                      <a:r>
-                        <a:rPr lang="en" sz="1200" dirty="0" smtClean="0">
-                          <a:solidFill>
-                            <a:schemeClr val="tx1">
-                              <a:lumMod val="85000"/>
-                              <a:lumOff val="15000"/>
-                            </a:schemeClr>
-                          </a:solidFill>
-                          <a:latin typeface="Karla"/>
-                          <a:ea typeface="Karla"/>
-                          <a:cs typeface="Karla"/>
-                          <a:sym typeface="Karla"/>
-                        </a:rPr>
-                        <a:t>Exact matches</a:t>
-                      </a:r>
-                      <a:endParaRPr lang="en" sz="1200" dirty="0">
-                        <a:solidFill>
-                          <a:schemeClr val="tx1">
-                            <a:lumMod val="85000"/>
-                            <a:lumOff val="15000"/>
-                          </a:schemeClr>
-                        </a:solidFill>
-                        <a:latin typeface="Karla"/>
-                        <a:ea typeface="Karla"/>
-                        <a:cs typeface="Karla"/>
-                        <a:sym typeface="Karla"/>
-                      </a:endParaRPr>
-                    </a:p>
-                  </a:txBody>
-                  <a:tcPr marL="36000" marR="36000" marT="36000" marB="36000" anchor="ctr">
-                    <a:lnL w="19050" cap="flat" cmpd="sng">
-                      <a:solidFill>
-                        <a:srgbClr val="F3F3F3"/>
-                      </a:solidFill>
-                      <a:prstDash val="solid"/>
-                      <a:round/>
-                      <a:headEnd type="none" w="med" len="med"/>
-                      <a:tailEnd type="none" w="med" len="med"/>
-                    </a:lnL>
-                    <a:lnR w="19050" cap="flat" cmpd="sng">
-                      <a:solidFill>
-                        <a:srgbClr val="F3F3F3"/>
-                      </a:solidFill>
-                      <a:prstDash val="solid"/>
-                      <a:round/>
-                      <a:headEnd type="none" w="med" len="med"/>
-                      <a:tailEnd type="none" w="med" len="med"/>
-                    </a:lnR>
-                    <a:lnT w="19050" cap="flat" cmpd="sng">
-                      <a:solidFill>
-                        <a:srgbClr val="D9D9D9"/>
-                      </a:solidFill>
-                      <a:prstDash val="solid"/>
-                      <a:round/>
-                      <a:headEnd type="none" w="med" len="med"/>
-                      <a:tailEnd type="none" w="med" len="med"/>
-                    </a:lnT>
-                    <a:lnB w="19050" cap="flat" cmpd="sng" algn="ctr">
-                      <a:solidFill>
-                        <a:srgbClr val="D9D9D9"/>
-                      </a:solidFill>
-                      <a:prstDash val="solid"/>
-                      <a:round/>
-                      <a:headEnd type="none" w="med" len="med"/>
-                      <a:tailEnd type="none" w="med" len="med"/>
-                    </a:lnB>
-                  </a:tcPr>
-                </a:tc>
-                <a:tc>
-                  <a:txBody>
-                    <a:bodyPr/>
-                    <a:lstStyle/>
-                    <a:p>
-                      <a:pPr lvl="0" algn="ctr">
-                        <a:spcBef>
-                          <a:spcPts val="0"/>
-                        </a:spcBef>
-                        <a:buNone/>
-                      </a:pPr>
-                      <a:r>
-                        <a:rPr lang="en" sz="1100" b="1" dirty="0" smtClean="0">
-                          <a:solidFill>
-                            <a:schemeClr val="tx1">
-                              <a:lumMod val="85000"/>
-                              <a:lumOff val="15000"/>
-                            </a:schemeClr>
-                          </a:solidFill>
-                          <a:latin typeface="Karla"/>
-                          <a:ea typeface="Karla"/>
-                          <a:cs typeface="Karla"/>
-                          <a:sym typeface="Karla"/>
-                        </a:rPr>
-                        <a:t>?</a:t>
-                      </a:r>
-                      <a:endParaRPr lang="en" sz="1100" b="1" dirty="0">
-                        <a:solidFill>
-                          <a:schemeClr val="tx1">
-                            <a:lumMod val="85000"/>
-                            <a:lumOff val="15000"/>
-                          </a:schemeClr>
-                        </a:solidFill>
-                        <a:latin typeface="Karla"/>
-                        <a:ea typeface="Karla"/>
-                        <a:cs typeface="Karla"/>
-                        <a:sym typeface="Karla"/>
-                      </a:endParaRPr>
-                    </a:p>
-                  </a:txBody>
-                  <a:tcPr marL="36000" marR="36000" marT="36000" marB="36000" anchor="ctr">
-                    <a:lnL w="19050" cap="flat" cmpd="sng">
-                      <a:solidFill>
-                        <a:srgbClr val="F3F3F3"/>
-                      </a:solidFill>
-                      <a:prstDash val="solid"/>
-                      <a:round/>
-                      <a:headEnd type="none" w="med" len="med"/>
-                      <a:tailEnd type="none" w="med" len="med"/>
-                    </a:lnL>
-                    <a:lnR w="19050" cap="flat" cmpd="sng">
-                      <a:solidFill>
-                        <a:srgbClr val="F3F3F3"/>
-                      </a:solidFill>
-                      <a:prstDash val="solid"/>
-                      <a:round/>
-                      <a:headEnd type="none" w="med" len="med"/>
-                      <a:tailEnd type="none" w="med" len="med"/>
-                    </a:lnR>
-                    <a:lnT w="19050" cap="flat" cmpd="sng">
-                      <a:solidFill>
-                        <a:srgbClr val="D9D9D9"/>
-                      </a:solidFill>
-                      <a:prstDash val="solid"/>
-                      <a:round/>
-                      <a:headEnd type="none" w="med" len="med"/>
-                      <a:tailEnd type="none" w="med" len="med"/>
-                    </a:lnT>
-                    <a:lnB w="19050" cap="flat" cmpd="sng" algn="ctr">
-                      <a:solidFill>
-                        <a:srgbClr val="D9D9D9"/>
-                      </a:solidFill>
-                      <a:prstDash val="solid"/>
-                      <a:round/>
-                      <a:headEnd type="none" w="med" len="med"/>
-                      <a:tailEnd type="none" w="med" len="med"/>
-                    </a:lnB>
-                  </a:tcPr>
-                </a:tc>
-                <a:tc>
-                  <a:txBody>
-                    <a:bodyPr/>
-                    <a:lstStyle/>
-                    <a:p>
-                      <a:pPr lvl="0" algn="ctr">
-                        <a:spcBef>
-                          <a:spcPts val="0"/>
-                        </a:spcBef>
-                        <a:buNone/>
-                      </a:pPr>
-                      <a:r>
-                        <a:rPr lang="en" sz="1100" b="1" dirty="0" smtClean="0">
-                          <a:solidFill>
-                            <a:schemeClr val="tx1">
-                              <a:lumMod val="85000"/>
-                              <a:lumOff val="15000"/>
-                            </a:schemeClr>
-                          </a:solidFill>
-                          <a:latin typeface="Karla"/>
-                          <a:ea typeface="Karla"/>
-                          <a:cs typeface="Karla"/>
-                          <a:sym typeface="Karla"/>
-                        </a:rPr>
-                        <a:t>?</a:t>
-                      </a:r>
-                      <a:endParaRPr lang="en" sz="1100" b="1" dirty="0">
-                        <a:solidFill>
-                          <a:schemeClr val="tx1">
-                            <a:lumMod val="85000"/>
-                            <a:lumOff val="15000"/>
-                          </a:schemeClr>
-                        </a:solidFill>
-                        <a:latin typeface="Karla"/>
-                        <a:ea typeface="Karla"/>
-                        <a:cs typeface="Karla"/>
-                        <a:sym typeface="Karla"/>
-                      </a:endParaRPr>
-                    </a:p>
-                  </a:txBody>
-                  <a:tcPr marL="36000" marR="36000" marT="36000" marB="36000" anchor="ctr">
-                    <a:lnL w="19050" cap="flat" cmpd="sng">
-                      <a:solidFill>
-                        <a:srgbClr val="F3F3F3"/>
-                      </a:solidFill>
-                      <a:prstDash val="solid"/>
-                      <a:round/>
-                      <a:headEnd type="none" w="med" len="med"/>
-                      <a:tailEnd type="none" w="med" len="med"/>
-                    </a:lnL>
-                    <a:lnR w="19050" cap="flat" cmpd="sng">
-                      <a:solidFill>
-                        <a:srgbClr val="F3F3F3"/>
-                      </a:solidFill>
-                      <a:prstDash val="solid"/>
-                      <a:round/>
-                      <a:headEnd type="none" w="med" len="med"/>
-                      <a:tailEnd type="none" w="med" len="med"/>
-                    </a:lnR>
-                    <a:lnT w="19050" cap="flat" cmpd="sng">
-                      <a:solidFill>
-                        <a:srgbClr val="D9D9D9"/>
-                      </a:solidFill>
-                      <a:prstDash val="solid"/>
-                      <a:round/>
-                      <a:headEnd type="none" w="med" len="med"/>
-                      <a:tailEnd type="none" w="med" len="med"/>
-                    </a:lnT>
-                    <a:lnB w="19050" cap="flat" cmpd="sng" algn="ctr">
-                      <a:solidFill>
-                        <a:srgbClr val="D9D9D9"/>
-                      </a:solidFill>
-                      <a:prstDash val="solid"/>
-                      <a:round/>
-                      <a:headEnd type="none" w="med" len="med"/>
-                      <a:tailEnd type="none" w="med" len="med"/>
-                    </a:lnB>
-                  </a:tcPr>
-                </a:tc>
-                <a:extLst>
-                  <a:ext uri="{0D108BD9-81ED-4DB2-BD59-A6C34878D82A}">
-                    <a16:rowId xmlns:a16="http://schemas.microsoft.com/office/drawing/2014/main" xmlns="" val="10001"/>
-                  </a:ext>
-                </a:extLst>
-              </a:tr>
-              <a:tr h="363064">
-                <a:tc>
-                  <a:txBody>
-                    <a:bodyPr/>
-                    <a:lstStyle/>
-                    <a:p>
-                      <a:pPr lvl="0" algn="r">
-                        <a:spcBef>
-                          <a:spcPts val="0"/>
-                        </a:spcBef>
-                        <a:buNone/>
-                      </a:pPr>
-                      <a:r>
-                        <a:rPr lang="en" sz="1200" dirty="0" smtClean="0">
-                          <a:solidFill>
-                            <a:schemeClr val="tx1">
-                              <a:lumMod val="85000"/>
-                              <a:lumOff val="15000"/>
-                            </a:schemeClr>
-                          </a:solidFill>
-                          <a:latin typeface="Karla"/>
-                          <a:ea typeface="Karla"/>
-                          <a:cs typeface="Karla"/>
-                          <a:sym typeface="Karla"/>
-                        </a:rPr>
-                        <a:t>Exact matches with synonyms</a:t>
-                      </a:r>
-                      <a:endParaRPr lang="en" sz="1200" dirty="0">
-                        <a:solidFill>
-                          <a:schemeClr val="tx1">
-                            <a:lumMod val="85000"/>
-                            <a:lumOff val="15000"/>
-                          </a:schemeClr>
-                        </a:solidFill>
-                        <a:latin typeface="Karla"/>
-                        <a:ea typeface="Karla"/>
-                        <a:cs typeface="Karla"/>
-                        <a:sym typeface="Karla"/>
-                      </a:endParaRPr>
-                    </a:p>
-                  </a:txBody>
-                  <a:tcPr marL="36000" marR="36000" marT="36000" marB="36000" anchor="ctr">
-                    <a:lnL w="19050" cap="flat" cmpd="sng">
-                      <a:solidFill>
-                        <a:srgbClr val="F3F3F3"/>
-                      </a:solidFill>
-                      <a:prstDash val="solid"/>
-                      <a:round/>
-                      <a:headEnd type="none" w="med" len="med"/>
-                      <a:tailEnd type="none" w="med" len="med"/>
-                    </a:lnL>
-                    <a:lnR w="19050" cap="flat" cmpd="sng" algn="ctr">
-                      <a:solidFill>
-                        <a:srgbClr val="F3F3F3"/>
-                      </a:solidFill>
-                      <a:prstDash val="solid"/>
-                      <a:round/>
-                      <a:headEnd type="none" w="med" len="med"/>
-                      <a:tailEnd type="none" w="med" len="med"/>
-                    </a:lnR>
-                    <a:lnT w="19050" cap="flat" cmpd="sng">
-                      <a:solidFill>
-                        <a:srgbClr val="D9D9D9"/>
-                      </a:solidFill>
-                      <a:prstDash val="solid"/>
-                      <a:round/>
-                      <a:headEnd type="none" w="med" len="med"/>
-                      <a:tailEnd type="none" w="med" len="med"/>
-                    </a:lnT>
-                    <a:lnB w="19050" cap="flat" cmpd="sng" algn="ctr">
-                      <a:solidFill>
-                        <a:srgbClr val="D9D9D9"/>
-                      </a:solidFill>
-                      <a:prstDash val="solid"/>
-                      <a:round/>
-                      <a:headEnd type="none" w="med" len="med"/>
-                      <a:tailEnd type="none" w="med" len="med"/>
-                    </a:lnB>
-                  </a:tcPr>
-                </a:tc>
-                <a:tc>
-                  <a:txBody>
-                    <a:bodyPr/>
-                    <a:lstStyle/>
-                    <a:p>
-                      <a:pPr lvl="0" algn="ctr">
-                        <a:spcBef>
-                          <a:spcPts val="0"/>
-                        </a:spcBef>
-                        <a:buNone/>
-                      </a:pPr>
-                      <a:r>
-                        <a:rPr lang="en" sz="1100" b="1" dirty="0" smtClean="0">
-                          <a:solidFill>
-                            <a:schemeClr val="tx1">
-                              <a:lumMod val="85000"/>
-                              <a:lumOff val="15000"/>
-                            </a:schemeClr>
-                          </a:solidFill>
-                          <a:latin typeface="Karla"/>
-                          <a:ea typeface="Karla"/>
-                          <a:cs typeface="Karla"/>
-                          <a:sym typeface="Karla"/>
-                        </a:rPr>
-                        <a:t>?</a:t>
-                      </a:r>
-                      <a:endParaRPr lang="en" sz="1100" b="1" dirty="0">
-                        <a:solidFill>
-                          <a:schemeClr val="tx1">
-                            <a:lumMod val="85000"/>
-                            <a:lumOff val="15000"/>
-                          </a:schemeClr>
-                        </a:solidFill>
-                        <a:latin typeface="Karla"/>
-                        <a:ea typeface="Karla"/>
-                        <a:cs typeface="Karla"/>
-                        <a:sym typeface="Karla"/>
-                      </a:endParaRPr>
-                    </a:p>
-                  </a:txBody>
-                  <a:tcPr marL="36000" marR="36000" marT="36000" marB="36000" anchor="ctr">
-                    <a:lnL w="19050" cap="flat" cmpd="sng" algn="ctr">
-                      <a:solidFill>
-                        <a:srgbClr val="F3F3F3"/>
-                      </a:solidFill>
-                      <a:prstDash val="solid"/>
-                      <a:round/>
-                      <a:headEnd type="none" w="med" len="med"/>
-                      <a:tailEnd type="none" w="med" len="med"/>
-                    </a:lnL>
-                    <a:lnR w="19050" cap="flat" cmpd="sng" algn="ctr">
-                      <a:solidFill>
-                        <a:srgbClr val="F3F3F3"/>
-                      </a:solidFill>
-                      <a:prstDash val="solid"/>
-                      <a:round/>
-                      <a:headEnd type="none" w="med" len="med"/>
-                      <a:tailEnd type="none" w="med" len="med"/>
-                    </a:lnR>
-                    <a:lnT w="19050" cap="flat" cmpd="sng">
-                      <a:solidFill>
-                        <a:srgbClr val="D9D9D9"/>
-                      </a:solidFill>
-                      <a:prstDash val="solid"/>
-                      <a:round/>
-                      <a:headEnd type="none" w="med" len="med"/>
-                      <a:tailEnd type="none" w="med" len="med"/>
-                    </a:lnT>
-                    <a:lnB w="19050" cap="flat" cmpd="sng" algn="ctr">
-                      <a:solidFill>
-                        <a:srgbClr val="D9D9D9"/>
-                      </a:solidFill>
-                      <a:prstDash val="solid"/>
-                      <a:round/>
-                      <a:headEnd type="none" w="med" len="med"/>
-                      <a:tailEnd type="none" w="med" len="med"/>
-                    </a:lnB>
-                  </a:tcPr>
-                </a:tc>
-                <a:tc>
-                  <a:txBody>
-                    <a:bodyPr/>
-                    <a:lstStyle/>
-                    <a:p>
-                      <a:pPr lvl="0" algn="ctr">
-                        <a:spcBef>
-                          <a:spcPts val="0"/>
-                        </a:spcBef>
-                        <a:buNone/>
-                      </a:pPr>
-                      <a:r>
-                        <a:rPr lang="en" sz="1100" b="1" dirty="0" smtClean="0">
-                          <a:solidFill>
-                            <a:schemeClr val="tx1">
-                              <a:lumMod val="85000"/>
-                              <a:lumOff val="15000"/>
-                            </a:schemeClr>
-                          </a:solidFill>
-                          <a:latin typeface="Karla"/>
-                          <a:ea typeface="Karla"/>
-                          <a:cs typeface="Karla"/>
-                          <a:sym typeface="Karla"/>
-                        </a:rPr>
-                        <a:t>?</a:t>
-                      </a:r>
-                      <a:endParaRPr lang="en" sz="1100" b="1" dirty="0">
-                        <a:solidFill>
-                          <a:schemeClr val="tx1">
-                            <a:lumMod val="85000"/>
-                            <a:lumOff val="15000"/>
-                          </a:schemeClr>
-                        </a:solidFill>
-                        <a:latin typeface="Karla"/>
-                        <a:ea typeface="Karla"/>
-                        <a:cs typeface="Karla"/>
-                        <a:sym typeface="Karla"/>
-                      </a:endParaRPr>
-                    </a:p>
-                  </a:txBody>
-                  <a:tcPr marL="36000" marR="36000" marT="36000" marB="36000" anchor="ctr">
-                    <a:lnL w="19050" cap="flat" cmpd="sng" algn="ctr">
-                      <a:solidFill>
-                        <a:srgbClr val="F3F3F3"/>
-                      </a:solidFill>
-                      <a:prstDash val="solid"/>
-                      <a:round/>
-                      <a:headEnd type="none" w="med" len="med"/>
-                      <a:tailEnd type="none" w="med" len="med"/>
-                    </a:lnL>
-                    <a:lnR w="19050" cap="flat" cmpd="sng">
-                      <a:solidFill>
-                        <a:srgbClr val="F3F3F3"/>
-                      </a:solidFill>
-                      <a:prstDash val="solid"/>
-                      <a:round/>
-                      <a:headEnd type="none" w="med" len="med"/>
-                      <a:tailEnd type="none" w="med" len="med"/>
-                    </a:lnR>
-                    <a:lnT w="19050" cap="flat" cmpd="sng">
-                      <a:solidFill>
-                        <a:srgbClr val="D9D9D9"/>
-                      </a:solidFill>
-                      <a:prstDash val="solid"/>
-                      <a:round/>
-                      <a:headEnd type="none" w="med" len="med"/>
-                      <a:tailEnd type="none" w="med" len="med"/>
-                    </a:lnT>
-                    <a:lnB w="19050" cap="flat" cmpd="sng" algn="ctr">
-                      <a:solidFill>
-                        <a:srgbClr val="D9D9D9"/>
-                      </a:solidFill>
-                      <a:prstDash val="solid"/>
-                      <a:round/>
-                      <a:headEnd type="none" w="med" len="med"/>
-                      <a:tailEnd type="none" w="med" len="med"/>
-                    </a:lnB>
-                  </a:tcPr>
-                </a:tc>
-                <a:extLst>
-                  <a:ext uri="{0D108BD9-81ED-4DB2-BD59-A6C34878D82A}">
-                    <a16:rowId xmlns:a16="http://schemas.microsoft.com/office/drawing/2014/main" xmlns="" val="1379631780"/>
+                    <a16:rowId xmlns="" xmlns:a16="http://schemas.microsoft.com/office/drawing/2014/main" val="10000"/>
                   </a:ext>
                 </a:extLst>
               </a:tr>
@@ -7661,7 +7409,7 @@
                       <a:headEnd type="none" w="med" len="med"/>
                       <a:tailEnd type="none" w="med" len="med"/>
                     </a:lnR>
-                    <a:lnT w="19050" cap="flat" cmpd="sng">
+                    <a:lnT w="19050" cap="flat" cmpd="sng" algn="ctr">
                       <a:solidFill>
                         <a:srgbClr val="D9D9D9"/>
                       </a:solidFill>
@@ -7693,7 +7441,7 @@
                         <a:buNone/>
                       </a:pPr>
                       <a:r>
-                        <a:rPr lang="en" sz="1100" b="1" dirty="0" smtClean="0">
+                        <a:rPr lang="en" sz="1100" b="1" smtClean="0">
                           <a:solidFill>
                             <a:schemeClr val="tx1">
                               <a:lumMod val="85000"/>
@@ -7772,7 +7520,7 @@
                         <a:buNone/>
                       </a:pPr>
                       <a:r>
-                        <a:rPr lang="en" sz="1100" b="1" dirty="0" smtClean="0">
+                        <a:rPr lang="en" sz="1100" b="1" smtClean="0">
                           <a:solidFill>
                             <a:schemeClr val="tx1">
                               <a:lumMod val="85000"/>
@@ -7841,7 +7589,7 @@
                 </a:tc>
                 <a:extLst>
                   <a:ext uri="{0D108BD9-81ED-4DB2-BD59-A6C34878D82A}">
-                    <a16:rowId xmlns:a16="http://schemas.microsoft.com/office/drawing/2014/main" xmlns="" val="2682683010"/>
+                    <a16:rowId xmlns="" xmlns:a16="http://schemas.microsoft.com/office/drawing/2014/main" val="2682683010"/>
                   </a:ext>
                 </a:extLst>
               </a:tr>
@@ -8016,7 +7764,7 @@
                         <a:buNone/>
                       </a:pPr>
                       <a:r>
-                        <a:rPr lang="en" sz="1100" b="1" dirty="0" smtClean="0">
+                        <a:rPr lang="en" sz="1100" b="1" smtClean="0">
                           <a:solidFill>
                             <a:schemeClr val="tx1">
                               <a:lumMod val="85000"/>
@@ -8085,7 +7833,7 @@
                 </a:tc>
                 <a:extLst>
                   <a:ext uri="{0D108BD9-81ED-4DB2-BD59-A6C34878D82A}">
-                    <a16:rowId xmlns:a16="http://schemas.microsoft.com/office/drawing/2014/main" xmlns="" val="3904289897"/>
+                    <a16:rowId xmlns="" xmlns:a16="http://schemas.microsoft.com/office/drawing/2014/main" val="3904289897"/>
                   </a:ext>
                 </a:extLst>
               </a:tr>
@@ -8102,7 +7850,7 @@
                         <a:buNone/>
                       </a:pPr>
                       <a:r>
-                        <a:rPr lang="en-US" sz="1200" dirty="0" smtClean="0">
+                        <a:rPr lang="en-US" sz="1200" smtClean="0">
                           <a:solidFill>
                             <a:schemeClr val="tx1">
                               <a:lumMod val="85000"/>
@@ -8117,7 +7865,7 @@
                         <a:t>Linear</a:t>
                       </a:r>
                       <a:r>
-                        <a:rPr lang="en-US" sz="1200" baseline="0" dirty="0" smtClean="0">
+                        <a:rPr lang="en-US" sz="1200" baseline="0" smtClean="0">
                           <a:solidFill>
                             <a:schemeClr val="tx1">
                               <a:lumMod val="85000"/>
@@ -8208,7 +7956,7 @@
                           <a:cs typeface="Karla"/>
                           <a:sym typeface="Karla"/>
                         </a:rPr>
-                        <a:t>?</a:t>
+                        <a:t>2.46</a:t>
                       </a:r>
                       <a:endParaRPr lang="en" sz="1100" b="1" dirty="0">
                         <a:solidFill>
@@ -8287,7 +8035,7 @@
                           <a:cs typeface="Karla"/>
                           <a:sym typeface="Karla"/>
                         </a:rPr>
-                        <a:t>?</a:t>
+                        <a:t>1.93</a:t>
                       </a:r>
                       <a:endParaRPr lang="en" sz="1100" b="1" dirty="0">
                         <a:solidFill>
@@ -8344,7 +8092,7 @@
                 </a:tc>
                 <a:extLst>
                   <a:ext uri="{0D108BD9-81ED-4DB2-BD59-A6C34878D82A}">
-                    <a16:rowId xmlns:a16="http://schemas.microsoft.com/office/drawing/2014/main" xmlns="" val="2900340182"/>
+                    <a16:rowId xmlns="" xmlns:a16="http://schemas.microsoft.com/office/drawing/2014/main" val="2900340182"/>
                   </a:ext>
                 </a:extLst>
               </a:tr>
@@ -8452,7 +8200,7 @@
                           <a:cs typeface="Karla"/>
                           <a:sym typeface="Karla"/>
                         </a:rPr>
-                        <a:t>?</a:t>
+                        <a:t>1.41</a:t>
                       </a:r>
                       <a:endParaRPr lang="en" sz="1100" b="1" dirty="0">
                         <a:solidFill>
@@ -8531,7 +8279,7 @@
                           <a:cs typeface="Karla"/>
                           <a:sym typeface="Karla"/>
                         </a:rPr>
-                        <a:t>?</a:t>
+                        <a:t>2.00</a:t>
                       </a:r>
                       <a:endParaRPr lang="en" sz="1100" b="1" dirty="0">
                         <a:solidFill>
@@ -8600,7 +8348,7 @@
                         <a:buNone/>
                       </a:pPr>
                       <a:r>
-                        <a:rPr lang="en" sz="1200" dirty="0" smtClean="0">
+                        <a:rPr lang="en" sz="1200" b="1" dirty="0" smtClean="0">
                           <a:solidFill>
                             <a:schemeClr val="tx1">
                               <a:lumMod val="85000"/>
@@ -8612,9 +8360,9 @@
                           <a:cs typeface="Karla"/>
                           <a:sym typeface="Karla"/>
                         </a:rPr>
-                        <a:t>Word count, based on synonyms</a:t>
+                        <a:t>COMBINED</a:t>
                       </a:r>
-                      <a:endParaRPr lang="en" sz="1200" dirty="0">
+                      <a:endParaRPr lang="en" sz="1200" b="1" dirty="0">
                         <a:solidFill>
                           <a:schemeClr val="tx1">
                             <a:lumMod val="85000"/>
@@ -8647,7 +8395,7 @@
                       <a:headEnd type="none" w="med" len="med"/>
                       <a:tailEnd type="none" w="med" len="med"/>
                     </a:lnR>
-                    <a:lnT w="19050" cap="flat" cmpd="sng">
+                    <a:lnT w="19050" cap="flat" cmpd="sng" algn="ctr">
                       <a:solidFill>
                         <a:srgbClr val="D9D9D9"/>
                       </a:solidFill>
@@ -8691,7 +8439,7 @@
                           <a:cs typeface="Karla"/>
                           <a:sym typeface="Karla"/>
                         </a:rPr>
-                        <a:t>?</a:t>
+                        <a:t>1.65</a:t>
                       </a:r>
                       <a:endParaRPr lang="en" sz="1100" b="1" dirty="0">
                         <a:solidFill>
@@ -8726,7 +8474,7 @@
                       <a:headEnd type="none" w="med" len="med"/>
                       <a:tailEnd type="none" w="med" len="med"/>
                     </a:lnR>
-                    <a:lnT w="19050" cap="flat" cmpd="sng">
+                    <a:lnT w="19050" cap="flat" cmpd="sng" algn="ctr">
                       <a:solidFill>
                         <a:srgbClr val="D9D9D9"/>
                       </a:solidFill>
@@ -8758,7 +8506,7 @@
                         <a:buNone/>
                       </a:pPr>
                       <a:r>
-                        <a:rPr lang="en" sz="1100" b="1" smtClean="0">
+                        <a:rPr lang="en" sz="1100" b="1" dirty="0" smtClean="0">
                           <a:solidFill>
                             <a:schemeClr val="tx1">
                               <a:lumMod val="85000"/>
@@ -8770,7 +8518,7 @@
                           <a:cs typeface="Karla"/>
                           <a:sym typeface="Karla"/>
                         </a:rPr>
-                        <a:t>?</a:t>
+                        <a:t>1.67</a:t>
                       </a:r>
                       <a:endParaRPr lang="en" sz="1100" b="1" dirty="0">
                         <a:solidFill>
@@ -8805,7 +8553,7 @@
                       <a:headEnd type="none" w="med" len="med"/>
                       <a:tailEnd type="none" w="med" len="med"/>
                     </a:lnR>
-                    <a:lnT w="19050" cap="flat" cmpd="sng">
+                    <a:lnT w="19050" cap="flat" cmpd="sng" algn="ctr">
                       <a:solidFill>
                         <a:srgbClr val="D9D9D9"/>
                       </a:solidFill>
@@ -10644,24 +10392,12 @@
           <a:p>
             <a:pPr lvl="0"/>
             <a:r>
-              <a:rPr lang="en" sz="2400" dirty="0">
+              <a:rPr lang="en" sz="2400" dirty="0" smtClean="0">
                 <a:solidFill>
                   <a:srgbClr val="4CAF50"/>
                 </a:solidFill>
               </a:rPr>
-              <a:t>Future work </a:t>
-            </a:r>
-            <a:r>
-              <a:rPr lang="en" sz="2400" dirty="0"/>
-              <a:t>and </a:t>
-            </a:r>
-            <a:r>
-              <a:rPr lang="en" sz="2400" dirty="0">
-                <a:solidFill>
-                  <a:srgbClr val="4CAF50"/>
-                </a:solidFill>
-              </a:rPr>
-              <a:t>Conclusion</a:t>
+              <a:t>Evaluation metrics</a:t>
             </a:r>
             <a:endParaRPr lang="en" sz="2400" dirty="0"/>
           </a:p>
@@ -12646,83 +12382,50 @@
             </a:lvl9pPr>
           </a:lstStyle>
           <a:p>
-            <a:pPr indent="-228600"/>
             <a:r>
-              <a:rPr lang="en-US" sz="2000" dirty="0">
-                <a:solidFill>
-                  <a:schemeClr val="tx2">
-                    <a:lumMod val="50000"/>
-                  </a:schemeClr>
-                </a:solidFill>
-              </a:rPr>
-              <a:t>Different algorithms</a:t>
+              <a:rPr lang="en-US" sz="2000" dirty="0" smtClean="0"/>
+              <a:t>Accuracy</a:t>
+            </a:r>
+            <a:r>
+              <a:rPr lang="en-US" sz="2000" dirty="0"/>
+              <a:t> </a:t>
+            </a:r>
+            <a:r>
+              <a:rPr lang="en-US" sz="2000" dirty="0" smtClean="0"/>
+              <a:t>(difference &lt;= 2)</a:t>
             </a:r>
           </a:p>
           <a:p>
-            <a:pPr indent="-228600"/>
             <a:r>
-              <a:rPr lang="en-US" sz="2000" dirty="0" smtClean="0">
-                <a:solidFill>
-                  <a:schemeClr val="tx2">
-                    <a:lumMod val="50000"/>
-                  </a:schemeClr>
-                </a:solidFill>
-              </a:rPr>
-              <a:t>More features: n-grams, anything else?</a:t>
-            </a:r>
-            <a:endParaRPr lang="en-US" sz="2000" dirty="0">
-              <a:solidFill>
-                <a:schemeClr val="tx2">
-                  <a:lumMod val="50000"/>
-                </a:schemeClr>
-              </a:solidFill>
-            </a:endParaRPr>
-          </a:p>
-          <a:p>
-            <a:pPr indent="-228600"/>
-            <a:r>
-              <a:rPr lang="en-US" sz="2000" dirty="0">
-                <a:solidFill>
-                  <a:schemeClr val="tx2">
-                    <a:lumMod val="50000"/>
-                  </a:schemeClr>
-                </a:solidFill>
-              </a:rPr>
-              <a:t>More </a:t>
+              <a:rPr lang="en-US" sz="2000" dirty="0"/>
+              <a:t>Average score </a:t>
             </a:r>
             <a:r>
-              <a:rPr lang="en-US" sz="2000" dirty="0" smtClean="0">
-                <a:solidFill>
-                  <a:schemeClr val="tx2">
-                    <a:lumMod val="50000"/>
-                  </a:schemeClr>
-                </a:solidFill>
-              </a:rPr>
-              <a:t>relative training data</a:t>
+              <a:rPr lang="en-US" sz="2000" dirty="0" smtClean="0"/>
+              <a:t>difference </a:t>
+            </a:r>
+            <a:r>
+              <a:rPr lang="en-US" sz="2000" dirty="0"/>
+              <a:t>(</a:t>
+            </a:r>
+            <a:r>
+              <a:rPr lang="en-US" sz="2000" dirty="0" err="1"/>
+              <a:t>asd</a:t>
+            </a:r>
+            <a:r>
+              <a:rPr lang="en-US" sz="2000" dirty="0" smtClean="0"/>
+              <a:t>)</a:t>
             </a:r>
           </a:p>
           <a:p>
-            <a:pPr indent="-228600"/>
             <a:r>
-              <a:rPr lang="en-US" sz="2000" dirty="0" smtClean="0">
-                <a:solidFill>
-                  <a:schemeClr val="tx2">
-                    <a:lumMod val="50000"/>
-                  </a:schemeClr>
-                </a:solidFill>
-              </a:rPr>
-              <a:t>Deep learning approach</a:t>
+              <a:rPr lang="en-US" sz="2000" dirty="0"/>
+              <a:t>Kendall's </a:t>
             </a:r>
-            <a:endParaRPr lang="en-US" sz="2000" dirty="0">
-              <a:solidFill>
-                <a:schemeClr val="tx2">
-                  <a:lumMod val="50000"/>
-                </a:schemeClr>
-              </a:solidFill>
-            </a:endParaRPr>
-          </a:p>
-          <a:p>
-            <a:pPr indent="-228600"/>
+            <a:r>
+              <a:rPr lang="en-US" sz="2000" dirty="0" smtClean="0"/>
+              <a:t>Tau</a:t>
+            </a:r>
             <a:endParaRPr lang="en" sz="2000" dirty="0">
               <a:solidFill>
                 <a:schemeClr val="tx2">
@@ -12754,6 +12457,4352 @@
 </file>
 
 <file path=ppt/slides/slide14.xml><?xml version="1.0" encoding="utf-8"?>
+<p:sld xmlns:a="http://schemas.openxmlformats.org/drawingml/2006/main" xmlns:r="http://schemas.openxmlformats.org/officeDocument/2006/relationships" xmlns:p="http://schemas.openxmlformats.org/presentationml/2006/main">
+  <p:cSld>
+    <p:bg>
+      <p:bgPr>
+        <a:solidFill>
+          <a:srgbClr val="00B050"/>
+        </a:solidFill>
+        <a:effectLst/>
+      </p:bgPr>
+    </p:bg>
+    <p:spTree>
+      <p:nvGrpSpPr>
+        <p:cNvPr id="1" name="Shape 256"/>
+        <p:cNvGrpSpPr/>
+        <p:nvPr/>
+      </p:nvGrpSpPr>
+      <p:grpSpPr>
+        <a:xfrm>
+          <a:off x="0" y="0"/>
+          <a:ext cx="0" cy="0"/>
+          <a:chOff x="0" y="0"/>
+          <a:chExt cx="0" cy="0"/>
+        </a:xfrm>
+      </p:grpSpPr>
+      <p:sp>
+        <p:nvSpPr>
+          <p:cNvPr id="257" name="Shape 257"/>
+          <p:cNvSpPr txBox="1">
+            <a:spLocks noGrp="1"/>
+          </p:cNvSpPr>
+          <p:nvPr>
+            <p:ph type="title"/>
+          </p:nvPr>
+        </p:nvSpPr>
+        <p:spPr>
+          <a:xfrm>
+            <a:off x="1422741" y="885458"/>
+            <a:ext cx="4935784" cy="409500"/>
+          </a:xfrm>
+          <a:prstGeom prst="rect">
+            <a:avLst/>
+          </a:prstGeom>
+        </p:spPr>
+        <p:txBody>
+          <a:bodyPr lIns="91425" tIns="91425" rIns="91425" bIns="91425" anchor="b" anchorCtr="0">
+            <a:noAutofit/>
+          </a:bodyPr>
+          <a:lstStyle/>
+          <a:p>
+            <a:pPr lvl="0"/>
+            <a:r>
+              <a:rPr lang="en" sz="2400" dirty="0" smtClean="0">
+                <a:solidFill>
+                  <a:srgbClr val="4CAF50"/>
+                </a:solidFill>
+              </a:rPr>
+              <a:t>Final results </a:t>
+            </a:r>
+            <a:r>
+              <a:rPr lang="en" sz="2400" dirty="0"/>
+              <a:t>(21 teams</a:t>
+            </a:r>
+            <a:r>
+              <a:rPr lang="en" sz="2400" dirty="0" smtClean="0"/>
+              <a:t>) *</a:t>
+            </a:r>
+            <a:endParaRPr lang="en" sz="2400" dirty="0"/>
+          </a:p>
+        </p:txBody>
+      </p:sp>
+      <p:grpSp>
+        <p:nvGrpSpPr>
+          <p:cNvPr id="259" name="Shape 259"/>
+          <p:cNvGrpSpPr/>
+          <p:nvPr/>
+        </p:nvGrpSpPr>
+        <p:grpSpPr>
+          <a:xfrm>
+            <a:off x="841289" y="821957"/>
+            <a:ext cx="449036" cy="470807"/>
+            <a:chOff x="5961125" y="1623900"/>
+            <a:chExt cx="427450" cy="448175"/>
+          </a:xfrm>
+        </p:grpSpPr>
+        <p:sp>
+          <p:nvSpPr>
+            <p:cNvPr id="260" name="Shape 260"/>
+            <p:cNvSpPr/>
+            <p:nvPr/>
+          </p:nvSpPr>
+          <p:spPr>
+            <a:xfrm>
+              <a:off x="5961125" y="1678700"/>
+              <a:ext cx="376925" cy="376925"/>
+            </a:xfrm>
+            <a:custGeom>
+              <a:avLst/>
+              <a:gdLst/>
+              <a:ahLst/>
+              <a:cxnLst/>
+              <a:rect l="0" t="0" r="0" b="0"/>
+              <a:pathLst>
+                <a:path w="15077" h="15077" fill="none" extrusionOk="0">
+                  <a:moveTo>
+                    <a:pt x="11813" y="1340"/>
+                  </a:moveTo>
+                  <a:lnTo>
+                    <a:pt x="11813" y="1340"/>
+                  </a:lnTo>
+                  <a:lnTo>
+                    <a:pt x="11350" y="1024"/>
+                  </a:lnTo>
+                  <a:lnTo>
+                    <a:pt x="10863" y="780"/>
+                  </a:lnTo>
+                  <a:lnTo>
+                    <a:pt x="10351" y="537"/>
+                  </a:lnTo>
+                  <a:lnTo>
+                    <a:pt x="9816" y="342"/>
+                  </a:lnTo>
+                  <a:lnTo>
+                    <a:pt x="9280" y="196"/>
+                  </a:lnTo>
+                  <a:lnTo>
+                    <a:pt x="8720" y="98"/>
+                  </a:lnTo>
+                  <a:lnTo>
+                    <a:pt x="8135" y="25"/>
+                  </a:lnTo>
+                  <a:lnTo>
+                    <a:pt x="7551" y="1"/>
+                  </a:lnTo>
+                  <a:lnTo>
+                    <a:pt x="7551" y="1"/>
+                  </a:lnTo>
+                  <a:lnTo>
+                    <a:pt x="7161" y="1"/>
+                  </a:lnTo>
+                  <a:lnTo>
+                    <a:pt x="6771" y="50"/>
+                  </a:lnTo>
+                  <a:lnTo>
+                    <a:pt x="6406" y="98"/>
+                  </a:lnTo>
+                  <a:lnTo>
+                    <a:pt x="6041" y="147"/>
+                  </a:lnTo>
+                  <a:lnTo>
+                    <a:pt x="5675" y="244"/>
+                  </a:lnTo>
+                  <a:lnTo>
+                    <a:pt x="5310" y="342"/>
+                  </a:lnTo>
+                  <a:lnTo>
+                    <a:pt x="4969" y="464"/>
+                  </a:lnTo>
+                  <a:lnTo>
+                    <a:pt x="4628" y="585"/>
+                  </a:lnTo>
+                  <a:lnTo>
+                    <a:pt x="4287" y="731"/>
+                  </a:lnTo>
+                  <a:lnTo>
+                    <a:pt x="3970" y="902"/>
+                  </a:lnTo>
+                  <a:lnTo>
+                    <a:pt x="3654" y="1097"/>
+                  </a:lnTo>
+                  <a:lnTo>
+                    <a:pt x="3337" y="1292"/>
+                  </a:lnTo>
+                  <a:lnTo>
+                    <a:pt x="3045" y="1486"/>
+                  </a:lnTo>
+                  <a:lnTo>
+                    <a:pt x="2753" y="1730"/>
+                  </a:lnTo>
+                  <a:lnTo>
+                    <a:pt x="2485" y="1949"/>
+                  </a:lnTo>
+                  <a:lnTo>
+                    <a:pt x="2217" y="2217"/>
+                  </a:lnTo>
+                  <a:lnTo>
+                    <a:pt x="1973" y="2461"/>
+                  </a:lnTo>
+                  <a:lnTo>
+                    <a:pt x="1730" y="2753"/>
+                  </a:lnTo>
+                  <a:lnTo>
+                    <a:pt x="1510" y="3021"/>
+                  </a:lnTo>
+                  <a:lnTo>
+                    <a:pt x="1291" y="3313"/>
+                  </a:lnTo>
+                  <a:lnTo>
+                    <a:pt x="1096" y="3630"/>
+                  </a:lnTo>
+                  <a:lnTo>
+                    <a:pt x="926" y="3946"/>
+                  </a:lnTo>
+                  <a:lnTo>
+                    <a:pt x="755" y="4263"/>
+                  </a:lnTo>
+                  <a:lnTo>
+                    <a:pt x="609" y="4604"/>
+                  </a:lnTo>
+                  <a:lnTo>
+                    <a:pt x="463" y="4945"/>
+                  </a:lnTo>
+                  <a:lnTo>
+                    <a:pt x="341" y="5286"/>
+                  </a:lnTo>
+                  <a:lnTo>
+                    <a:pt x="244" y="5651"/>
+                  </a:lnTo>
+                  <a:lnTo>
+                    <a:pt x="171" y="6016"/>
+                  </a:lnTo>
+                  <a:lnTo>
+                    <a:pt x="98" y="6382"/>
+                  </a:lnTo>
+                  <a:lnTo>
+                    <a:pt x="49" y="6771"/>
+                  </a:lnTo>
+                  <a:lnTo>
+                    <a:pt x="25" y="7137"/>
+                  </a:lnTo>
+                  <a:lnTo>
+                    <a:pt x="0" y="7526"/>
+                  </a:lnTo>
+                  <a:lnTo>
+                    <a:pt x="0" y="7526"/>
+                  </a:lnTo>
+                  <a:lnTo>
+                    <a:pt x="25" y="7916"/>
+                  </a:lnTo>
+                  <a:lnTo>
+                    <a:pt x="49" y="8306"/>
+                  </a:lnTo>
+                  <a:lnTo>
+                    <a:pt x="98" y="8671"/>
+                  </a:lnTo>
+                  <a:lnTo>
+                    <a:pt x="171" y="9061"/>
+                  </a:lnTo>
+                  <a:lnTo>
+                    <a:pt x="244" y="9426"/>
+                  </a:lnTo>
+                  <a:lnTo>
+                    <a:pt x="341" y="9767"/>
+                  </a:lnTo>
+                  <a:lnTo>
+                    <a:pt x="463" y="10132"/>
+                  </a:lnTo>
+                  <a:lnTo>
+                    <a:pt x="609" y="10473"/>
+                  </a:lnTo>
+                  <a:lnTo>
+                    <a:pt x="755" y="10790"/>
+                  </a:lnTo>
+                  <a:lnTo>
+                    <a:pt x="926" y="11131"/>
+                  </a:lnTo>
+                  <a:lnTo>
+                    <a:pt x="1096" y="11448"/>
+                  </a:lnTo>
+                  <a:lnTo>
+                    <a:pt x="1291" y="11740"/>
+                  </a:lnTo>
+                  <a:lnTo>
+                    <a:pt x="1510" y="12032"/>
+                  </a:lnTo>
+                  <a:lnTo>
+                    <a:pt x="1730" y="12324"/>
+                  </a:lnTo>
+                  <a:lnTo>
+                    <a:pt x="1973" y="12592"/>
+                  </a:lnTo>
+                  <a:lnTo>
+                    <a:pt x="2217" y="12860"/>
+                  </a:lnTo>
+                  <a:lnTo>
+                    <a:pt x="2485" y="13104"/>
+                  </a:lnTo>
+                  <a:lnTo>
+                    <a:pt x="2753" y="13347"/>
+                  </a:lnTo>
+                  <a:lnTo>
+                    <a:pt x="3045" y="13567"/>
+                  </a:lnTo>
+                  <a:lnTo>
+                    <a:pt x="3337" y="13786"/>
+                  </a:lnTo>
+                  <a:lnTo>
+                    <a:pt x="3654" y="13981"/>
+                  </a:lnTo>
+                  <a:lnTo>
+                    <a:pt x="3970" y="14151"/>
+                  </a:lnTo>
+                  <a:lnTo>
+                    <a:pt x="4287" y="14322"/>
+                  </a:lnTo>
+                  <a:lnTo>
+                    <a:pt x="4628" y="14468"/>
+                  </a:lnTo>
+                  <a:lnTo>
+                    <a:pt x="4969" y="14614"/>
+                  </a:lnTo>
+                  <a:lnTo>
+                    <a:pt x="5310" y="14736"/>
+                  </a:lnTo>
+                  <a:lnTo>
+                    <a:pt x="5675" y="14833"/>
+                  </a:lnTo>
+                  <a:lnTo>
+                    <a:pt x="6041" y="14906"/>
+                  </a:lnTo>
+                  <a:lnTo>
+                    <a:pt x="6406" y="14979"/>
+                  </a:lnTo>
+                  <a:lnTo>
+                    <a:pt x="6771" y="15028"/>
+                  </a:lnTo>
+                  <a:lnTo>
+                    <a:pt x="7161" y="15052"/>
+                  </a:lnTo>
+                  <a:lnTo>
+                    <a:pt x="7551" y="15077"/>
+                  </a:lnTo>
+                  <a:lnTo>
+                    <a:pt x="7551" y="15077"/>
+                  </a:lnTo>
+                  <a:lnTo>
+                    <a:pt x="7940" y="15052"/>
+                  </a:lnTo>
+                  <a:lnTo>
+                    <a:pt x="8306" y="15028"/>
+                  </a:lnTo>
+                  <a:lnTo>
+                    <a:pt x="8695" y="14979"/>
+                  </a:lnTo>
+                  <a:lnTo>
+                    <a:pt x="9061" y="14906"/>
+                  </a:lnTo>
+                  <a:lnTo>
+                    <a:pt x="9426" y="14833"/>
+                  </a:lnTo>
+                  <a:lnTo>
+                    <a:pt x="9791" y="14736"/>
+                  </a:lnTo>
+                  <a:lnTo>
+                    <a:pt x="10132" y="14614"/>
+                  </a:lnTo>
+                  <a:lnTo>
+                    <a:pt x="10473" y="14468"/>
+                  </a:lnTo>
+                  <a:lnTo>
+                    <a:pt x="10814" y="14322"/>
+                  </a:lnTo>
+                  <a:lnTo>
+                    <a:pt x="11131" y="14151"/>
+                  </a:lnTo>
+                  <a:lnTo>
+                    <a:pt x="11447" y="13981"/>
+                  </a:lnTo>
+                  <a:lnTo>
+                    <a:pt x="11764" y="13786"/>
+                  </a:lnTo>
+                  <a:lnTo>
+                    <a:pt x="12056" y="13567"/>
+                  </a:lnTo>
+                  <a:lnTo>
+                    <a:pt x="12348" y="13347"/>
+                  </a:lnTo>
+                  <a:lnTo>
+                    <a:pt x="12616" y="13104"/>
+                  </a:lnTo>
+                  <a:lnTo>
+                    <a:pt x="12884" y="12860"/>
+                  </a:lnTo>
+                  <a:lnTo>
+                    <a:pt x="13128" y="12592"/>
+                  </a:lnTo>
+                  <a:lnTo>
+                    <a:pt x="13371" y="12324"/>
+                  </a:lnTo>
+                  <a:lnTo>
+                    <a:pt x="13591" y="12032"/>
+                  </a:lnTo>
+                  <a:lnTo>
+                    <a:pt x="13785" y="11740"/>
+                  </a:lnTo>
+                  <a:lnTo>
+                    <a:pt x="13980" y="11448"/>
+                  </a:lnTo>
+                  <a:lnTo>
+                    <a:pt x="14175" y="11131"/>
+                  </a:lnTo>
+                  <a:lnTo>
+                    <a:pt x="14346" y="10790"/>
+                  </a:lnTo>
+                  <a:lnTo>
+                    <a:pt x="14492" y="10473"/>
+                  </a:lnTo>
+                  <a:lnTo>
+                    <a:pt x="14613" y="10132"/>
+                  </a:lnTo>
+                  <a:lnTo>
+                    <a:pt x="14735" y="9767"/>
+                  </a:lnTo>
+                  <a:lnTo>
+                    <a:pt x="14857" y="9426"/>
+                  </a:lnTo>
+                  <a:lnTo>
+                    <a:pt x="14930" y="9061"/>
+                  </a:lnTo>
+                  <a:lnTo>
+                    <a:pt x="15003" y="8671"/>
+                  </a:lnTo>
+                  <a:lnTo>
+                    <a:pt x="15052" y="8306"/>
+                  </a:lnTo>
+                  <a:lnTo>
+                    <a:pt x="15076" y="7916"/>
+                  </a:lnTo>
+                  <a:lnTo>
+                    <a:pt x="15076" y="7526"/>
+                  </a:lnTo>
+                  <a:lnTo>
+                    <a:pt x="15076" y="7526"/>
+                  </a:lnTo>
+                  <a:lnTo>
+                    <a:pt x="15052" y="6918"/>
+                  </a:lnTo>
+                  <a:lnTo>
+                    <a:pt x="14979" y="6309"/>
+                  </a:lnTo>
+                  <a:lnTo>
+                    <a:pt x="14857" y="5724"/>
+                  </a:lnTo>
+                  <a:lnTo>
+                    <a:pt x="14687" y="5164"/>
+                  </a:lnTo>
+                  <a:lnTo>
+                    <a:pt x="14492" y="4604"/>
+                  </a:lnTo>
+                  <a:lnTo>
+                    <a:pt x="14248" y="4068"/>
+                  </a:lnTo>
+                  <a:lnTo>
+                    <a:pt x="13956" y="3581"/>
+                  </a:lnTo>
+                  <a:lnTo>
+                    <a:pt x="13615" y="3094"/>
+                  </a:lnTo>
+                </a:path>
+              </a:pathLst>
+            </a:custGeom>
+            <a:noFill/>
+            <a:ln w="12175" cap="rnd" cmpd="sng">
+              <a:solidFill>
+                <a:srgbClr val="B7B7B7"/>
+              </a:solidFill>
+              <a:prstDash val="solid"/>
+              <a:round/>
+              <a:headEnd type="none" w="med" len="med"/>
+              <a:tailEnd type="none" w="med" len="med"/>
+            </a:ln>
+          </p:spPr>
+          <p:txBody>
+            <a:bodyPr lIns="91425" tIns="91425" rIns="91425" bIns="91425" anchor="ctr" anchorCtr="0">
+              <a:noAutofit/>
+            </a:bodyPr>
+            <a:lstStyle/>
+            <a:p>
+              <a:pPr lvl="0">
+                <a:spcBef>
+                  <a:spcPts val="0"/>
+                </a:spcBef>
+                <a:buNone/>
+              </a:pPr>
+              <a:endParaRPr/>
+            </a:p>
+          </p:txBody>
+        </p:sp>
+        <p:sp>
+          <p:nvSpPr>
+            <p:cNvPr id="261" name="Shape 261"/>
+            <p:cNvSpPr/>
+            <p:nvPr/>
+          </p:nvSpPr>
+          <p:spPr>
+            <a:xfrm>
+              <a:off x="6009825" y="1727425"/>
+              <a:ext cx="279500" cy="279500"/>
+            </a:xfrm>
+            <a:custGeom>
+              <a:avLst/>
+              <a:gdLst/>
+              <a:ahLst/>
+              <a:cxnLst/>
+              <a:rect l="0" t="0" r="0" b="0"/>
+              <a:pathLst>
+                <a:path w="11180" h="11180" fill="none" extrusionOk="0">
+                  <a:moveTo>
+                    <a:pt x="10181" y="2387"/>
+                  </a:moveTo>
+                  <a:lnTo>
+                    <a:pt x="10181" y="2387"/>
+                  </a:lnTo>
+                  <a:lnTo>
+                    <a:pt x="10400" y="2728"/>
+                  </a:lnTo>
+                  <a:lnTo>
+                    <a:pt x="10595" y="3093"/>
+                  </a:lnTo>
+                  <a:lnTo>
+                    <a:pt x="10766" y="3483"/>
+                  </a:lnTo>
+                  <a:lnTo>
+                    <a:pt x="10912" y="3873"/>
+                  </a:lnTo>
+                  <a:lnTo>
+                    <a:pt x="11034" y="4287"/>
+                  </a:lnTo>
+                  <a:lnTo>
+                    <a:pt x="11107" y="4701"/>
+                  </a:lnTo>
+                  <a:lnTo>
+                    <a:pt x="11180" y="5139"/>
+                  </a:lnTo>
+                  <a:lnTo>
+                    <a:pt x="11180" y="5577"/>
+                  </a:lnTo>
+                  <a:lnTo>
+                    <a:pt x="11180" y="5577"/>
+                  </a:lnTo>
+                  <a:lnTo>
+                    <a:pt x="11155" y="6162"/>
+                  </a:lnTo>
+                  <a:lnTo>
+                    <a:pt x="11082" y="6722"/>
+                  </a:lnTo>
+                  <a:lnTo>
+                    <a:pt x="10936" y="7234"/>
+                  </a:lnTo>
+                  <a:lnTo>
+                    <a:pt x="10741" y="7769"/>
+                  </a:lnTo>
+                  <a:lnTo>
+                    <a:pt x="10522" y="8257"/>
+                  </a:lnTo>
+                  <a:lnTo>
+                    <a:pt x="10230" y="8695"/>
+                  </a:lnTo>
+                  <a:lnTo>
+                    <a:pt x="9913" y="9133"/>
+                  </a:lnTo>
+                  <a:lnTo>
+                    <a:pt x="9548" y="9523"/>
+                  </a:lnTo>
+                  <a:lnTo>
+                    <a:pt x="9158" y="9888"/>
+                  </a:lnTo>
+                  <a:lnTo>
+                    <a:pt x="8720" y="10205"/>
+                  </a:lnTo>
+                  <a:lnTo>
+                    <a:pt x="8257" y="10497"/>
+                  </a:lnTo>
+                  <a:lnTo>
+                    <a:pt x="7770" y="10741"/>
+                  </a:lnTo>
+                  <a:lnTo>
+                    <a:pt x="7259" y="10911"/>
+                  </a:lnTo>
+                  <a:lnTo>
+                    <a:pt x="6723" y="11057"/>
+                  </a:lnTo>
+                  <a:lnTo>
+                    <a:pt x="6163" y="11155"/>
+                  </a:lnTo>
+                  <a:lnTo>
+                    <a:pt x="5603" y="11179"/>
+                  </a:lnTo>
+                  <a:lnTo>
+                    <a:pt x="5603" y="11179"/>
+                  </a:lnTo>
+                  <a:lnTo>
+                    <a:pt x="5018" y="11155"/>
+                  </a:lnTo>
+                  <a:lnTo>
+                    <a:pt x="4482" y="11057"/>
+                  </a:lnTo>
+                  <a:lnTo>
+                    <a:pt x="3946" y="10911"/>
+                  </a:lnTo>
+                  <a:lnTo>
+                    <a:pt x="3435" y="10741"/>
+                  </a:lnTo>
+                  <a:lnTo>
+                    <a:pt x="2948" y="10497"/>
+                  </a:lnTo>
+                  <a:lnTo>
+                    <a:pt x="2485" y="10205"/>
+                  </a:lnTo>
+                  <a:lnTo>
+                    <a:pt x="2047" y="9888"/>
+                  </a:lnTo>
+                  <a:lnTo>
+                    <a:pt x="1657" y="9523"/>
+                  </a:lnTo>
+                  <a:lnTo>
+                    <a:pt x="1292" y="9133"/>
+                  </a:lnTo>
+                  <a:lnTo>
+                    <a:pt x="975" y="8695"/>
+                  </a:lnTo>
+                  <a:lnTo>
+                    <a:pt x="683" y="8257"/>
+                  </a:lnTo>
+                  <a:lnTo>
+                    <a:pt x="464" y="7769"/>
+                  </a:lnTo>
+                  <a:lnTo>
+                    <a:pt x="269" y="7234"/>
+                  </a:lnTo>
+                  <a:lnTo>
+                    <a:pt x="123" y="6722"/>
+                  </a:lnTo>
+                  <a:lnTo>
+                    <a:pt x="50" y="6162"/>
+                  </a:lnTo>
+                  <a:lnTo>
+                    <a:pt x="1" y="5577"/>
+                  </a:lnTo>
+                  <a:lnTo>
+                    <a:pt x="1" y="5577"/>
+                  </a:lnTo>
+                  <a:lnTo>
+                    <a:pt x="50" y="5017"/>
+                  </a:lnTo>
+                  <a:lnTo>
+                    <a:pt x="123" y="4457"/>
+                  </a:lnTo>
+                  <a:lnTo>
+                    <a:pt x="269" y="3921"/>
+                  </a:lnTo>
+                  <a:lnTo>
+                    <a:pt x="464" y="3410"/>
+                  </a:lnTo>
+                  <a:lnTo>
+                    <a:pt x="683" y="2923"/>
+                  </a:lnTo>
+                  <a:lnTo>
+                    <a:pt x="975" y="2460"/>
+                  </a:lnTo>
+                  <a:lnTo>
+                    <a:pt x="1292" y="2046"/>
+                  </a:lnTo>
+                  <a:lnTo>
+                    <a:pt x="1657" y="1632"/>
+                  </a:lnTo>
+                  <a:lnTo>
+                    <a:pt x="2047" y="1267"/>
+                  </a:lnTo>
+                  <a:lnTo>
+                    <a:pt x="2485" y="950"/>
+                  </a:lnTo>
+                  <a:lnTo>
+                    <a:pt x="2948" y="682"/>
+                  </a:lnTo>
+                  <a:lnTo>
+                    <a:pt x="3435" y="439"/>
+                  </a:lnTo>
+                  <a:lnTo>
+                    <a:pt x="3946" y="244"/>
+                  </a:lnTo>
+                  <a:lnTo>
+                    <a:pt x="4482" y="122"/>
+                  </a:lnTo>
+                  <a:lnTo>
+                    <a:pt x="5018" y="25"/>
+                  </a:lnTo>
+                  <a:lnTo>
+                    <a:pt x="5603" y="0"/>
+                  </a:lnTo>
+                  <a:lnTo>
+                    <a:pt x="5603" y="0"/>
+                  </a:lnTo>
+                  <a:lnTo>
+                    <a:pt x="6041" y="25"/>
+                  </a:lnTo>
+                  <a:lnTo>
+                    <a:pt x="6479" y="73"/>
+                  </a:lnTo>
+                  <a:lnTo>
+                    <a:pt x="6893" y="146"/>
+                  </a:lnTo>
+                  <a:lnTo>
+                    <a:pt x="7307" y="268"/>
+                  </a:lnTo>
+                  <a:lnTo>
+                    <a:pt x="7697" y="414"/>
+                  </a:lnTo>
+                  <a:lnTo>
+                    <a:pt x="8087" y="585"/>
+                  </a:lnTo>
+                  <a:lnTo>
+                    <a:pt x="8452" y="780"/>
+                  </a:lnTo>
+                  <a:lnTo>
+                    <a:pt x="8793" y="999"/>
+                  </a:lnTo>
+                </a:path>
+              </a:pathLst>
+            </a:custGeom>
+            <a:noFill/>
+            <a:ln w="12175" cap="rnd" cmpd="sng">
+              <a:solidFill>
+                <a:srgbClr val="B7B7B7"/>
+              </a:solidFill>
+              <a:prstDash val="solid"/>
+              <a:round/>
+              <a:headEnd type="none" w="med" len="med"/>
+              <a:tailEnd type="none" w="med" len="med"/>
+            </a:ln>
+          </p:spPr>
+          <p:txBody>
+            <a:bodyPr lIns="91425" tIns="91425" rIns="91425" bIns="91425" anchor="ctr" anchorCtr="0">
+              <a:noAutofit/>
+            </a:bodyPr>
+            <a:lstStyle/>
+            <a:p>
+              <a:pPr lvl="0">
+                <a:spcBef>
+                  <a:spcPts val="0"/>
+                </a:spcBef>
+                <a:buNone/>
+              </a:pPr>
+              <a:endParaRPr/>
+            </a:p>
+          </p:txBody>
+        </p:sp>
+        <p:sp>
+          <p:nvSpPr>
+            <p:cNvPr id="262" name="Shape 262"/>
+            <p:cNvSpPr/>
+            <p:nvPr/>
+          </p:nvSpPr>
+          <p:spPr>
+            <a:xfrm>
+              <a:off x="6107250" y="1824850"/>
+              <a:ext cx="84650" cy="84650"/>
+            </a:xfrm>
+            <a:custGeom>
+              <a:avLst/>
+              <a:gdLst/>
+              <a:ahLst/>
+              <a:cxnLst/>
+              <a:rect l="0" t="0" r="0" b="0"/>
+              <a:pathLst>
+                <a:path w="3386" h="3386" fill="none" extrusionOk="0">
+                  <a:moveTo>
+                    <a:pt x="3362" y="1388"/>
+                  </a:moveTo>
+                  <a:lnTo>
+                    <a:pt x="3362" y="1388"/>
+                  </a:lnTo>
+                  <a:lnTo>
+                    <a:pt x="3386" y="1680"/>
+                  </a:lnTo>
+                  <a:lnTo>
+                    <a:pt x="3386" y="1680"/>
+                  </a:lnTo>
+                  <a:lnTo>
+                    <a:pt x="3386" y="1851"/>
+                  </a:lnTo>
+                  <a:lnTo>
+                    <a:pt x="3362" y="2021"/>
+                  </a:lnTo>
+                  <a:lnTo>
+                    <a:pt x="3313" y="2192"/>
+                  </a:lnTo>
+                  <a:lnTo>
+                    <a:pt x="3264" y="2338"/>
+                  </a:lnTo>
+                  <a:lnTo>
+                    <a:pt x="3191" y="2484"/>
+                  </a:lnTo>
+                  <a:lnTo>
+                    <a:pt x="3118" y="2630"/>
+                  </a:lnTo>
+                  <a:lnTo>
+                    <a:pt x="3021" y="2776"/>
+                  </a:lnTo>
+                  <a:lnTo>
+                    <a:pt x="2899" y="2898"/>
+                  </a:lnTo>
+                  <a:lnTo>
+                    <a:pt x="2777" y="2996"/>
+                  </a:lnTo>
+                  <a:lnTo>
+                    <a:pt x="2655" y="3093"/>
+                  </a:lnTo>
+                  <a:lnTo>
+                    <a:pt x="2509" y="3191"/>
+                  </a:lnTo>
+                  <a:lnTo>
+                    <a:pt x="2363" y="3239"/>
+                  </a:lnTo>
+                  <a:lnTo>
+                    <a:pt x="2217" y="3312"/>
+                  </a:lnTo>
+                  <a:lnTo>
+                    <a:pt x="2046" y="3337"/>
+                  </a:lnTo>
+                  <a:lnTo>
+                    <a:pt x="1876" y="3385"/>
+                  </a:lnTo>
+                  <a:lnTo>
+                    <a:pt x="1706" y="3385"/>
+                  </a:lnTo>
+                  <a:lnTo>
+                    <a:pt x="1706" y="3385"/>
+                  </a:lnTo>
+                  <a:lnTo>
+                    <a:pt x="1535" y="3385"/>
+                  </a:lnTo>
+                  <a:lnTo>
+                    <a:pt x="1365" y="3337"/>
+                  </a:lnTo>
+                  <a:lnTo>
+                    <a:pt x="1194" y="3312"/>
+                  </a:lnTo>
+                  <a:lnTo>
+                    <a:pt x="1048" y="3239"/>
+                  </a:lnTo>
+                  <a:lnTo>
+                    <a:pt x="902" y="3191"/>
+                  </a:lnTo>
+                  <a:lnTo>
+                    <a:pt x="756" y="3093"/>
+                  </a:lnTo>
+                  <a:lnTo>
+                    <a:pt x="634" y="2996"/>
+                  </a:lnTo>
+                  <a:lnTo>
+                    <a:pt x="512" y="2898"/>
+                  </a:lnTo>
+                  <a:lnTo>
+                    <a:pt x="390" y="2776"/>
+                  </a:lnTo>
+                  <a:lnTo>
+                    <a:pt x="293" y="2630"/>
+                  </a:lnTo>
+                  <a:lnTo>
+                    <a:pt x="220" y="2484"/>
+                  </a:lnTo>
+                  <a:lnTo>
+                    <a:pt x="147" y="2338"/>
+                  </a:lnTo>
+                  <a:lnTo>
+                    <a:pt x="74" y="2192"/>
+                  </a:lnTo>
+                  <a:lnTo>
+                    <a:pt x="49" y="2021"/>
+                  </a:lnTo>
+                  <a:lnTo>
+                    <a:pt x="25" y="1851"/>
+                  </a:lnTo>
+                  <a:lnTo>
+                    <a:pt x="1" y="1680"/>
+                  </a:lnTo>
+                  <a:lnTo>
+                    <a:pt x="1" y="1680"/>
+                  </a:lnTo>
+                  <a:lnTo>
+                    <a:pt x="25" y="1510"/>
+                  </a:lnTo>
+                  <a:lnTo>
+                    <a:pt x="49" y="1340"/>
+                  </a:lnTo>
+                  <a:lnTo>
+                    <a:pt x="74" y="1193"/>
+                  </a:lnTo>
+                  <a:lnTo>
+                    <a:pt x="147" y="1023"/>
+                  </a:lnTo>
+                  <a:lnTo>
+                    <a:pt x="220" y="877"/>
+                  </a:lnTo>
+                  <a:lnTo>
+                    <a:pt x="293" y="731"/>
+                  </a:lnTo>
+                  <a:lnTo>
+                    <a:pt x="390" y="609"/>
+                  </a:lnTo>
+                  <a:lnTo>
+                    <a:pt x="512" y="487"/>
+                  </a:lnTo>
+                  <a:lnTo>
+                    <a:pt x="634" y="390"/>
+                  </a:lnTo>
+                  <a:lnTo>
+                    <a:pt x="756" y="292"/>
+                  </a:lnTo>
+                  <a:lnTo>
+                    <a:pt x="902" y="195"/>
+                  </a:lnTo>
+                  <a:lnTo>
+                    <a:pt x="1048" y="122"/>
+                  </a:lnTo>
+                  <a:lnTo>
+                    <a:pt x="1194" y="73"/>
+                  </a:lnTo>
+                  <a:lnTo>
+                    <a:pt x="1365" y="24"/>
+                  </a:lnTo>
+                  <a:lnTo>
+                    <a:pt x="1535" y="0"/>
+                  </a:lnTo>
+                  <a:lnTo>
+                    <a:pt x="1706" y="0"/>
+                  </a:lnTo>
+                  <a:lnTo>
+                    <a:pt x="1706" y="0"/>
+                  </a:lnTo>
+                  <a:lnTo>
+                    <a:pt x="1998" y="24"/>
+                  </a:lnTo>
+                </a:path>
+              </a:pathLst>
+            </a:custGeom>
+            <a:noFill/>
+            <a:ln w="12175" cap="rnd" cmpd="sng">
+              <a:solidFill>
+                <a:srgbClr val="B7B7B7"/>
+              </a:solidFill>
+              <a:prstDash val="solid"/>
+              <a:round/>
+              <a:headEnd type="none" w="med" len="med"/>
+              <a:tailEnd type="none" w="med" len="med"/>
+            </a:ln>
+          </p:spPr>
+          <p:txBody>
+            <a:bodyPr lIns="91425" tIns="91425" rIns="91425" bIns="91425" anchor="ctr" anchorCtr="0">
+              <a:noAutofit/>
+            </a:bodyPr>
+            <a:lstStyle/>
+            <a:p>
+              <a:pPr lvl="0">
+                <a:spcBef>
+                  <a:spcPts val="0"/>
+                </a:spcBef>
+                <a:buNone/>
+              </a:pPr>
+              <a:endParaRPr/>
+            </a:p>
+          </p:txBody>
+        </p:sp>
+        <p:sp>
+          <p:nvSpPr>
+            <p:cNvPr id="263" name="Shape 263"/>
+            <p:cNvSpPr/>
+            <p:nvPr/>
+          </p:nvSpPr>
+          <p:spPr>
+            <a:xfrm>
+              <a:off x="6058550" y="1776125"/>
+              <a:ext cx="182075" cy="182075"/>
+            </a:xfrm>
+            <a:custGeom>
+              <a:avLst/>
+              <a:gdLst/>
+              <a:ahLst/>
+              <a:cxnLst/>
+              <a:rect l="0" t="0" r="0" b="0"/>
+              <a:pathLst>
+                <a:path w="7283" h="7283" fill="none" extrusionOk="0">
+                  <a:moveTo>
+                    <a:pt x="5431" y="463"/>
+                  </a:moveTo>
+                  <a:lnTo>
+                    <a:pt x="5431" y="463"/>
+                  </a:lnTo>
+                  <a:lnTo>
+                    <a:pt x="5042" y="269"/>
+                  </a:lnTo>
+                  <a:lnTo>
+                    <a:pt x="4823" y="195"/>
+                  </a:lnTo>
+                  <a:lnTo>
+                    <a:pt x="4603" y="122"/>
+                  </a:lnTo>
+                  <a:lnTo>
+                    <a:pt x="4360" y="74"/>
+                  </a:lnTo>
+                  <a:lnTo>
+                    <a:pt x="4141" y="25"/>
+                  </a:lnTo>
+                  <a:lnTo>
+                    <a:pt x="3897" y="1"/>
+                  </a:lnTo>
+                  <a:lnTo>
+                    <a:pt x="3654" y="1"/>
+                  </a:lnTo>
+                  <a:lnTo>
+                    <a:pt x="3654" y="1"/>
+                  </a:lnTo>
+                  <a:lnTo>
+                    <a:pt x="3288" y="25"/>
+                  </a:lnTo>
+                  <a:lnTo>
+                    <a:pt x="2923" y="74"/>
+                  </a:lnTo>
+                  <a:lnTo>
+                    <a:pt x="2558" y="147"/>
+                  </a:lnTo>
+                  <a:lnTo>
+                    <a:pt x="2241" y="293"/>
+                  </a:lnTo>
+                  <a:lnTo>
+                    <a:pt x="1924" y="439"/>
+                  </a:lnTo>
+                  <a:lnTo>
+                    <a:pt x="1608" y="609"/>
+                  </a:lnTo>
+                  <a:lnTo>
+                    <a:pt x="1340" y="829"/>
+                  </a:lnTo>
+                  <a:lnTo>
+                    <a:pt x="1072" y="1072"/>
+                  </a:lnTo>
+                  <a:lnTo>
+                    <a:pt x="828" y="1316"/>
+                  </a:lnTo>
+                  <a:lnTo>
+                    <a:pt x="633" y="1608"/>
+                  </a:lnTo>
+                  <a:lnTo>
+                    <a:pt x="439" y="1900"/>
+                  </a:lnTo>
+                  <a:lnTo>
+                    <a:pt x="293" y="2217"/>
+                  </a:lnTo>
+                  <a:lnTo>
+                    <a:pt x="171" y="2558"/>
+                  </a:lnTo>
+                  <a:lnTo>
+                    <a:pt x="73" y="2899"/>
+                  </a:lnTo>
+                  <a:lnTo>
+                    <a:pt x="25" y="3264"/>
+                  </a:lnTo>
+                  <a:lnTo>
+                    <a:pt x="0" y="3629"/>
+                  </a:lnTo>
+                  <a:lnTo>
+                    <a:pt x="0" y="3629"/>
+                  </a:lnTo>
+                  <a:lnTo>
+                    <a:pt x="25" y="4019"/>
+                  </a:lnTo>
+                  <a:lnTo>
+                    <a:pt x="73" y="4360"/>
+                  </a:lnTo>
+                  <a:lnTo>
+                    <a:pt x="171" y="4725"/>
+                  </a:lnTo>
+                  <a:lnTo>
+                    <a:pt x="293" y="5066"/>
+                  </a:lnTo>
+                  <a:lnTo>
+                    <a:pt x="439" y="5383"/>
+                  </a:lnTo>
+                  <a:lnTo>
+                    <a:pt x="633" y="5675"/>
+                  </a:lnTo>
+                  <a:lnTo>
+                    <a:pt x="828" y="5943"/>
+                  </a:lnTo>
+                  <a:lnTo>
+                    <a:pt x="1072" y="6211"/>
+                  </a:lnTo>
+                  <a:lnTo>
+                    <a:pt x="1340" y="6455"/>
+                  </a:lnTo>
+                  <a:lnTo>
+                    <a:pt x="1608" y="6650"/>
+                  </a:lnTo>
+                  <a:lnTo>
+                    <a:pt x="1924" y="6844"/>
+                  </a:lnTo>
+                  <a:lnTo>
+                    <a:pt x="2241" y="6990"/>
+                  </a:lnTo>
+                  <a:lnTo>
+                    <a:pt x="2558" y="7112"/>
+                  </a:lnTo>
+                  <a:lnTo>
+                    <a:pt x="2923" y="7210"/>
+                  </a:lnTo>
+                  <a:lnTo>
+                    <a:pt x="3288" y="7258"/>
+                  </a:lnTo>
+                  <a:lnTo>
+                    <a:pt x="3654" y="7283"/>
+                  </a:lnTo>
+                  <a:lnTo>
+                    <a:pt x="3654" y="7283"/>
+                  </a:lnTo>
+                  <a:lnTo>
+                    <a:pt x="4019" y="7258"/>
+                  </a:lnTo>
+                  <a:lnTo>
+                    <a:pt x="4384" y="7210"/>
+                  </a:lnTo>
+                  <a:lnTo>
+                    <a:pt x="4725" y="7112"/>
+                  </a:lnTo>
+                  <a:lnTo>
+                    <a:pt x="5066" y="6990"/>
+                  </a:lnTo>
+                  <a:lnTo>
+                    <a:pt x="5383" y="6844"/>
+                  </a:lnTo>
+                  <a:lnTo>
+                    <a:pt x="5675" y="6650"/>
+                  </a:lnTo>
+                  <a:lnTo>
+                    <a:pt x="5967" y="6455"/>
+                  </a:lnTo>
+                  <a:lnTo>
+                    <a:pt x="6235" y="6211"/>
+                  </a:lnTo>
+                  <a:lnTo>
+                    <a:pt x="6454" y="5943"/>
+                  </a:lnTo>
+                  <a:lnTo>
+                    <a:pt x="6674" y="5675"/>
+                  </a:lnTo>
+                  <a:lnTo>
+                    <a:pt x="6844" y="5383"/>
+                  </a:lnTo>
+                  <a:lnTo>
+                    <a:pt x="7014" y="5066"/>
+                  </a:lnTo>
+                  <a:lnTo>
+                    <a:pt x="7136" y="4725"/>
+                  </a:lnTo>
+                  <a:lnTo>
+                    <a:pt x="7209" y="4360"/>
+                  </a:lnTo>
+                  <a:lnTo>
+                    <a:pt x="7282" y="4019"/>
+                  </a:lnTo>
+                  <a:lnTo>
+                    <a:pt x="7282" y="3629"/>
+                  </a:lnTo>
+                  <a:lnTo>
+                    <a:pt x="7282" y="3629"/>
+                  </a:lnTo>
+                  <a:lnTo>
+                    <a:pt x="7282" y="3386"/>
+                  </a:lnTo>
+                  <a:lnTo>
+                    <a:pt x="7258" y="3167"/>
+                  </a:lnTo>
+                  <a:lnTo>
+                    <a:pt x="7234" y="2923"/>
+                  </a:lnTo>
+                  <a:lnTo>
+                    <a:pt x="7161" y="2704"/>
+                  </a:lnTo>
+                  <a:lnTo>
+                    <a:pt x="7112" y="2485"/>
+                  </a:lnTo>
+                  <a:lnTo>
+                    <a:pt x="7014" y="2266"/>
+                  </a:lnTo>
+                  <a:lnTo>
+                    <a:pt x="6820" y="1852"/>
+                  </a:lnTo>
+                </a:path>
+              </a:pathLst>
+            </a:custGeom>
+            <a:noFill/>
+            <a:ln w="12175" cap="rnd" cmpd="sng">
+              <a:solidFill>
+                <a:srgbClr val="B7B7B7"/>
+              </a:solidFill>
+              <a:prstDash val="solid"/>
+              <a:round/>
+              <a:headEnd type="none" w="med" len="med"/>
+              <a:tailEnd type="none" w="med" len="med"/>
+            </a:ln>
+          </p:spPr>
+          <p:txBody>
+            <a:bodyPr lIns="91425" tIns="91425" rIns="91425" bIns="91425" anchor="ctr" anchorCtr="0">
+              <a:noAutofit/>
+            </a:bodyPr>
+            <a:lstStyle/>
+            <a:p>
+              <a:pPr lvl="0">
+                <a:spcBef>
+                  <a:spcPts val="0"/>
+                </a:spcBef>
+                <a:buNone/>
+              </a:pPr>
+              <a:endParaRPr/>
+            </a:p>
+          </p:txBody>
+        </p:sp>
+        <p:sp>
+          <p:nvSpPr>
+            <p:cNvPr id="264" name="Shape 264"/>
+            <p:cNvSpPr/>
+            <p:nvPr/>
+          </p:nvSpPr>
+          <p:spPr>
+            <a:xfrm>
+              <a:off x="5971475" y="2001400"/>
+              <a:ext cx="74925" cy="70675"/>
+            </a:xfrm>
+            <a:custGeom>
+              <a:avLst/>
+              <a:gdLst/>
+              <a:ahLst/>
+              <a:cxnLst/>
+              <a:rect l="0" t="0" r="0" b="0"/>
+              <a:pathLst>
+                <a:path w="2997" h="2827" fill="none" extrusionOk="0">
+                  <a:moveTo>
+                    <a:pt x="1462" y="1"/>
+                  </a:moveTo>
+                  <a:lnTo>
+                    <a:pt x="293" y="1170"/>
+                  </a:lnTo>
+                  <a:lnTo>
+                    <a:pt x="293" y="1170"/>
+                  </a:lnTo>
+                  <a:lnTo>
+                    <a:pt x="171" y="1316"/>
+                  </a:lnTo>
+                  <a:lnTo>
+                    <a:pt x="74" y="1487"/>
+                  </a:lnTo>
+                  <a:lnTo>
+                    <a:pt x="25" y="1657"/>
+                  </a:lnTo>
+                  <a:lnTo>
+                    <a:pt x="1" y="1852"/>
+                  </a:lnTo>
+                  <a:lnTo>
+                    <a:pt x="25" y="2047"/>
+                  </a:lnTo>
+                  <a:lnTo>
+                    <a:pt x="74" y="2217"/>
+                  </a:lnTo>
+                  <a:lnTo>
+                    <a:pt x="171" y="2388"/>
+                  </a:lnTo>
+                  <a:lnTo>
+                    <a:pt x="293" y="2534"/>
+                  </a:lnTo>
+                  <a:lnTo>
+                    <a:pt x="293" y="2534"/>
+                  </a:lnTo>
+                  <a:lnTo>
+                    <a:pt x="439" y="2656"/>
+                  </a:lnTo>
+                  <a:lnTo>
+                    <a:pt x="609" y="2753"/>
+                  </a:lnTo>
+                  <a:lnTo>
+                    <a:pt x="804" y="2802"/>
+                  </a:lnTo>
+                  <a:lnTo>
+                    <a:pt x="975" y="2826"/>
+                  </a:lnTo>
+                  <a:lnTo>
+                    <a:pt x="975" y="2826"/>
+                  </a:lnTo>
+                  <a:lnTo>
+                    <a:pt x="1170" y="2802"/>
+                  </a:lnTo>
+                  <a:lnTo>
+                    <a:pt x="1340" y="2753"/>
+                  </a:lnTo>
+                  <a:lnTo>
+                    <a:pt x="1511" y="2656"/>
+                  </a:lnTo>
+                  <a:lnTo>
+                    <a:pt x="1681" y="2534"/>
+                  </a:lnTo>
+                  <a:lnTo>
+                    <a:pt x="2850" y="1365"/>
+                  </a:lnTo>
+                  <a:lnTo>
+                    <a:pt x="2850" y="1365"/>
+                  </a:lnTo>
+                  <a:lnTo>
+                    <a:pt x="2996" y="1194"/>
+                  </a:lnTo>
+                </a:path>
+              </a:pathLst>
+            </a:custGeom>
+            <a:noFill/>
+            <a:ln w="12175" cap="rnd" cmpd="sng">
+              <a:solidFill>
+                <a:srgbClr val="B7B7B7"/>
+              </a:solidFill>
+              <a:prstDash val="solid"/>
+              <a:round/>
+              <a:headEnd type="none" w="med" len="med"/>
+              <a:tailEnd type="none" w="med" len="med"/>
+            </a:ln>
+          </p:spPr>
+          <p:txBody>
+            <a:bodyPr lIns="91425" tIns="91425" rIns="91425" bIns="91425" anchor="ctr" anchorCtr="0">
+              <a:noAutofit/>
+            </a:bodyPr>
+            <a:lstStyle/>
+            <a:p>
+              <a:pPr lvl="0">
+                <a:spcBef>
+                  <a:spcPts val="0"/>
+                </a:spcBef>
+                <a:buNone/>
+              </a:pPr>
+              <a:endParaRPr/>
+            </a:p>
+          </p:txBody>
+        </p:sp>
+        <p:sp>
+          <p:nvSpPr>
+            <p:cNvPr id="265" name="Shape 265"/>
+            <p:cNvSpPr/>
+            <p:nvPr/>
+          </p:nvSpPr>
+          <p:spPr>
+            <a:xfrm>
+              <a:off x="6253375" y="2001400"/>
+              <a:ext cx="74325" cy="70675"/>
+            </a:xfrm>
+            <a:custGeom>
+              <a:avLst/>
+              <a:gdLst/>
+              <a:ahLst/>
+              <a:cxnLst/>
+              <a:rect l="0" t="0" r="0" b="0"/>
+              <a:pathLst>
+                <a:path w="2973" h="2827" fill="none" extrusionOk="0">
+                  <a:moveTo>
+                    <a:pt x="1" y="1194"/>
+                  </a:moveTo>
+                  <a:lnTo>
+                    <a:pt x="1" y="1194"/>
+                  </a:lnTo>
+                  <a:lnTo>
+                    <a:pt x="123" y="1365"/>
+                  </a:lnTo>
+                  <a:lnTo>
+                    <a:pt x="1316" y="2534"/>
+                  </a:lnTo>
+                  <a:lnTo>
+                    <a:pt x="1316" y="2534"/>
+                  </a:lnTo>
+                  <a:lnTo>
+                    <a:pt x="1462" y="2656"/>
+                  </a:lnTo>
+                  <a:lnTo>
+                    <a:pt x="1633" y="2753"/>
+                  </a:lnTo>
+                  <a:lnTo>
+                    <a:pt x="1827" y="2802"/>
+                  </a:lnTo>
+                  <a:lnTo>
+                    <a:pt x="1998" y="2826"/>
+                  </a:lnTo>
+                  <a:lnTo>
+                    <a:pt x="1998" y="2826"/>
+                  </a:lnTo>
+                  <a:lnTo>
+                    <a:pt x="2193" y="2802"/>
+                  </a:lnTo>
+                  <a:lnTo>
+                    <a:pt x="2363" y="2753"/>
+                  </a:lnTo>
+                  <a:lnTo>
+                    <a:pt x="2534" y="2656"/>
+                  </a:lnTo>
+                  <a:lnTo>
+                    <a:pt x="2704" y="2534"/>
+                  </a:lnTo>
+                  <a:lnTo>
+                    <a:pt x="2704" y="2534"/>
+                  </a:lnTo>
+                  <a:lnTo>
+                    <a:pt x="2826" y="2388"/>
+                  </a:lnTo>
+                  <a:lnTo>
+                    <a:pt x="2923" y="2217"/>
+                  </a:lnTo>
+                  <a:lnTo>
+                    <a:pt x="2972" y="2047"/>
+                  </a:lnTo>
+                  <a:lnTo>
+                    <a:pt x="2972" y="1852"/>
+                  </a:lnTo>
+                  <a:lnTo>
+                    <a:pt x="2972" y="1657"/>
+                  </a:lnTo>
+                  <a:lnTo>
+                    <a:pt x="2923" y="1487"/>
+                  </a:lnTo>
+                  <a:lnTo>
+                    <a:pt x="2826" y="1316"/>
+                  </a:lnTo>
+                  <a:lnTo>
+                    <a:pt x="2704" y="1170"/>
+                  </a:lnTo>
+                  <a:lnTo>
+                    <a:pt x="1535" y="1"/>
+                  </a:lnTo>
+                </a:path>
+              </a:pathLst>
+            </a:custGeom>
+            <a:noFill/>
+            <a:ln w="12175" cap="rnd" cmpd="sng">
+              <a:solidFill>
+                <a:srgbClr val="B7B7B7"/>
+              </a:solidFill>
+              <a:prstDash val="solid"/>
+              <a:round/>
+              <a:headEnd type="none" w="med" len="med"/>
+              <a:tailEnd type="none" w="med" len="med"/>
+            </a:ln>
+          </p:spPr>
+          <p:txBody>
+            <a:bodyPr lIns="91425" tIns="91425" rIns="91425" bIns="91425" anchor="ctr" anchorCtr="0">
+              <a:noAutofit/>
+            </a:bodyPr>
+            <a:lstStyle/>
+            <a:p>
+              <a:pPr lvl="0">
+                <a:spcBef>
+                  <a:spcPts val="0"/>
+                </a:spcBef>
+                <a:buNone/>
+              </a:pPr>
+              <a:endParaRPr/>
+            </a:p>
+          </p:txBody>
+        </p:sp>
+        <p:sp>
+          <p:nvSpPr>
+            <p:cNvPr id="266" name="Shape 266"/>
+            <p:cNvSpPr/>
+            <p:nvPr/>
+          </p:nvSpPr>
+          <p:spPr>
+            <a:xfrm>
+              <a:off x="6137700" y="1623900"/>
+              <a:ext cx="250875" cy="255150"/>
+            </a:xfrm>
+            <a:custGeom>
+              <a:avLst/>
+              <a:gdLst/>
+              <a:ahLst/>
+              <a:cxnLst/>
+              <a:rect l="0" t="0" r="0" b="0"/>
+              <a:pathLst>
+                <a:path w="10035" h="10206" fill="none" extrusionOk="0">
+                  <a:moveTo>
+                    <a:pt x="9718" y="2412"/>
+                  </a:moveTo>
+                  <a:lnTo>
+                    <a:pt x="8671" y="2217"/>
+                  </a:lnTo>
+                  <a:lnTo>
+                    <a:pt x="9694" y="1194"/>
+                  </a:lnTo>
+                  <a:lnTo>
+                    <a:pt x="9694" y="1194"/>
+                  </a:lnTo>
+                  <a:lnTo>
+                    <a:pt x="9767" y="1121"/>
+                  </a:lnTo>
+                  <a:lnTo>
+                    <a:pt x="9815" y="1024"/>
+                  </a:lnTo>
+                  <a:lnTo>
+                    <a:pt x="9840" y="951"/>
+                  </a:lnTo>
+                  <a:lnTo>
+                    <a:pt x="9840" y="853"/>
+                  </a:lnTo>
+                  <a:lnTo>
+                    <a:pt x="9840" y="756"/>
+                  </a:lnTo>
+                  <a:lnTo>
+                    <a:pt x="9815" y="658"/>
+                  </a:lnTo>
+                  <a:lnTo>
+                    <a:pt x="9767" y="585"/>
+                  </a:lnTo>
+                  <a:lnTo>
+                    <a:pt x="9694" y="512"/>
+                  </a:lnTo>
+                  <a:lnTo>
+                    <a:pt x="9694" y="512"/>
+                  </a:lnTo>
+                  <a:lnTo>
+                    <a:pt x="9621" y="439"/>
+                  </a:lnTo>
+                  <a:lnTo>
+                    <a:pt x="9548" y="391"/>
+                  </a:lnTo>
+                  <a:lnTo>
+                    <a:pt x="9450" y="366"/>
+                  </a:lnTo>
+                  <a:lnTo>
+                    <a:pt x="9353" y="366"/>
+                  </a:lnTo>
+                  <a:lnTo>
+                    <a:pt x="9255" y="366"/>
+                  </a:lnTo>
+                  <a:lnTo>
+                    <a:pt x="9182" y="391"/>
+                  </a:lnTo>
+                  <a:lnTo>
+                    <a:pt x="9085" y="439"/>
+                  </a:lnTo>
+                  <a:lnTo>
+                    <a:pt x="9012" y="512"/>
+                  </a:lnTo>
+                  <a:lnTo>
+                    <a:pt x="7867" y="1657"/>
+                  </a:lnTo>
+                  <a:lnTo>
+                    <a:pt x="7867" y="1657"/>
+                  </a:lnTo>
+                  <a:lnTo>
+                    <a:pt x="7818" y="1487"/>
+                  </a:lnTo>
+                  <a:lnTo>
+                    <a:pt x="7599" y="317"/>
+                  </a:lnTo>
+                  <a:lnTo>
+                    <a:pt x="7599" y="317"/>
+                  </a:lnTo>
+                  <a:lnTo>
+                    <a:pt x="7575" y="196"/>
+                  </a:lnTo>
+                  <a:lnTo>
+                    <a:pt x="7526" y="98"/>
+                  </a:lnTo>
+                  <a:lnTo>
+                    <a:pt x="7477" y="50"/>
+                  </a:lnTo>
+                  <a:lnTo>
+                    <a:pt x="7404" y="1"/>
+                  </a:lnTo>
+                  <a:lnTo>
+                    <a:pt x="7331" y="1"/>
+                  </a:lnTo>
+                  <a:lnTo>
+                    <a:pt x="7234" y="25"/>
+                  </a:lnTo>
+                  <a:lnTo>
+                    <a:pt x="7161" y="74"/>
+                  </a:lnTo>
+                  <a:lnTo>
+                    <a:pt x="7063" y="147"/>
+                  </a:lnTo>
+                  <a:lnTo>
+                    <a:pt x="5432" y="1754"/>
+                  </a:lnTo>
+                  <a:lnTo>
+                    <a:pt x="5432" y="1754"/>
+                  </a:lnTo>
+                  <a:lnTo>
+                    <a:pt x="5358" y="1852"/>
+                  </a:lnTo>
+                  <a:lnTo>
+                    <a:pt x="5285" y="1974"/>
+                  </a:lnTo>
+                  <a:lnTo>
+                    <a:pt x="5212" y="2120"/>
+                  </a:lnTo>
+                  <a:lnTo>
+                    <a:pt x="5164" y="2242"/>
+                  </a:lnTo>
+                  <a:lnTo>
+                    <a:pt x="5139" y="2388"/>
+                  </a:lnTo>
+                  <a:lnTo>
+                    <a:pt x="5115" y="2534"/>
+                  </a:lnTo>
+                  <a:lnTo>
+                    <a:pt x="5115" y="2680"/>
+                  </a:lnTo>
+                  <a:lnTo>
+                    <a:pt x="5115" y="2802"/>
+                  </a:lnTo>
+                  <a:lnTo>
+                    <a:pt x="5334" y="3971"/>
+                  </a:lnTo>
+                  <a:lnTo>
+                    <a:pt x="5334" y="3971"/>
+                  </a:lnTo>
+                  <a:lnTo>
+                    <a:pt x="5383" y="4141"/>
+                  </a:lnTo>
+                  <a:lnTo>
+                    <a:pt x="147" y="9378"/>
+                  </a:lnTo>
+                  <a:lnTo>
+                    <a:pt x="147" y="9378"/>
+                  </a:lnTo>
+                  <a:lnTo>
+                    <a:pt x="73" y="9451"/>
+                  </a:lnTo>
+                  <a:lnTo>
+                    <a:pt x="25" y="9548"/>
+                  </a:lnTo>
+                  <a:lnTo>
+                    <a:pt x="0" y="9645"/>
+                  </a:lnTo>
+                  <a:lnTo>
+                    <a:pt x="0" y="9718"/>
+                  </a:lnTo>
+                  <a:lnTo>
+                    <a:pt x="0" y="9816"/>
+                  </a:lnTo>
+                  <a:lnTo>
+                    <a:pt x="25" y="9913"/>
+                  </a:lnTo>
+                  <a:lnTo>
+                    <a:pt x="73" y="9986"/>
+                  </a:lnTo>
+                  <a:lnTo>
+                    <a:pt x="147" y="10059"/>
+                  </a:lnTo>
+                  <a:lnTo>
+                    <a:pt x="147" y="10059"/>
+                  </a:lnTo>
+                  <a:lnTo>
+                    <a:pt x="220" y="10133"/>
+                  </a:lnTo>
+                  <a:lnTo>
+                    <a:pt x="293" y="10181"/>
+                  </a:lnTo>
+                  <a:lnTo>
+                    <a:pt x="390" y="10206"/>
+                  </a:lnTo>
+                  <a:lnTo>
+                    <a:pt x="488" y="10206"/>
+                  </a:lnTo>
+                  <a:lnTo>
+                    <a:pt x="488" y="10206"/>
+                  </a:lnTo>
+                  <a:lnTo>
+                    <a:pt x="585" y="10206"/>
+                  </a:lnTo>
+                  <a:lnTo>
+                    <a:pt x="658" y="10181"/>
+                  </a:lnTo>
+                  <a:lnTo>
+                    <a:pt x="755" y="10133"/>
+                  </a:lnTo>
+                  <a:lnTo>
+                    <a:pt x="828" y="10059"/>
+                  </a:lnTo>
+                  <a:lnTo>
+                    <a:pt x="6187" y="4726"/>
+                  </a:lnTo>
+                  <a:lnTo>
+                    <a:pt x="7234" y="4896"/>
+                  </a:lnTo>
+                  <a:lnTo>
+                    <a:pt x="7234" y="4896"/>
+                  </a:lnTo>
+                  <a:lnTo>
+                    <a:pt x="7356" y="4921"/>
+                  </a:lnTo>
+                  <a:lnTo>
+                    <a:pt x="7502" y="4921"/>
+                  </a:lnTo>
+                  <a:lnTo>
+                    <a:pt x="7624" y="4896"/>
+                  </a:lnTo>
+                  <a:lnTo>
+                    <a:pt x="7770" y="4848"/>
+                  </a:lnTo>
+                  <a:lnTo>
+                    <a:pt x="7916" y="4799"/>
+                  </a:lnTo>
+                  <a:lnTo>
+                    <a:pt x="8038" y="4750"/>
+                  </a:lnTo>
+                  <a:lnTo>
+                    <a:pt x="8159" y="4677"/>
+                  </a:lnTo>
+                  <a:lnTo>
+                    <a:pt x="8257" y="4580"/>
+                  </a:lnTo>
+                  <a:lnTo>
+                    <a:pt x="9889" y="2948"/>
+                  </a:lnTo>
+                  <a:lnTo>
+                    <a:pt x="9889" y="2948"/>
+                  </a:lnTo>
+                  <a:lnTo>
+                    <a:pt x="9962" y="2875"/>
+                  </a:lnTo>
+                  <a:lnTo>
+                    <a:pt x="10010" y="2777"/>
+                  </a:lnTo>
+                  <a:lnTo>
+                    <a:pt x="10035" y="2704"/>
+                  </a:lnTo>
+                  <a:lnTo>
+                    <a:pt x="10010" y="2607"/>
+                  </a:lnTo>
+                  <a:lnTo>
+                    <a:pt x="9986" y="2558"/>
+                  </a:lnTo>
+                  <a:lnTo>
+                    <a:pt x="9913" y="2485"/>
+                  </a:lnTo>
+                  <a:lnTo>
+                    <a:pt x="9815" y="2436"/>
+                  </a:lnTo>
+                  <a:lnTo>
+                    <a:pt x="9718" y="2412"/>
+                  </a:lnTo>
+                  <a:lnTo>
+                    <a:pt x="9718" y="2412"/>
+                  </a:lnTo>
+                  <a:close/>
+                </a:path>
+              </a:pathLst>
+            </a:custGeom>
+            <a:noFill/>
+            <a:ln w="12175" cap="rnd" cmpd="sng">
+              <a:solidFill>
+                <a:srgbClr val="B7B7B7"/>
+              </a:solidFill>
+              <a:prstDash val="solid"/>
+              <a:round/>
+              <a:headEnd type="none" w="med" len="med"/>
+              <a:tailEnd type="none" w="med" len="med"/>
+            </a:ln>
+          </p:spPr>
+          <p:txBody>
+            <a:bodyPr lIns="91425" tIns="91425" rIns="91425" bIns="91425" anchor="ctr" anchorCtr="0">
+              <a:noAutofit/>
+            </a:bodyPr>
+            <a:lstStyle/>
+            <a:p>
+              <a:pPr lvl="0">
+                <a:spcBef>
+                  <a:spcPts val="0"/>
+                </a:spcBef>
+                <a:buNone/>
+              </a:pPr>
+              <a:endParaRPr/>
+            </a:p>
+          </p:txBody>
+        </p:sp>
+      </p:grpSp>
+      <p:sp>
+        <p:nvSpPr>
+          <p:cNvPr id="13" name="Shape 147"/>
+          <p:cNvSpPr txBox="1">
+            <a:spLocks noGrp="1"/>
+          </p:cNvSpPr>
+          <p:nvPr/>
+        </p:nvSpPr>
+        <p:spPr>
+          <a:xfrm>
+            <a:off x="841289" y="1836058"/>
+            <a:ext cx="6232954" cy="2410499"/>
+          </a:xfrm>
+          <a:prstGeom prst="rect">
+            <a:avLst/>
+          </a:prstGeom>
+          <a:noFill/>
+          <a:ln>
+            <a:noFill/>
+          </a:ln>
+        </p:spPr>
+        <p:txBody>
+          <a:bodyPr lIns="91425" tIns="91425" rIns="91425" bIns="91425" anchor="t" anchorCtr="0">
+            <a:noAutofit/>
+          </a:bodyPr>
+          <a:lstStyle>
+            <a:defPPr marR="0" lvl="0" algn="l" rtl="0">
+              <a:lnSpc>
+                <a:spcPct val="100000"/>
+              </a:lnSpc>
+              <a:spcBef>
+                <a:spcPts val="0"/>
+              </a:spcBef>
+              <a:spcAft>
+                <a:spcPts val="0"/>
+              </a:spcAft>
+            </a:defPPr>
+            <a:lvl1pPr marR="0" lvl="0" algn="l" rtl="0">
+              <a:lnSpc>
+                <a:spcPct val="100000"/>
+              </a:lnSpc>
+              <a:spcBef>
+                <a:spcPts val="0"/>
+              </a:spcBef>
+              <a:spcAft>
+                <a:spcPts val="0"/>
+              </a:spcAft>
+              <a:buClr>
+                <a:srgbClr val="999999"/>
+              </a:buClr>
+              <a:buSzPct val="100000"/>
+              <a:buFont typeface="Karla"/>
+              <a:buChar char="▸"/>
+              <a:defRPr sz="1600" b="0" i="0" u="none" strike="noStrike" cap="none">
+                <a:solidFill>
+                  <a:srgbClr val="999999"/>
+                </a:solidFill>
+                <a:latin typeface="Karla"/>
+                <a:ea typeface="Karla"/>
+                <a:cs typeface="Karla"/>
+                <a:sym typeface="Karla"/>
+              </a:defRPr>
+            </a:lvl1pPr>
+            <a:lvl2pPr marR="0" lvl="1" algn="l" rtl="0">
+              <a:lnSpc>
+                <a:spcPct val="100000"/>
+              </a:lnSpc>
+              <a:spcBef>
+                <a:spcPts val="0"/>
+              </a:spcBef>
+              <a:spcAft>
+                <a:spcPts val="0"/>
+              </a:spcAft>
+              <a:buClr>
+                <a:srgbClr val="999999"/>
+              </a:buClr>
+              <a:buSzPct val="100000"/>
+              <a:buFont typeface="Karla"/>
+              <a:buChar char="▹"/>
+              <a:defRPr sz="1600" b="0" i="0" u="none" strike="noStrike" cap="none">
+                <a:solidFill>
+                  <a:srgbClr val="999999"/>
+                </a:solidFill>
+                <a:latin typeface="Karla"/>
+                <a:ea typeface="Karla"/>
+                <a:cs typeface="Karla"/>
+                <a:sym typeface="Karla"/>
+              </a:defRPr>
+            </a:lvl2pPr>
+            <a:lvl3pPr marR="0" lvl="2" algn="l" rtl="0">
+              <a:lnSpc>
+                <a:spcPct val="100000"/>
+              </a:lnSpc>
+              <a:spcBef>
+                <a:spcPts val="0"/>
+              </a:spcBef>
+              <a:spcAft>
+                <a:spcPts val="0"/>
+              </a:spcAft>
+              <a:buClr>
+                <a:srgbClr val="999999"/>
+              </a:buClr>
+              <a:buSzPct val="100000"/>
+              <a:buFont typeface="Karla"/>
+              <a:buChar char="▹"/>
+              <a:defRPr sz="1600" b="0" i="0" u="none" strike="noStrike" cap="none">
+                <a:solidFill>
+                  <a:srgbClr val="999999"/>
+                </a:solidFill>
+                <a:latin typeface="Karla"/>
+                <a:ea typeface="Karla"/>
+                <a:cs typeface="Karla"/>
+                <a:sym typeface="Karla"/>
+              </a:defRPr>
+            </a:lvl3pPr>
+            <a:lvl4pPr marR="0" lvl="3" algn="l" rtl="0">
+              <a:lnSpc>
+                <a:spcPct val="100000"/>
+              </a:lnSpc>
+              <a:spcBef>
+                <a:spcPts val="0"/>
+              </a:spcBef>
+              <a:spcAft>
+                <a:spcPts val="0"/>
+              </a:spcAft>
+              <a:buClr>
+                <a:srgbClr val="999999"/>
+              </a:buClr>
+              <a:buSzPct val="100000"/>
+              <a:buFont typeface="Karla"/>
+              <a:buNone/>
+              <a:defRPr sz="1600" b="0" i="0" u="none" strike="noStrike" cap="none">
+                <a:solidFill>
+                  <a:srgbClr val="999999"/>
+                </a:solidFill>
+                <a:latin typeface="Karla"/>
+                <a:ea typeface="Karla"/>
+                <a:cs typeface="Karla"/>
+                <a:sym typeface="Karla"/>
+              </a:defRPr>
+            </a:lvl4pPr>
+            <a:lvl5pPr marR="0" lvl="4" algn="l" rtl="0">
+              <a:lnSpc>
+                <a:spcPct val="100000"/>
+              </a:lnSpc>
+              <a:spcBef>
+                <a:spcPts val="0"/>
+              </a:spcBef>
+              <a:spcAft>
+                <a:spcPts val="0"/>
+              </a:spcAft>
+              <a:buClr>
+                <a:srgbClr val="999999"/>
+              </a:buClr>
+              <a:buSzPct val="100000"/>
+              <a:buFont typeface="Karla"/>
+              <a:buNone/>
+              <a:defRPr sz="1600" b="0" i="0" u="none" strike="noStrike" cap="none">
+                <a:solidFill>
+                  <a:srgbClr val="999999"/>
+                </a:solidFill>
+                <a:latin typeface="Karla"/>
+                <a:ea typeface="Karla"/>
+                <a:cs typeface="Karla"/>
+                <a:sym typeface="Karla"/>
+              </a:defRPr>
+            </a:lvl5pPr>
+            <a:lvl6pPr marR="0" lvl="5" algn="l" rtl="0">
+              <a:lnSpc>
+                <a:spcPct val="100000"/>
+              </a:lnSpc>
+              <a:spcBef>
+                <a:spcPts val="0"/>
+              </a:spcBef>
+              <a:spcAft>
+                <a:spcPts val="0"/>
+              </a:spcAft>
+              <a:buClr>
+                <a:srgbClr val="999999"/>
+              </a:buClr>
+              <a:buSzPct val="100000"/>
+              <a:buFont typeface="Karla"/>
+              <a:buNone/>
+              <a:defRPr sz="1600" b="0" i="0" u="none" strike="noStrike" cap="none">
+                <a:solidFill>
+                  <a:srgbClr val="999999"/>
+                </a:solidFill>
+                <a:latin typeface="Karla"/>
+                <a:ea typeface="Karla"/>
+                <a:cs typeface="Karla"/>
+                <a:sym typeface="Karla"/>
+              </a:defRPr>
+            </a:lvl6pPr>
+            <a:lvl7pPr marR="0" lvl="6" algn="l" rtl="0">
+              <a:lnSpc>
+                <a:spcPct val="100000"/>
+              </a:lnSpc>
+              <a:spcBef>
+                <a:spcPts val="0"/>
+              </a:spcBef>
+              <a:spcAft>
+                <a:spcPts val="0"/>
+              </a:spcAft>
+              <a:buClr>
+                <a:srgbClr val="999999"/>
+              </a:buClr>
+              <a:buSzPct val="100000"/>
+              <a:buFont typeface="Karla"/>
+              <a:buNone/>
+              <a:defRPr sz="1600" b="0" i="0" u="none" strike="noStrike" cap="none">
+                <a:solidFill>
+                  <a:srgbClr val="999999"/>
+                </a:solidFill>
+                <a:latin typeface="Karla"/>
+                <a:ea typeface="Karla"/>
+                <a:cs typeface="Karla"/>
+                <a:sym typeface="Karla"/>
+              </a:defRPr>
+            </a:lvl7pPr>
+            <a:lvl8pPr marR="0" lvl="7" algn="l" rtl="0">
+              <a:lnSpc>
+                <a:spcPct val="100000"/>
+              </a:lnSpc>
+              <a:spcBef>
+                <a:spcPts val="0"/>
+              </a:spcBef>
+              <a:spcAft>
+                <a:spcPts val="0"/>
+              </a:spcAft>
+              <a:buClr>
+                <a:srgbClr val="999999"/>
+              </a:buClr>
+              <a:buSzPct val="100000"/>
+              <a:buFont typeface="Karla"/>
+              <a:buNone/>
+              <a:defRPr sz="1600" b="0" i="0" u="none" strike="noStrike" cap="none">
+                <a:solidFill>
+                  <a:srgbClr val="999999"/>
+                </a:solidFill>
+                <a:latin typeface="Karla"/>
+                <a:ea typeface="Karla"/>
+                <a:cs typeface="Karla"/>
+                <a:sym typeface="Karla"/>
+              </a:defRPr>
+            </a:lvl8pPr>
+            <a:lvl9pPr marR="0" lvl="8" algn="l" rtl="0">
+              <a:lnSpc>
+                <a:spcPct val="100000"/>
+              </a:lnSpc>
+              <a:spcBef>
+                <a:spcPts val="0"/>
+              </a:spcBef>
+              <a:spcAft>
+                <a:spcPts val="0"/>
+              </a:spcAft>
+              <a:buClr>
+                <a:srgbClr val="999999"/>
+              </a:buClr>
+              <a:buSzPct val="100000"/>
+              <a:buFont typeface="Karla"/>
+              <a:buNone/>
+              <a:defRPr sz="1600" b="0" i="0" u="none" strike="noStrike" cap="none">
+                <a:solidFill>
+                  <a:srgbClr val="999999"/>
+                </a:solidFill>
+                <a:latin typeface="Karla"/>
+                <a:ea typeface="Karla"/>
+                <a:cs typeface="Karla"/>
+                <a:sym typeface="Karla"/>
+              </a:defRPr>
+            </a:lvl9pPr>
+          </a:lstStyle>
+          <a:p>
+            <a:r>
+              <a:rPr lang="en-US" sz="2000" dirty="0" smtClean="0"/>
+              <a:t>Accuracy: </a:t>
+            </a:r>
+            <a:r>
+              <a:rPr lang="en-US" sz="2000" b="1" dirty="0" smtClean="0"/>
+              <a:t>0.75 (8</a:t>
+            </a:r>
+            <a:r>
+              <a:rPr lang="en-US" sz="2000" b="1" baseline="30000" dirty="0" smtClean="0"/>
+              <a:t>th</a:t>
+            </a:r>
+            <a:r>
+              <a:rPr lang="en-US" sz="2000" b="1" dirty="0" smtClean="0"/>
+              <a:t> place)</a:t>
+            </a:r>
+          </a:p>
+          <a:p>
+            <a:r>
+              <a:rPr lang="en-US" sz="2000" dirty="0" smtClean="0"/>
+              <a:t>Average score difference (</a:t>
+            </a:r>
+            <a:r>
+              <a:rPr lang="en-US" sz="2000" dirty="0" err="1" smtClean="0"/>
+              <a:t>asd</a:t>
+            </a:r>
+            <a:r>
+              <a:rPr lang="en-US" sz="2000" dirty="0" smtClean="0"/>
+              <a:t>): </a:t>
+            </a:r>
+            <a:r>
+              <a:rPr lang="en-US" sz="2000" b="1" dirty="0" smtClean="0"/>
+              <a:t>1.78 (7</a:t>
+            </a:r>
+            <a:r>
+              <a:rPr lang="en-US" sz="2000" b="1" baseline="30000" dirty="0" smtClean="0"/>
+              <a:t>th</a:t>
+            </a:r>
+            <a:r>
+              <a:rPr lang="en-US" sz="2000" b="1" dirty="0" smtClean="0"/>
+              <a:t> place)</a:t>
+            </a:r>
+          </a:p>
+          <a:p>
+            <a:r>
+              <a:rPr lang="en-US" sz="2000" dirty="0" smtClean="0"/>
+              <a:t>Kendall's Tau: </a:t>
+            </a:r>
+            <a:r>
+              <a:rPr lang="en-US" sz="2000" b="1" dirty="0" smtClean="0"/>
+              <a:t>0.31 (1</a:t>
+            </a:r>
+            <a:r>
+              <a:rPr lang="en-US" sz="2000" b="1" baseline="30000" dirty="0" smtClean="0"/>
+              <a:t>st</a:t>
+            </a:r>
+            <a:r>
+              <a:rPr lang="en-US" sz="2000" b="1" dirty="0" smtClean="0"/>
+              <a:t> place) !</a:t>
+            </a:r>
+          </a:p>
+          <a:p>
+            <a:endParaRPr lang="en-US" sz="2000" b="1" dirty="0">
+              <a:solidFill>
+                <a:schemeClr val="tx2">
+                  <a:lumMod val="50000"/>
+                </a:schemeClr>
+              </a:solidFill>
+            </a:endParaRPr>
+          </a:p>
+          <a:p>
+            <a:endParaRPr lang="en-US" sz="2000" b="1" dirty="0" smtClean="0">
+              <a:solidFill>
+                <a:schemeClr val="tx2">
+                  <a:lumMod val="50000"/>
+                </a:schemeClr>
+              </a:solidFill>
+            </a:endParaRPr>
+          </a:p>
+          <a:p>
+            <a:pPr>
+              <a:buNone/>
+            </a:pPr>
+            <a:endParaRPr lang="en-US" sz="2000" b="1" dirty="0">
+              <a:solidFill>
+                <a:schemeClr val="tx2">
+                  <a:lumMod val="50000"/>
+                </a:schemeClr>
+              </a:solidFill>
+            </a:endParaRPr>
+          </a:p>
+          <a:p>
+            <a:pPr>
+              <a:buNone/>
+            </a:pPr>
+            <a:r>
+              <a:rPr lang="en-US" sz="2000" dirty="0" smtClean="0">
+                <a:solidFill>
+                  <a:schemeClr val="tx2">
+                    <a:lumMod val="50000"/>
+                  </a:schemeClr>
+                </a:solidFill>
+              </a:rPr>
+              <a:t>* Some teams cheated for the accuracy metric: returned results in range 2-5 (caused worse results in other metrics)</a:t>
+            </a:r>
+            <a:endParaRPr lang="en" sz="2000" dirty="0">
+              <a:solidFill>
+                <a:schemeClr val="tx2">
+                  <a:lumMod val="50000"/>
+                </a:schemeClr>
+              </a:solidFill>
+            </a:endParaRPr>
+          </a:p>
+        </p:txBody>
+      </p:sp>
+    </p:spTree>
+    <p:extLst>
+      <p:ext uri="{BB962C8B-B14F-4D97-AF65-F5344CB8AC3E}">
+        <p14:creationId xmlns:p14="http://schemas.microsoft.com/office/powerpoint/2010/main" val="2190548389"/>
+      </p:ext>
+    </p:extLst>
+  </p:cSld>
+  <p:clrMapOvr>
+    <a:masterClrMapping/>
+  </p:clrMapOvr>
+  <p:timing>
+    <p:tnLst>
+      <p:par>
+        <p:cTn id="1" dur="indefinite" restart="never" nodeType="tmRoot"/>
+      </p:par>
+    </p:tnLst>
+  </p:timing>
+</p:sld>
+</file>
+
+<file path=ppt/slides/slide15.xml><?xml version="1.0" encoding="utf-8"?>
+<p:sld xmlns:a="http://schemas.openxmlformats.org/drawingml/2006/main" xmlns:r="http://schemas.openxmlformats.org/officeDocument/2006/relationships" xmlns:p="http://schemas.openxmlformats.org/presentationml/2006/main">
+  <p:cSld>
+    <p:bg>
+      <p:bgPr>
+        <a:solidFill>
+          <a:srgbClr val="00B050"/>
+        </a:solidFill>
+        <a:effectLst/>
+      </p:bgPr>
+    </p:bg>
+    <p:spTree>
+      <p:nvGrpSpPr>
+        <p:cNvPr id="1" name="Shape 256"/>
+        <p:cNvGrpSpPr/>
+        <p:nvPr/>
+      </p:nvGrpSpPr>
+      <p:grpSpPr>
+        <a:xfrm>
+          <a:off x="0" y="0"/>
+          <a:ext cx="0" cy="0"/>
+          <a:chOff x="0" y="0"/>
+          <a:chExt cx="0" cy="0"/>
+        </a:xfrm>
+      </p:grpSpPr>
+      <p:sp>
+        <p:nvSpPr>
+          <p:cNvPr id="257" name="Shape 257"/>
+          <p:cNvSpPr txBox="1">
+            <a:spLocks noGrp="1"/>
+          </p:cNvSpPr>
+          <p:nvPr>
+            <p:ph type="title"/>
+          </p:nvPr>
+        </p:nvSpPr>
+        <p:spPr>
+          <a:xfrm>
+            <a:off x="1422741" y="885458"/>
+            <a:ext cx="4935784" cy="409500"/>
+          </a:xfrm>
+          <a:prstGeom prst="rect">
+            <a:avLst/>
+          </a:prstGeom>
+        </p:spPr>
+        <p:txBody>
+          <a:bodyPr lIns="91425" tIns="91425" rIns="91425" bIns="91425" anchor="b" anchorCtr="0">
+            <a:noAutofit/>
+          </a:bodyPr>
+          <a:lstStyle/>
+          <a:p>
+            <a:pPr lvl="0"/>
+            <a:r>
+              <a:rPr lang="en" sz="2400" dirty="0">
+                <a:solidFill>
+                  <a:srgbClr val="4CAF50"/>
+                </a:solidFill>
+              </a:rPr>
+              <a:t>Future work </a:t>
+            </a:r>
+            <a:r>
+              <a:rPr lang="en" sz="2400" dirty="0"/>
+              <a:t>and </a:t>
+            </a:r>
+            <a:r>
+              <a:rPr lang="en" sz="2400" dirty="0">
+                <a:solidFill>
+                  <a:srgbClr val="4CAF50"/>
+                </a:solidFill>
+              </a:rPr>
+              <a:t>Conclusion</a:t>
+            </a:r>
+            <a:endParaRPr lang="en" sz="2400" dirty="0"/>
+          </a:p>
+        </p:txBody>
+      </p:sp>
+      <p:grpSp>
+        <p:nvGrpSpPr>
+          <p:cNvPr id="259" name="Shape 259"/>
+          <p:cNvGrpSpPr/>
+          <p:nvPr/>
+        </p:nvGrpSpPr>
+        <p:grpSpPr>
+          <a:xfrm>
+            <a:off x="841289" y="821957"/>
+            <a:ext cx="449036" cy="470807"/>
+            <a:chOff x="5961125" y="1623900"/>
+            <a:chExt cx="427450" cy="448175"/>
+          </a:xfrm>
+        </p:grpSpPr>
+        <p:sp>
+          <p:nvSpPr>
+            <p:cNvPr id="260" name="Shape 260"/>
+            <p:cNvSpPr/>
+            <p:nvPr/>
+          </p:nvSpPr>
+          <p:spPr>
+            <a:xfrm>
+              <a:off x="5961125" y="1678700"/>
+              <a:ext cx="376925" cy="376925"/>
+            </a:xfrm>
+            <a:custGeom>
+              <a:avLst/>
+              <a:gdLst/>
+              <a:ahLst/>
+              <a:cxnLst/>
+              <a:rect l="0" t="0" r="0" b="0"/>
+              <a:pathLst>
+                <a:path w="15077" h="15077" fill="none" extrusionOk="0">
+                  <a:moveTo>
+                    <a:pt x="11813" y="1340"/>
+                  </a:moveTo>
+                  <a:lnTo>
+                    <a:pt x="11813" y="1340"/>
+                  </a:lnTo>
+                  <a:lnTo>
+                    <a:pt x="11350" y="1024"/>
+                  </a:lnTo>
+                  <a:lnTo>
+                    <a:pt x="10863" y="780"/>
+                  </a:lnTo>
+                  <a:lnTo>
+                    <a:pt x="10351" y="537"/>
+                  </a:lnTo>
+                  <a:lnTo>
+                    <a:pt x="9816" y="342"/>
+                  </a:lnTo>
+                  <a:lnTo>
+                    <a:pt x="9280" y="196"/>
+                  </a:lnTo>
+                  <a:lnTo>
+                    <a:pt x="8720" y="98"/>
+                  </a:lnTo>
+                  <a:lnTo>
+                    <a:pt x="8135" y="25"/>
+                  </a:lnTo>
+                  <a:lnTo>
+                    <a:pt x="7551" y="1"/>
+                  </a:lnTo>
+                  <a:lnTo>
+                    <a:pt x="7551" y="1"/>
+                  </a:lnTo>
+                  <a:lnTo>
+                    <a:pt x="7161" y="1"/>
+                  </a:lnTo>
+                  <a:lnTo>
+                    <a:pt x="6771" y="50"/>
+                  </a:lnTo>
+                  <a:lnTo>
+                    <a:pt x="6406" y="98"/>
+                  </a:lnTo>
+                  <a:lnTo>
+                    <a:pt x="6041" y="147"/>
+                  </a:lnTo>
+                  <a:lnTo>
+                    <a:pt x="5675" y="244"/>
+                  </a:lnTo>
+                  <a:lnTo>
+                    <a:pt x="5310" y="342"/>
+                  </a:lnTo>
+                  <a:lnTo>
+                    <a:pt x="4969" y="464"/>
+                  </a:lnTo>
+                  <a:lnTo>
+                    <a:pt x="4628" y="585"/>
+                  </a:lnTo>
+                  <a:lnTo>
+                    <a:pt x="4287" y="731"/>
+                  </a:lnTo>
+                  <a:lnTo>
+                    <a:pt x="3970" y="902"/>
+                  </a:lnTo>
+                  <a:lnTo>
+                    <a:pt x="3654" y="1097"/>
+                  </a:lnTo>
+                  <a:lnTo>
+                    <a:pt x="3337" y="1292"/>
+                  </a:lnTo>
+                  <a:lnTo>
+                    <a:pt x="3045" y="1486"/>
+                  </a:lnTo>
+                  <a:lnTo>
+                    <a:pt x="2753" y="1730"/>
+                  </a:lnTo>
+                  <a:lnTo>
+                    <a:pt x="2485" y="1949"/>
+                  </a:lnTo>
+                  <a:lnTo>
+                    <a:pt x="2217" y="2217"/>
+                  </a:lnTo>
+                  <a:lnTo>
+                    <a:pt x="1973" y="2461"/>
+                  </a:lnTo>
+                  <a:lnTo>
+                    <a:pt x="1730" y="2753"/>
+                  </a:lnTo>
+                  <a:lnTo>
+                    <a:pt x="1510" y="3021"/>
+                  </a:lnTo>
+                  <a:lnTo>
+                    <a:pt x="1291" y="3313"/>
+                  </a:lnTo>
+                  <a:lnTo>
+                    <a:pt x="1096" y="3630"/>
+                  </a:lnTo>
+                  <a:lnTo>
+                    <a:pt x="926" y="3946"/>
+                  </a:lnTo>
+                  <a:lnTo>
+                    <a:pt x="755" y="4263"/>
+                  </a:lnTo>
+                  <a:lnTo>
+                    <a:pt x="609" y="4604"/>
+                  </a:lnTo>
+                  <a:lnTo>
+                    <a:pt x="463" y="4945"/>
+                  </a:lnTo>
+                  <a:lnTo>
+                    <a:pt x="341" y="5286"/>
+                  </a:lnTo>
+                  <a:lnTo>
+                    <a:pt x="244" y="5651"/>
+                  </a:lnTo>
+                  <a:lnTo>
+                    <a:pt x="171" y="6016"/>
+                  </a:lnTo>
+                  <a:lnTo>
+                    <a:pt x="98" y="6382"/>
+                  </a:lnTo>
+                  <a:lnTo>
+                    <a:pt x="49" y="6771"/>
+                  </a:lnTo>
+                  <a:lnTo>
+                    <a:pt x="25" y="7137"/>
+                  </a:lnTo>
+                  <a:lnTo>
+                    <a:pt x="0" y="7526"/>
+                  </a:lnTo>
+                  <a:lnTo>
+                    <a:pt x="0" y="7526"/>
+                  </a:lnTo>
+                  <a:lnTo>
+                    <a:pt x="25" y="7916"/>
+                  </a:lnTo>
+                  <a:lnTo>
+                    <a:pt x="49" y="8306"/>
+                  </a:lnTo>
+                  <a:lnTo>
+                    <a:pt x="98" y="8671"/>
+                  </a:lnTo>
+                  <a:lnTo>
+                    <a:pt x="171" y="9061"/>
+                  </a:lnTo>
+                  <a:lnTo>
+                    <a:pt x="244" y="9426"/>
+                  </a:lnTo>
+                  <a:lnTo>
+                    <a:pt x="341" y="9767"/>
+                  </a:lnTo>
+                  <a:lnTo>
+                    <a:pt x="463" y="10132"/>
+                  </a:lnTo>
+                  <a:lnTo>
+                    <a:pt x="609" y="10473"/>
+                  </a:lnTo>
+                  <a:lnTo>
+                    <a:pt x="755" y="10790"/>
+                  </a:lnTo>
+                  <a:lnTo>
+                    <a:pt x="926" y="11131"/>
+                  </a:lnTo>
+                  <a:lnTo>
+                    <a:pt x="1096" y="11448"/>
+                  </a:lnTo>
+                  <a:lnTo>
+                    <a:pt x="1291" y="11740"/>
+                  </a:lnTo>
+                  <a:lnTo>
+                    <a:pt x="1510" y="12032"/>
+                  </a:lnTo>
+                  <a:lnTo>
+                    <a:pt x="1730" y="12324"/>
+                  </a:lnTo>
+                  <a:lnTo>
+                    <a:pt x="1973" y="12592"/>
+                  </a:lnTo>
+                  <a:lnTo>
+                    <a:pt x="2217" y="12860"/>
+                  </a:lnTo>
+                  <a:lnTo>
+                    <a:pt x="2485" y="13104"/>
+                  </a:lnTo>
+                  <a:lnTo>
+                    <a:pt x="2753" y="13347"/>
+                  </a:lnTo>
+                  <a:lnTo>
+                    <a:pt x="3045" y="13567"/>
+                  </a:lnTo>
+                  <a:lnTo>
+                    <a:pt x="3337" y="13786"/>
+                  </a:lnTo>
+                  <a:lnTo>
+                    <a:pt x="3654" y="13981"/>
+                  </a:lnTo>
+                  <a:lnTo>
+                    <a:pt x="3970" y="14151"/>
+                  </a:lnTo>
+                  <a:lnTo>
+                    <a:pt x="4287" y="14322"/>
+                  </a:lnTo>
+                  <a:lnTo>
+                    <a:pt x="4628" y="14468"/>
+                  </a:lnTo>
+                  <a:lnTo>
+                    <a:pt x="4969" y="14614"/>
+                  </a:lnTo>
+                  <a:lnTo>
+                    <a:pt x="5310" y="14736"/>
+                  </a:lnTo>
+                  <a:lnTo>
+                    <a:pt x="5675" y="14833"/>
+                  </a:lnTo>
+                  <a:lnTo>
+                    <a:pt x="6041" y="14906"/>
+                  </a:lnTo>
+                  <a:lnTo>
+                    <a:pt x="6406" y="14979"/>
+                  </a:lnTo>
+                  <a:lnTo>
+                    <a:pt x="6771" y="15028"/>
+                  </a:lnTo>
+                  <a:lnTo>
+                    <a:pt x="7161" y="15052"/>
+                  </a:lnTo>
+                  <a:lnTo>
+                    <a:pt x="7551" y="15077"/>
+                  </a:lnTo>
+                  <a:lnTo>
+                    <a:pt x="7551" y="15077"/>
+                  </a:lnTo>
+                  <a:lnTo>
+                    <a:pt x="7940" y="15052"/>
+                  </a:lnTo>
+                  <a:lnTo>
+                    <a:pt x="8306" y="15028"/>
+                  </a:lnTo>
+                  <a:lnTo>
+                    <a:pt x="8695" y="14979"/>
+                  </a:lnTo>
+                  <a:lnTo>
+                    <a:pt x="9061" y="14906"/>
+                  </a:lnTo>
+                  <a:lnTo>
+                    <a:pt x="9426" y="14833"/>
+                  </a:lnTo>
+                  <a:lnTo>
+                    <a:pt x="9791" y="14736"/>
+                  </a:lnTo>
+                  <a:lnTo>
+                    <a:pt x="10132" y="14614"/>
+                  </a:lnTo>
+                  <a:lnTo>
+                    <a:pt x="10473" y="14468"/>
+                  </a:lnTo>
+                  <a:lnTo>
+                    <a:pt x="10814" y="14322"/>
+                  </a:lnTo>
+                  <a:lnTo>
+                    <a:pt x="11131" y="14151"/>
+                  </a:lnTo>
+                  <a:lnTo>
+                    <a:pt x="11447" y="13981"/>
+                  </a:lnTo>
+                  <a:lnTo>
+                    <a:pt x="11764" y="13786"/>
+                  </a:lnTo>
+                  <a:lnTo>
+                    <a:pt x="12056" y="13567"/>
+                  </a:lnTo>
+                  <a:lnTo>
+                    <a:pt x="12348" y="13347"/>
+                  </a:lnTo>
+                  <a:lnTo>
+                    <a:pt x="12616" y="13104"/>
+                  </a:lnTo>
+                  <a:lnTo>
+                    <a:pt x="12884" y="12860"/>
+                  </a:lnTo>
+                  <a:lnTo>
+                    <a:pt x="13128" y="12592"/>
+                  </a:lnTo>
+                  <a:lnTo>
+                    <a:pt x="13371" y="12324"/>
+                  </a:lnTo>
+                  <a:lnTo>
+                    <a:pt x="13591" y="12032"/>
+                  </a:lnTo>
+                  <a:lnTo>
+                    <a:pt x="13785" y="11740"/>
+                  </a:lnTo>
+                  <a:lnTo>
+                    <a:pt x="13980" y="11448"/>
+                  </a:lnTo>
+                  <a:lnTo>
+                    <a:pt x="14175" y="11131"/>
+                  </a:lnTo>
+                  <a:lnTo>
+                    <a:pt x="14346" y="10790"/>
+                  </a:lnTo>
+                  <a:lnTo>
+                    <a:pt x="14492" y="10473"/>
+                  </a:lnTo>
+                  <a:lnTo>
+                    <a:pt x="14613" y="10132"/>
+                  </a:lnTo>
+                  <a:lnTo>
+                    <a:pt x="14735" y="9767"/>
+                  </a:lnTo>
+                  <a:lnTo>
+                    <a:pt x="14857" y="9426"/>
+                  </a:lnTo>
+                  <a:lnTo>
+                    <a:pt x="14930" y="9061"/>
+                  </a:lnTo>
+                  <a:lnTo>
+                    <a:pt x="15003" y="8671"/>
+                  </a:lnTo>
+                  <a:lnTo>
+                    <a:pt x="15052" y="8306"/>
+                  </a:lnTo>
+                  <a:lnTo>
+                    <a:pt x="15076" y="7916"/>
+                  </a:lnTo>
+                  <a:lnTo>
+                    <a:pt x="15076" y="7526"/>
+                  </a:lnTo>
+                  <a:lnTo>
+                    <a:pt x="15076" y="7526"/>
+                  </a:lnTo>
+                  <a:lnTo>
+                    <a:pt x="15052" y="6918"/>
+                  </a:lnTo>
+                  <a:lnTo>
+                    <a:pt x="14979" y="6309"/>
+                  </a:lnTo>
+                  <a:lnTo>
+                    <a:pt x="14857" y="5724"/>
+                  </a:lnTo>
+                  <a:lnTo>
+                    <a:pt x="14687" y="5164"/>
+                  </a:lnTo>
+                  <a:lnTo>
+                    <a:pt x="14492" y="4604"/>
+                  </a:lnTo>
+                  <a:lnTo>
+                    <a:pt x="14248" y="4068"/>
+                  </a:lnTo>
+                  <a:lnTo>
+                    <a:pt x="13956" y="3581"/>
+                  </a:lnTo>
+                  <a:lnTo>
+                    <a:pt x="13615" y="3094"/>
+                  </a:lnTo>
+                </a:path>
+              </a:pathLst>
+            </a:custGeom>
+            <a:noFill/>
+            <a:ln w="12175" cap="rnd" cmpd="sng">
+              <a:solidFill>
+                <a:srgbClr val="B7B7B7"/>
+              </a:solidFill>
+              <a:prstDash val="solid"/>
+              <a:round/>
+              <a:headEnd type="none" w="med" len="med"/>
+              <a:tailEnd type="none" w="med" len="med"/>
+            </a:ln>
+          </p:spPr>
+          <p:txBody>
+            <a:bodyPr lIns="91425" tIns="91425" rIns="91425" bIns="91425" anchor="ctr" anchorCtr="0">
+              <a:noAutofit/>
+            </a:bodyPr>
+            <a:lstStyle/>
+            <a:p>
+              <a:pPr lvl="0">
+                <a:spcBef>
+                  <a:spcPts val="0"/>
+                </a:spcBef>
+                <a:buNone/>
+              </a:pPr>
+              <a:endParaRPr/>
+            </a:p>
+          </p:txBody>
+        </p:sp>
+        <p:sp>
+          <p:nvSpPr>
+            <p:cNvPr id="261" name="Shape 261"/>
+            <p:cNvSpPr/>
+            <p:nvPr/>
+          </p:nvSpPr>
+          <p:spPr>
+            <a:xfrm>
+              <a:off x="6009825" y="1727425"/>
+              <a:ext cx="279500" cy="279500"/>
+            </a:xfrm>
+            <a:custGeom>
+              <a:avLst/>
+              <a:gdLst/>
+              <a:ahLst/>
+              <a:cxnLst/>
+              <a:rect l="0" t="0" r="0" b="0"/>
+              <a:pathLst>
+                <a:path w="11180" h="11180" fill="none" extrusionOk="0">
+                  <a:moveTo>
+                    <a:pt x="10181" y="2387"/>
+                  </a:moveTo>
+                  <a:lnTo>
+                    <a:pt x="10181" y="2387"/>
+                  </a:lnTo>
+                  <a:lnTo>
+                    <a:pt x="10400" y="2728"/>
+                  </a:lnTo>
+                  <a:lnTo>
+                    <a:pt x="10595" y="3093"/>
+                  </a:lnTo>
+                  <a:lnTo>
+                    <a:pt x="10766" y="3483"/>
+                  </a:lnTo>
+                  <a:lnTo>
+                    <a:pt x="10912" y="3873"/>
+                  </a:lnTo>
+                  <a:lnTo>
+                    <a:pt x="11034" y="4287"/>
+                  </a:lnTo>
+                  <a:lnTo>
+                    <a:pt x="11107" y="4701"/>
+                  </a:lnTo>
+                  <a:lnTo>
+                    <a:pt x="11180" y="5139"/>
+                  </a:lnTo>
+                  <a:lnTo>
+                    <a:pt x="11180" y="5577"/>
+                  </a:lnTo>
+                  <a:lnTo>
+                    <a:pt x="11180" y="5577"/>
+                  </a:lnTo>
+                  <a:lnTo>
+                    <a:pt x="11155" y="6162"/>
+                  </a:lnTo>
+                  <a:lnTo>
+                    <a:pt x="11082" y="6722"/>
+                  </a:lnTo>
+                  <a:lnTo>
+                    <a:pt x="10936" y="7234"/>
+                  </a:lnTo>
+                  <a:lnTo>
+                    <a:pt x="10741" y="7769"/>
+                  </a:lnTo>
+                  <a:lnTo>
+                    <a:pt x="10522" y="8257"/>
+                  </a:lnTo>
+                  <a:lnTo>
+                    <a:pt x="10230" y="8695"/>
+                  </a:lnTo>
+                  <a:lnTo>
+                    <a:pt x="9913" y="9133"/>
+                  </a:lnTo>
+                  <a:lnTo>
+                    <a:pt x="9548" y="9523"/>
+                  </a:lnTo>
+                  <a:lnTo>
+                    <a:pt x="9158" y="9888"/>
+                  </a:lnTo>
+                  <a:lnTo>
+                    <a:pt x="8720" y="10205"/>
+                  </a:lnTo>
+                  <a:lnTo>
+                    <a:pt x="8257" y="10497"/>
+                  </a:lnTo>
+                  <a:lnTo>
+                    <a:pt x="7770" y="10741"/>
+                  </a:lnTo>
+                  <a:lnTo>
+                    <a:pt x="7259" y="10911"/>
+                  </a:lnTo>
+                  <a:lnTo>
+                    <a:pt x="6723" y="11057"/>
+                  </a:lnTo>
+                  <a:lnTo>
+                    <a:pt x="6163" y="11155"/>
+                  </a:lnTo>
+                  <a:lnTo>
+                    <a:pt x="5603" y="11179"/>
+                  </a:lnTo>
+                  <a:lnTo>
+                    <a:pt x="5603" y="11179"/>
+                  </a:lnTo>
+                  <a:lnTo>
+                    <a:pt x="5018" y="11155"/>
+                  </a:lnTo>
+                  <a:lnTo>
+                    <a:pt x="4482" y="11057"/>
+                  </a:lnTo>
+                  <a:lnTo>
+                    <a:pt x="3946" y="10911"/>
+                  </a:lnTo>
+                  <a:lnTo>
+                    <a:pt x="3435" y="10741"/>
+                  </a:lnTo>
+                  <a:lnTo>
+                    <a:pt x="2948" y="10497"/>
+                  </a:lnTo>
+                  <a:lnTo>
+                    <a:pt x="2485" y="10205"/>
+                  </a:lnTo>
+                  <a:lnTo>
+                    <a:pt x="2047" y="9888"/>
+                  </a:lnTo>
+                  <a:lnTo>
+                    <a:pt x="1657" y="9523"/>
+                  </a:lnTo>
+                  <a:lnTo>
+                    <a:pt x="1292" y="9133"/>
+                  </a:lnTo>
+                  <a:lnTo>
+                    <a:pt x="975" y="8695"/>
+                  </a:lnTo>
+                  <a:lnTo>
+                    <a:pt x="683" y="8257"/>
+                  </a:lnTo>
+                  <a:lnTo>
+                    <a:pt x="464" y="7769"/>
+                  </a:lnTo>
+                  <a:lnTo>
+                    <a:pt x="269" y="7234"/>
+                  </a:lnTo>
+                  <a:lnTo>
+                    <a:pt x="123" y="6722"/>
+                  </a:lnTo>
+                  <a:lnTo>
+                    <a:pt x="50" y="6162"/>
+                  </a:lnTo>
+                  <a:lnTo>
+                    <a:pt x="1" y="5577"/>
+                  </a:lnTo>
+                  <a:lnTo>
+                    <a:pt x="1" y="5577"/>
+                  </a:lnTo>
+                  <a:lnTo>
+                    <a:pt x="50" y="5017"/>
+                  </a:lnTo>
+                  <a:lnTo>
+                    <a:pt x="123" y="4457"/>
+                  </a:lnTo>
+                  <a:lnTo>
+                    <a:pt x="269" y="3921"/>
+                  </a:lnTo>
+                  <a:lnTo>
+                    <a:pt x="464" y="3410"/>
+                  </a:lnTo>
+                  <a:lnTo>
+                    <a:pt x="683" y="2923"/>
+                  </a:lnTo>
+                  <a:lnTo>
+                    <a:pt x="975" y="2460"/>
+                  </a:lnTo>
+                  <a:lnTo>
+                    <a:pt x="1292" y="2046"/>
+                  </a:lnTo>
+                  <a:lnTo>
+                    <a:pt x="1657" y="1632"/>
+                  </a:lnTo>
+                  <a:lnTo>
+                    <a:pt x="2047" y="1267"/>
+                  </a:lnTo>
+                  <a:lnTo>
+                    <a:pt x="2485" y="950"/>
+                  </a:lnTo>
+                  <a:lnTo>
+                    <a:pt x="2948" y="682"/>
+                  </a:lnTo>
+                  <a:lnTo>
+                    <a:pt x="3435" y="439"/>
+                  </a:lnTo>
+                  <a:lnTo>
+                    <a:pt x="3946" y="244"/>
+                  </a:lnTo>
+                  <a:lnTo>
+                    <a:pt x="4482" y="122"/>
+                  </a:lnTo>
+                  <a:lnTo>
+                    <a:pt x="5018" y="25"/>
+                  </a:lnTo>
+                  <a:lnTo>
+                    <a:pt x="5603" y="0"/>
+                  </a:lnTo>
+                  <a:lnTo>
+                    <a:pt x="5603" y="0"/>
+                  </a:lnTo>
+                  <a:lnTo>
+                    <a:pt x="6041" y="25"/>
+                  </a:lnTo>
+                  <a:lnTo>
+                    <a:pt x="6479" y="73"/>
+                  </a:lnTo>
+                  <a:lnTo>
+                    <a:pt x="6893" y="146"/>
+                  </a:lnTo>
+                  <a:lnTo>
+                    <a:pt x="7307" y="268"/>
+                  </a:lnTo>
+                  <a:lnTo>
+                    <a:pt x="7697" y="414"/>
+                  </a:lnTo>
+                  <a:lnTo>
+                    <a:pt x="8087" y="585"/>
+                  </a:lnTo>
+                  <a:lnTo>
+                    <a:pt x="8452" y="780"/>
+                  </a:lnTo>
+                  <a:lnTo>
+                    <a:pt x="8793" y="999"/>
+                  </a:lnTo>
+                </a:path>
+              </a:pathLst>
+            </a:custGeom>
+            <a:noFill/>
+            <a:ln w="12175" cap="rnd" cmpd="sng">
+              <a:solidFill>
+                <a:srgbClr val="B7B7B7"/>
+              </a:solidFill>
+              <a:prstDash val="solid"/>
+              <a:round/>
+              <a:headEnd type="none" w="med" len="med"/>
+              <a:tailEnd type="none" w="med" len="med"/>
+            </a:ln>
+          </p:spPr>
+          <p:txBody>
+            <a:bodyPr lIns="91425" tIns="91425" rIns="91425" bIns="91425" anchor="ctr" anchorCtr="0">
+              <a:noAutofit/>
+            </a:bodyPr>
+            <a:lstStyle/>
+            <a:p>
+              <a:pPr lvl="0">
+                <a:spcBef>
+                  <a:spcPts val="0"/>
+                </a:spcBef>
+                <a:buNone/>
+              </a:pPr>
+              <a:endParaRPr/>
+            </a:p>
+          </p:txBody>
+        </p:sp>
+        <p:sp>
+          <p:nvSpPr>
+            <p:cNvPr id="262" name="Shape 262"/>
+            <p:cNvSpPr/>
+            <p:nvPr/>
+          </p:nvSpPr>
+          <p:spPr>
+            <a:xfrm>
+              <a:off x="6107250" y="1824850"/>
+              <a:ext cx="84650" cy="84650"/>
+            </a:xfrm>
+            <a:custGeom>
+              <a:avLst/>
+              <a:gdLst/>
+              <a:ahLst/>
+              <a:cxnLst/>
+              <a:rect l="0" t="0" r="0" b="0"/>
+              <a:pathLst>
+                <a:path w="3386" h="3386" fill="none" extrusionOk="0">
+                  <a:moveTo>
+                    <a:pt x="3362" y="1388"/>
+                  </a:moveTo>
+                  <a:lnTo>
+                    <a:pt x="3362" y="1388"/>
+                  </a:lnTo>
+                  <a:lnTo>
+                    <a:pt x="3386" y="1680"/>
+                  </a:lnTo>
+                  <a:lnTo>
+                    <a:pt x="3386" y="1680"/>
+                  </a:lnTo>
+                  <a:lnTo>
+                    <a:pt x="3386" y="1851"/>
+                  </a:lnTo>
+                  <a:lnTo>
+                    <a:pt x="3362" y="2021"/>
+                  </a:lnTo>
+                  <a:lnTo>
+                    <a:pt x="3313" y="2192"/>
+                  </a:lnTo>
+                  <a:lnTo>
+                    <a:pt x="3264" y="2338"/>
+                  </a:lnTo>
+                  <a:lnTo>
+                    <a:pt x="3191" y="2484"/>
+                  </a:lnTo>
+                  <a:lnTo>
+                    <a:pt x="3118" y="2630"/>
+                  </a:lnTo>
+                  <a:lnTo>
+                    <a:pt x="3021" y="2776"/>
+                  </a:lnTo>
+                  <a:lnTo>
+                    <a:pt x="2899" y="2898"/>
+                  </a:lnTo>
+                  <a:lnTo>
+                    <a:pt x="2777" y="2996"/>
+                  </a:lnTo>
+                  <a:lnTo>
+                    <a:pt x="2655" y="3093"/>
+                  </a:lnTo>
+                  <a:lnTo>
+                    <a:pt x="2509" y="3191"/>
+                  </a:lnTo>
+                  <a:lnTo>
+                    <a:pt x="2363" y="3239"/>
+                  </a:lnTo>
+                  <a:lnTo>
+                    <a:pt x="2217" y="3312"/>
+                  </a:lnTo>
+                  <a:lnTo>
+                    <a:pt x="2046" y="3337"/>
+                  </a:lnTo>
+                  <a:lnTo>
+                    <a:pt x="1876" y="3385"/>
+                  </a:lnTo>
+                  <a:lnTo>
+                    <a:pt x="1706" y="3385"/>
+                  </a:lnTo>
+                  <a:lnTo>
+                    <a:pt x="1706" y="3385"/>
+                  </a:lnTo>
+                  <a:lnTo>
+                    <a:pt x="1535" y="3385"/>
+                  </a:lnTo>
+                  <a:lnTo>
+                    <a:pt x="1365" y="3337"/>
+                  </a:lnTo>
+                  <a:lnTo>
+                    <a:pt x="1194" y="3312"/>
+                  </a:lnTo>
+                  <a:lnTo>
+                    <a:pt x="1048" y="3239"/>
+                  </a:lnTo>
+                  <a:lnTo>
+                    <a:pt x="902" y="3191"/>
+                  </a:lnTo>
+                  <a:lnTo>
+                    <a:pt x="756" y="3093"/>
+                  </a:lnTo>
+                  <a:lnTo>
+                    <a:pt x="634" y="2996"/>
+                  </a:lnTo>
+                  <a:lnTo>
+                    <a:pt x="512" y="2898"/>
+                  </a:lnTo>
+                  <a:lnTo>
+                    <a:pt x="390" y="2776"/>
+                  </a:lnTo>
+                  <a:lnTo>
+                    <a:pt x="293" y="2630"/>
+                  </a:lnTo>
+                  <a:lnTo>
+                    <a:pt x="220" y="2484"/>
+                  </a:lnTo>
+                  <a:lnTo>
+                    <a:pt x="147" y="2338"/>
+                  </a:lnTo>
+                  <a:lnTo>
+                    <a:pt x="74" y="2192"/>
+                  </a:lnTo>
+                  <a:lnTo>
+                    <a:pt x="49" y="2021"/>
+                  </a:lnTo>
+                  <a:lnTo>
+                    <a:pt x="25" y="1851"/>
+                  </a:lnTo>
+                  <a:lnTo>
+                    <a:pt x="1" y="1680"/>
+                  </a:lnTo>
+                  <a:lnTo>
+                    <a:pt x="1" y="1680"/>
+                  </a:lnTo>
+                  <a:lnTo>
+                    <a:pt x="25" y="1510"/>
+                  </a:lnTo>
+                  <a:lnTo>
+                    <a:pt x="49" y="1340"/>
+                  </a:lnTo>
+                  <a:lnTo>
+                    <a:pt x="74" y="1193"/>
+                  </a:lnTo>
+                  <a:lnTo>
+                    <a:pt x="147" y="1023"/>
+                  </a:lnTo>
+                  <a:lnTo>
+                    <a:pt x="220" y="877"/>
+                  </a:lnTo>
+                  <a:lnTo>
+                    <a:pt x="293" y="731"/>
+                  </a:lnTo>
+                  <a:lnTo>
+                    <a:pt x="390" y="609"/>
+                  </a:lnTo>
+                  <a:lnTo>
+                    <a:pt x="512" y="487"/>
+                  </a:lnTo>
+                  <a:lnTo>
+                    <a:pt x="634" y="390"/>
+                  </a:lnTo>
+                  <a:lnTo>
+                    <a:pt x="756" y="292"/>
+                  </a:lnTo>
+                  <a:lnTo>
+                    <a:pt x="902" y="195"/>
+                  </a:lnTo>
+                  <a:lnTo>
+                    <a:pt x="1048" y="122"/>
+                  </a:lnTo>
+                  <a:lnTo>
+                    <a:pt x="1194" y="73"/>
+                  </a:lnTo>
+                  <a:lnTo>
+                    <a:pt x="1365" y="24"/>
+                  </a:lnTo>
+                  <a:lnTo>
+                    <a:pt x="1535" y="0"/>
+                  </a:lnTo>
+                  <a:lnTo>
+                    <a:pt x="1706" y="0"/>
+                  </a:lnTo>
+                  <a:lnTo>
+                    <a:pt x="1706" y="0"/>
+                  </a:lnTo>
+                  <a:lnTo>
+                    <a:pt x="1998" y="24"/>
+                  </a:lnTo>
+                </a:path>
+              </a:pathLst>
+            </a:custGeom>
+            <a:noFill/>
+            <a:ln w="12175" cap="rnd" cmpd="sng">
+              <a:solidFill>
+                <a:srgbClr val="B7B7B7"/>
+              </a:solidFill>
+              <a:prstDash val="solid"/>
+              <a:round/>
+              <a:headEnd type="none" w="med" len="med"/>
+              <a:tailEnd type="none" w="med" len="med"/>
+            </a:ln>
+          </p:spPr>
+          <p:txBody>
+            <a:bodyPr lIns="91425" tIns="91425" rIns="91425" bIns="91425" anchor="ctr" anchorCtr="0">
+              <a:noAutofit/>
+            </a:bodyPr>
+            <a:lstStyle/>
+            <a:p>
+              <a:pPr lvl="0">
+                <a:spcBef>
+                  <a:spcPts val="0"/>
+                </a:spcBef>
+                <a:buNone/>
+              </a:pPr>
+              <a:endParaRPr/>
+            </a:p>
+          </p:txBody>
+        </p:sp>
+        <p:sp>
+          <p:nvSpPr>
+            <p:cNvPr id="263" name="Shape 263"/>
+            <p:cNvSpPr/>
+            <p:nvPr/>
+          </p:nvSpPr>
+          <p:spPr>
+            <a:xfrm>
+              <a:off x="6058550" y="1776125"/>
+              <a:ext cx="182075" cy="182075"/>
+            </a:xfrm>
+            <a:custGeom>
+              <a:avLst/>
+              <a:gdLst/>
+              <a:ahLst/>
+              <a:cxnLst/>
+              <a:rect l="0" t="0" r="0" b="0"/>
+              <a:pathLst>
+                <a:path w="7283" h="7283" fill="none" extrusionOk="0">
+                  <a:moveTo>
+                    <a:pt x="5431" y="463"/>
+                  </a:moveTo>
+                  <a:lnTo>
+                    <a:pt x="5431" y="463"/>
+                  </a:lnTo>
+                  <a:lnTo>
+                    <a:pt x="5042" y="269"/>
+                  </a:lnTo>
+                  <a:lnTo>
+                    <a:pt x="4823" y="195"/>
+                  </a:lnTo>
+                  <a:lnTo>
+                    <a:pt x="4603" y="122"/>
+                  </a:lnTo>
+                  <a:lnTo>
+                    <a:pt x="4360" y="74"/>
+                  </a:lnTo>
+                  <a:lnTo>
+                    <a:pt x="4141" y="25"/>
+                  </a:lnTo>
+                  <a:lnTo>
+                    <a:pt x="3897" y="1"/>
+                  </a:lnTo>
+                  <a:lnTo>
+                    <a:pt x="3654" y="1"/>
+                  </a:lnTo>
+                  <a:lnTo>
+                    <a:pt x="3654" y="1"/>
+                  </a:lnTo>
+                  <a:lnTo>
+                    <a:pt x="3288" y="25"/>
+                  </a:lnTo>
+                  <a:lnTo>
+                    <a:pt x="2923" y="74"/>
+                  </a:lnTo>
+                  <a:lnTo>
+                    <a:pt x="2558" y="147"/>
+                  </a:lnTo>
+                  <a:lnTo>
+                    <a:pt x="2241" y="293"/>
+                  </a:lnTo>
+                  <a:lnTo>
+                    <a:pt x="1924" y="439"/>
+                  </a:lnTo>
+                  <a:lnTo>
+                    <a:pt x="1608" y="609"/>
+                  </a:lnTo>
+                  <a:lnTo>
+                    <a:pt x="1340" y="829"/>
+                  </a:lnTo>
+                  <a:lnTo>
+                    <a:pt x="1072" y="1072"/>
+                  </a:lnTo>
+                  <a:lnTo>
+                    <a:pt x="828" y="1316"/>
+                  </a:lnTo>
+                  <a:lnTo>
+                    <a:pt x="633" y="1608"/>
+                  </a:lnTo>
+                  <a:lnTo>
+                    <a:pt x="439" y="1900"/>
+                  </a:lnTo>
+                  <a:lnTo>
+                    <a:pt x="293" y="2217"/>
+                  </a:lnTo>
+                  <a:lnTo>
+                    <a:pt x="171" y="2558"/>
+                  </a:lnTo>
+                  <a:lnTo>
+                    <a:pt x="73" y="2899"/>
+                  </a:lnTo>
+                  <a:lnTo>
+                    <a:pt x="25" y="3264"/>
+                  </a:lnTo>
+                  <a:lnTo>
+                    <a:pt x="0" y="3629"/>
+                  </a:lnTo>
+                  <a:lnTo>
+                    <a:pt x="0" y="3629"/>
+                  </a:lnTo>
+                  <a:lnTo>
+                    <a:pt x="25" y="4019"/>
+                  </a:lnTo>
+                  <a:lnTo>
+                    <a:pt x="73" y="4360"/>
+                  </a:lnTo>
+                  <a:lnTo>
+                    <a:pt x="171" y="4725"/>
+                  </a:lnTo>
+                  <a:lnTo>
+                    <a:pt x="293" y="5066"/>
+                  </a:lnTo>
+                  <a:lnTo>
+                    <a:pt x="439" y="5383"/>
+                  </a:lnTo>
+                  <a:lnTo>
+                    <a:pt x="633" y="5675"/>
+                  </a:lnTo>
+                  <a:lnTo>
+                    <a:pt x="828" y="5943"/>
+                  </a:lnTo>
+                  <a:lnTo>
+                    <a:pt x="1072" y="6211"/>
+                  </a:lnTo>
+                  <a:lnTo>
+                    <a:pt x="1340" y="6455"/>
+                  </a:lnTo>
+                  <a:lnTo>
+                    <a:pt x="1608" y="6650"/>
+                  </a:lnTo>
+                  <a:lnTo>
+                    <a:pt x="1924" y="6844"/>
+                  </a:lnTo>
+                  <a:lnTo>
+                    <a:pt x="2241" y="6990"/>
+                  </a:lnTo>
+                  <a:lnTo>
+                    <a:pt x="2558" y="7112"/>
+                  </a:lnTo>
+                  <a:lnTo>
+                    <a:pt x="2923" y="7210"/>
+                  </a:lnTo>
+                  <a:lnTo>
+                    <a:pt x="3288" y="7258"/>
+                  </a:lnTo>
+                  <a:lnTo>
+                    <a:pt x="3654" y="7283"/>
+                  </a:lnTo>
+                  <a:lnTo>
+                    <a:pt x="3654" y="7283"/>
+                  </a:lnTo>
+                  <a:lnTo>
+                    <a:pt x="4019" y="7258"/>
+                  </a:lnTo>
+                  <a:lnTo>
+                    <a:pt x="4384" y="7210"/>
+                  </a:lnTo>
+                  <a:lnTo>
+                    <a:pt x="4725" y="7112"/>
+                  </a:lnTo>
+                  <a:lnTo>
+                    <a:pt x="5066" y="6990"/>
+                  </a:lnTo>
+                  <a:lnTo>
+                    <a:pt x="5383" y="6844"/>
+                  </a:lnTo>
+                  <a:lnTo>
+                    <a:pt x="5675" y="6650"/>
+                  </a:lnTo>
+                  <a:lnTo>
+                    <a:pt x="5967" y="6455"/>
+                  </a:lnTo>
+                  <a:lnTo>
+                    <a:pt x="6235" y="6211"/>
+                  </a:lnTo>
+                  <a:lnTo>
+                    <a:pt x="6454" y="5943"/>
+                  </a:lnTo>
+                  <a:lnTo>
+                    <a:pt x="6674" y="5675"/>
+                  </a:lnTo>
+                  <a:lnTo>
+                    <a:pt x="6844" y="5383"/>
+                  </a:lnTo>
+                  <a:lnTo>
+                    <a:pt x="7014" y="5066"/>
+                  </a:lnTo>
+                  <a:lnTo>
+                    <a:pt x="7136" y="4725"/>
+                  </a:lnTo>
+                  <a:lnTo>
+                    <a:pt x="7209" y="4360"/>
+                  </a:lnTo>
+                  <a:lnTo>
+                    <a:pt x="7282" y="4019"/>
+                  </a:lnTo>
+                  <a:lnTo>
+                    <a:pt x="7282" y="3629"/>
+                  </a:lnTo>
+                  <a:lnTo>
+                    <a:pt x="7282" y="3629"/>
+                  </a:lnTo>
+                  <a:lnTo>
+                    <a:pt x="7282" y="3386"/>
+                  </a:lnTo>
+                  <a:lnTo>
+                    <a:pt x="7258" y="3167"/>
+                  </a:lnTo>
+                  <a:lnTo>
+                    <a:pt x="7234" y="2923"/>
+                  </a:lnTo>
+                  <a:lnTo>
+                    <a:pt x="7161" y="2704"/>
+                  </a:lnTo>
+                  <a:lnTo>
+                    <a:pt x="7112" y="2485"/>
+                  </a:lnTo>
+                  <a:lnTo>
+                    <a:pt x="7014" y="2266"/>
+                  </a:lnTo>
+                  <a:lnTo>
+                    <a:pt x="6820" y="1852"/>
+                  </a:lnTo>
+                </a:path>
+              </a:pathLst>
+            </a:custGeom>
+            <a:noFill/>
+            <a:ln w="12175" cap="rnd" cmpd="sng">
+              <a:solidFill>
+                <a:srgbClr val="B7B7B7"/>
+              </a:solidFill>
+              <a:prstDash val="solid"/>
+              <a:round/>
+              <a:headEnd type="none" w="med" len="med"/>
+              <a:tailEnd type="none" w="med" len="med"/>
+            </a:ln>
+          </p:spPr>
+          <p:txBody>
+            <a:bodyPr lIns="91425" tIns="91425" rIns="91425" bIns="91425" anchor="ctr" anchorCtr="0">
+              <a:noAutofit/>
+            </a:bodyPr>
+            <a:lstStyle/>
+            <a:p>
+              <a:pPr lvl="0">
+                <a:spcBef>
+                  <a:spcPts val="0"/>
+                </a:spcBef>
+                <a:buNone/>
+              </a:pPr>
+              <a:endParaRPr/>
+            </a:p>
+          </p:txBody>
+        </p:sp>
+        <p:sp>
+          <p:nvSpPr>
+            <p:cNvPr id="264" name="Shape 264"/>
+            <p:cNvSpPr/>
+            <p:nvPr/>
+          </p:nvSpPr>
+          <p:spPr>
+            <a:xfrm>
+              <a:off x="5971475" y="2001400"/>
+              <a:ext cx="74925" cy="70675"/>
+            </a:xfrm>
+            <a:custGeom>
+              <a:avLst/>
+              <a:gdLst/>
+              <a:ahLst/>
+              <a:cxnLst/>
+              <a:rect l="0" t="0" r="0" b="0"/>
+              <a:pathLst>
+                <a:path w="2997" h="2827" fill="none" extrusionOk="0">
+                  <a:moveTo>
+                    <a:pt x="1462" y="1"/>
+                  </a:moveTo>
+                  <a:lnTo>
+                    <a:pt x="293" y="1170"/>
+                  </a:lnTo>
+                  <a:lnTo>
+                    <a:pt x="293" y="1170"/>
+                  </a:lnTo>
+                  <a:lnTo>
+                    <a:pt x="171" y="1316"/>
+                  </a:lnTo>
+                  <a:lnTo>
+                    <a:pt x="74" y="1487"/>
+                  </a:lnTo>
+                  <a:lnTo>
+                    <a:pt x="25" y="1657"/>
+                  </a:lnTo>
+                  <a:lnTo>
+                    <a:pt x="1" y="1852"/>
+                  </a:lnTo>
+                  <a:lnTo>
+                    <a:pt x="25" y="2047"/>
+                  </a:lnTo>
+                  <a:lnTo>
+                    <a:pt x="74" y="2217"/>
+                  </a:lnTo>
+                  <a:lnTo>
+                    <a:pt x="171" y="2388"/>
+                  </a:lnTo>
+                  <a:lnTo>
+                    <a:pt x="293" y="2534"/>
+                  </a:lnTo>
+                  <a:lnTo>
+                    <a:pt x="293" y="2534"/>
+                  </a:lnTo>
+                  <a:lnTo>
+                    <a:pt x="439" y="2656"/>
+                  </a:lnTo>
+                  <a:lnTo>
+                    <a:pt x="609" y="2753"/>
+                  </a:lnTo>
+                  <a:lnTo>
+                    <a:pt x="804" y="2802"/>
+                  </a:lnTo>
+                  <a:lnTo>
+                    <a:pt x="975" y="2826"/>
+                  </a:lnTo>
+                  <a:lnTo>
+                    <a:pt x="975" y="2826"/>
+                  </a:lnTo>
+                  <a:lnTo>
+                    <a:pt x="1170" y="2802"/>
+                  </a:lnTo>
+                  <a:lnTo>
+                    <a:pt x="1340" y="2753"/>
+                  </a:lnTo>
+                  <a:lnTo>
+                    <a:pt x="1511" y="2656"/>
+                  </a:lnTo>
+                  <a:lnTo>
+                    <a:pt x="1681" y="2534"/>
+                  </a:lnTo>
+                  <a:lnTo>
+                    <a:pt x="2850" y="1365"/>
+                  </a:lnTo>
+                  <a:lnTo>
+                    <a:pt x="2850" y="1365"/>
+                  </a:lnTo>
+                  <a:lnTo>
+                    <a:pt x="2996" y="1194"/>
+                  </a:lnTo>
+                </a:path>
+              </a:pathLst>
+            </a:custGeom>
+            <a:noFill/>
+            <a:ln w="12175" cap="rnd" cmpd="sng">
+              <a:solidFill>
+                <a:srgbClr val="B7B7B7"/>
+              </a:solidFill>
+              <a:prstDash val="solid"/>
+              <a:round/>
+              <a:headEnd type="none" w="med" len="med"/>
+              <a:tailEnd type="none" w="med" len="med"/>
+            </a:ln>
+          </p:spPr>
+          <p:txBody>
+            <a:bodyPr lIns="91425" tIns="91425" rIns="91425" bIns="91425" anchor="ctr" anchorCtr="0">
+              <a:noAutofit/>
+            </a:bodyPr>
+            <a:lstStyle/>
+            <a:p>
+              <a:pPr lvl="0">
+                <a:spcBef>
+                  <a:spcPts val="0"/>
+                </a:spcBef>
+                <a:buNone/>
+              </a:pPr>
+              <a:endParaRPr/>
+            </a:p>
+          </p:txBody>
+        </p:sp>
+        <p:sp>
+          <p:nvSpPr>
+            <p:cNvPr id="265" name="Shape 265"/>
+            <p:cNvSpPr/>
+            <p:nvPr/>
+          </p:nvSpPr>
+          <p:spPr>
+            <a:xfrm>
+              <a:off x="6253375" y="2001400"/>
+              <a:ext cx="74325" cy="70675"/>
+            </a:xfrm>
+            <a:custGeom>
+              <a:avLst/>
+              <a:gdLst/>
+              <a:ahLst/>
+              <a:cxnLst/>
+              <a:rect l="0" t="0" r="0" b="0"/>
+              <a:pathLst>
+                <a:path w="2973" h="2827" fill="none" extrusionOk="0">
+                  <a:moveTo>
+                    <a:pt x="1" y="1194"/>
+                  </a:moveTo>
+                  <a:lnTo>
+                    <a:pt x="1" y="1194"/>
+                  </a:lnTo>
+                  <a:lnTo>
+                    <a:pt x="123" y="1365"/>
+                  </a:lnTo>
+                  <a:lnTo>
+                    <a:pt x="1316" y="2534"/>
+                  </a:lnTo>
+                  <a:lnTo>
+                    <a:pt x="1316" y="2534"/>
+                  </a:lnTo>
+                  <a:lnTo>
+                    <a:pt x="1462" y="2656"/>
+                  </a:lnTo>
+                  <a:lnTo>
+                    <a:pt x="1633" y="2753"/>
+                  </a:lnTo>
+                  <a:lnTo>
+                    <a:pt x="1827" y="2802"/>
+                  </a:lnTo>
+                  <a:lnTo>
+                    <a:pt x="1998" y="2826"/>
+                  </a:lnTo>
+                  <a:lnTo>
+                    <a:pt x="1998" y="2826"/>
+                  </a:lnTo>
+                  <a:lnTo>
+                    <a:pt x="2193" y="2802"/>
+                  </a:lnTo>
+                  <a:lnTo>
+                    <a:pt x="2363" y="2753"/>
+                  </a:lnTo>
+                  <a:lnTo>
+                    <a:pt x="2534" y="2656"/>
+                  </a:lnTo>
+                  <a:lnTo>
+                    <a:pt x="2704" y="2534"/>
+                  </a:lnTo>
+                  <a:lnTo>
+                    <a:pt x="2704" y="2534"/>
+                  </a:lnTo>
+                  <a:lnTo>
+                    <a:pt x="2826" y="2388"/>
+                  </a:lnTo>
+                  <a:lnTo>
+                    <a:pt x="2923" y="2217"/>
+                  </a:lnTo>
+                  <a:lnTo>
+                    <a:pt x="2972" y="2047"/>
+                  </a:lnTo>
+                  <a:lnTo>
+                    <a:pt x="2972" y="1852"/>
+                  </a:lnTo>
+                  <a:lnTo>
+                    <a:pt x="2972" y="1657"/>
+                  </a:lnTo>
+                  <a:lnTo>
+                    <a:pt x="2923" y="1487"/>
+                  </a:lnTo>
+                  <a:lnTo>
+                    <a:pt x="2826" y="1316"/>
+                  </a:lnTo>
+                  <a:lnTo>
+                    <a:pt x="2704" y="1170"/>
+                  </a:lnTo>
+                  <a:lnTo>
+                    <a:pt x="1535" y="1"/>
+                  </a:lnTo>
+                </a:path>
+              </a:pathLst>
+            </a:custGeom>
+            <a:noFill/>
+            <a:ln w="12175" cap="rnd" cmpd="sng">
+              <a:solidFill>
+                <a:srgbClr val="B7B7B7"/>
+              </a:solidFill>
+              <a:prstDash val="solid"/>
+              <a:round/>
+              <a:headEnd type="none" w="med" len="med"/>
+              <a:tailEnd type="none" w="med" len="med"/>
+            </a:ln>
+          </p:spPr>
+          <p:txBody>
+            <a:bodyPr lIns="91425" tIns="91425" rIns="91425" bIns="91425" anchor="ctr" anchorCtr="0">
+              <a:noAutofit/>
+            </a:bodyPr>
+            <a:lstStyle/>
+            <a:p>
+              <a:pPr lvl="0">
+                <a:spcBef>
+                  <a:spcPts val="0"/>
+                </a:spcBef>
+                <a:buNone/>
+              </a:pPr>
+              <a:endParaRPr/>
+            </a:p>
+          </p:txBody>
+        </p:sp>
+        <p:sp>
+          <p:nvSpPr>
+            <p:cNvPr id="266" name="Shape 266"/>
+            <p:cNvSpPr/>
+            <p:nvPr/>
+          </p:nvSpPr>
+          <p:spPr>
+            <a:xfrm>
+              <a:off x="6137700" y="1623900"/>
+              <a:ext cx="250875" cy="255150"/>
+            </a:xfrm>
+            <a:custGeom>
+              <a:avLst/>
+              <a:gdLst/>
+              <a:ahLst/>
+              <a:cxnLst/>
+              <a:rect l="0" t="0" r="0" b="0"/>
+              <a:pathLst>
+                <a:path w="10035" h="10206" fill="none" extrusionOk="0">
+                  <a:moveTo>
+                    <a:pt x="9718" y="2412"/>
+                  </a:moveTo>
+                  <a:lnTo>
+                    <a:pt x="8671" y="2217"/>
+                  </a:lnTo>
+                  <a:lnTo>
+                    <a:pt x="9694" y="1194"/>
+                  </a:lnTo>
+                  <a:lnTo>
+                    <a:pt x="9694" y="1194"/>
+                  </a:lnTo>
+                  <a:lnTo>
+                    <a:pt x="9767" y="1121"/>
+                  </a:lnTo>
+                  <a:lnTo>
+                    <a:pt x="9815" y="1024"/>
+                  </a:lnTo>
+                  <a:lnTo>
+                    <a:pt x="9840" y="951"/>
+                  </a:lnTo>
+                  <a:lnTo>
+                    <a:pt x="9840" y="853"/>
+                  </a:lnTo>
+                  <a:lnTo>
+                    <a:pt x="9840" y="756"/>
+                  </a:lnTo>
+                  <a:lnTo>
+                    <a:pt x="9815" y="658"/>
+                  </a:lnTo>
+                  <a:lnTo>
+                    <a:pt x="9767" y="585"/>
+                  </a:lnTo>
+                  <a:lnTo>
+                    <a:pt x="9694" y="512"/>
+                  </a:lnTo>
+                  <a:lnTo>
+                    <a:pt x="9694" y="512"/>
+                  </a:lnTo>
+                  <a:lnTo>
+                    <a:pt x="9621" y="439"/>
+                  </a:lnTo>
+                  <a:lnTo>
+                    <a:pt x="9548" y="391"/>
+                  </a:lnTo>
+                  <a:lnTo>
+                    <a:pt x="9450" y="366"/>
+                  </a:lnTo>
+                  <a:lnTo>
+                    <a:pt x="9353" y="366"/>
+                  </a:lnTo>
+                  <a:lnTo>
+                    <a:pt x="9255" y="366"/>
+                  </a:lnTo>
+                  <a:lnTo>
+                    <a:pt x="9182" y="391"/>
+                  </a:lnTo>
+                  <a:lnTo>
+                    <a:pt x="9085" y="439"/>
+                  </a:lnTo>
+                  <a:lnTo>
+                    <a:pt x="9012" y="512"/>
+                  </a:lnTo>
+                  <a:lnTo>
+                    <a:pt x="7867" y="1657"/>
+                  </a:lnTo>
+                  <a:lnTo>
+                    <a:pt x="7867" y="1657"/>
+                  </a:lnTo>
+                  <a:lnTo>
+                    <a:pt x="7818" y="1487"/>
+                  </a:lnTo>
+                  <a:lnTo>
+                    <a:pt x="7599" y="317"/>
+                  </a:lnTo>
+                  <a:lnTo>
+                    <a:pt x="7599" y="317"/>
+                  </a:lnTo>
+                  <a:lnTo>
+                    <a:pt x="7575" y="196"/>
+                  </a:lnTo>
+                  <a:lnTo>
+                    <a:pt x="7526" y="98"/>
+                  </a:lnTo>
+                  <a:lnTo>
+                    <a:pt x="7477" y="50"/>
+                  </a:lnTo>
+                  <a:lnTo>
+                    <a:pt x="7404" y="1"/>
+                  </a:lnTo>
+                  <a:lnTo>
+                    <a:pt x="7331" y="1"/>
+                  </a:lnTo>
+                  <a:lnTo>
+                    <a:pt x="7234" y="25"/>
+                  </a:lnTo>
+                  <a:lnTo>
+                    <a:pt x="7161" y="74"/>
+                  </a:lnTo>
+                  <a:lnTo>
+                    <a:pt x="7063" y="147"/>
+                  </a:lnTo>
+                  <a:lnTo>
+                    <a:pt x="5432" y="1754"/>
+                  </a:lnTo>
+                  <a:lnTo>
+                    <a:pt x="5432" y="1754"/>
+                  </a:lnTo>
+                  <a:lnTo>
+                    <a:pt x="5358" y="1852"/>
+                  </a:lnTo>
+                  <a:lnTo>
+                    <a:pt x="5285" y="1974"/>
+                  </a:lnTo>
+                  <a:lnTo>
+                    <a:pt x="5212" y="2120"/>
+                  </a:lnTo>
+                  <a:lnTo>
+                    <a:pt x="5164" y="2242"/>
+                  </a:lnTo>
+                  <a:lnTo>
+                    <a:pt x="5139" y="2388"/>
+                  </a:lnTo>
+                  <a:lnTo>
+                    <a:pt x="5115" y="2534"/>
+                  </a:lnTo>
+                  <a:lnTo>
+                    <a:pt x="5115" y="2680"/>
+                  </a:lnTo>
+                  <a:lnTo>
+                    <a:pt x="5115" y="2802"/>
+                  </a:lnTo>
+                  <a:lnTo>
+                    <a:pt x="5334" y="3971"/>
+                  </a:lnTo>
+                  <a:lnTo>
+                    <a:pt x="5334" y="3971"/>
+                  </a:lnTo>
+                  <a:lnTo>
+                    <a:pt x="5383" y="4141"/>
+                  </a:lnTo>
+                  <a:lnTo>
+                    <a:pt x="147" y="9378"/>
+                  </a:lnTo>
+                  <a:lnTo>
+                    <a:pt x="147" y="9378"/>
+                  </a:lnTo>
+                  <a:lnTo>
+                    <a:pt x="73" y="9451"/>
+                  </a:lnTo>
+                  <a:lnTo>
+                    <a:pt x="25" y="9548"/>
+                  </a:lnTo>
+                  <a:lnTo>
+                    <a:pt x="0" y="9645"/>
+                  </a:lnTo>
+                  <a:lnTo>
+                    <a:pt x="0" y="9718"/>
+                  </a:lnTo>
+                  <a:lnTo>
+                    <a:pt x="0" y="9816"/>
+                  </a:lnTo>
+                  <a:lnTo>
+                    <a:pt x="25" y="9913"/>
+                  </a:lnTo>
+                  <a:lnTo>
+                    <a:pt x="73" y="9986"/>
+                  </a:lnTo>
+                  <a:lnTo>
+                    <a:pt x="147" y="10059"/>
+                  </a:lnTo>
+                  <a:lnTo>
+                    <a:pt x="147" y="10059"/>
+                  </a:lnTo>
+                  <a:lnTo>
+                    <a:pt x="220" y="10133"/>
+                  </a:lnTo>
+                  <a:lnTo>
+                    <a:pt x="293" y="10181"/>
+                  </a:lnTo>
+                  <a:lnTo>
+                    <a:pt x="390" y="10206"/>
+                  </a:lnTo>
+                  <a:lnTo>
+                    <a:pt x="488" y="10206"/>
+                  </a:lnTo>
+                  <a:lnTo>
+                    <a:pt x="488" y="10206"/>
+                  </a:lnTo>
+                  <a:lnTo>
+                    <a:pt x="585" y="10206"/>
+                  </a:lnTo>
+                  <a:lnTo>
+                    <a:pt x="658" y="10181"/>
+                  </a:lnTo>
+                  <a:lnTo>
+                    <a:pt x="755" y="10133"/>
+                  </a:lnTo>
+                  <a:lnTo>
+                    <a:pt x="828" y="10059"/>
+                  </a:lnTo>
+                  <a:lnTo>
+                    <a:pt x="6187" y="4726"/>
+                  </a:lnTo>
+                  <a:lnTo>
+                    <a:pt x="7234" y="4896"/>
+                  </a:lnTo>
+                  <a:lnTo>
+                    <a:pt x="7234" y="4896"/>
+                  </a:lnTo>
+                  <a:lnTo>
+                    <a:pt x="7356" y="4921"/>
+                  </a:lnTo>
+                  <a:lnTo>
+                    <a:pt x="7502" y="4921"/>
+                  </a:lnTo>
+                  <a:lnTo>
+                    <a:pt x="7624" y="4896"/>
+                  </a:lnTo>
+                  <a:lnTo>
+                    <a:pt x="7770" y="4848"/>
+                  </a:lnTo>
+                  <a:lnTo>
+                    <a:pt x="7916" y="4799"/>
+                  </a:lnTo>
+                  <a:lnTo>
+                    <a:pt x="8038" y="4750"/>
+                  </a:lnTo>
+                  <a:lnTo>
+                    <a:pt x="8159" y="4677"/>
+                  </a:lnTo>
+                  <a:lnTo>
+                    <a:pt x="8257" y="4580"/>
+                  </a:lnTo>
+                  <a:lnTo>
+                    <a:pt x="9889" y="2948"/>
+                  </a:lnTo>
+                  <a:lnTo>
+                    <a:pt x="9889" y="2948"/>
+                  </a:lnTo>
+                  <a:lnTo>
+                    <a:pt x="9962" y="2875"/>
+                  </a:lnTo>
+                  <a:lnTo>
+                    <a:pt x="10010" y="2777"/>
+                  </a:lnTo>
+                  <a:lnTo>
+                    <a:pt x="10035" y="2704"/>
+                  </a:lnTo>
+                  <a:lnTo>
+                    <a:pt x="10010" y="2607"/>
+                  </a:lnTo>
+                  <a:lnTo>
+                    <a:pt x="9986" y="2558"/>
+                  </a:lnTo>
+                  <a:lnTo>
+                    <a:pt x="9913" y="2485"/>
+                  </a:lnTo>
+                  <a:lnTo>
+                    <a:pt x="9815" y="2436"/>
+                  </a:lnTo>
+                  <a:lnTo>
+                    <a:pt x="9718" y="2412"/>
+                  </a:lnTo>
+                  <a:lnTo>
+                    <a:pt x="9718" y="2412"/>
+                  </a:lnTo>
+                  <a:close/>
+                </a:path>
+              </a:pathLst>
+            </a:custGeom>
+            <a:noFill/>
+            <a:ln w="12175" cap="rnd" cmpd="sng">
+              <a:solidFill>
+                <a:srgbClr val="B7B7B7"/>
+              </a:solidFill>
+              <a:prstDash val="solid"/>
+              <a:round/>
+              <a:headEnd type="none" w="med" len="med"/>
+              <a:tailEnd type="none" w="med" len="med"/>
+            </a:ln>
+          </p:spPr>
+          <p:txBody>
+            <a:bodyPr lIns="91425" tIns="91425" rIns="91425" bIns="91425" anchor="ctr" anchorCtr="0">
+              <a:noAutofit/>
+            </a:bodyPr>
+            <a:lstStyle/>
+            <a:p>
+              <a:pPr lvl="0">
+                <a:spcBef>
+                  <a:spcPts val="0"/>
+                </a:spcBef>
+                <a:buNone/>
+              </a:pPr>
+              <a:endParaRPr/>
+            </a:p>
+          </p:txBody>
+        </p:sp>
+      </p:grpSp>
+      <p:sp>
+        <p:nvSpPr>
+          <p:cNvPr id="13" name="Shape 147"/>
+          <p:cNvSpPr txBox="1">
+            <a:spLocks noGrp="1"/>
+          </p:cNvSpPr>
+          <p:nvPr/>
+        </p:nvSpPr>
+        <p:spPr>
+          <a:xfrm>
+            <a:off x="841289" y="1836058"/>
+            <a:ext cx="6232954" cy="2410499"/>
+          </a:xfrm>
+          <a:prstGeom prst="rect">
+            <a:avLst/>
+          </a:prstGeom>
+          <a:noFill/>
+          <a:ln>
+            <a:noFill/>
+          </a:ln>
+        </p:spPr>
+        <p:txBody>
+          <a:bodyPr lIns="91425" tIns="91425" rIns="91425" bIns="91425" anchor="t" anchorCtr="0">
+            <a:noAutofit/>
+          </a:bodyPr>
+          <a:lstStyle>
+            <a:defPPr marR="0" lvl="0" algn="l" rtl="0">
+              <a:lnSpc>
+                <a:spcPct val="100000"/>
+              </a:lnSpc>
+              <a:spcBef>
+                <a:spcPts val="0"/>
+              </a:spcBef>
+              <a:spcAft>
+                <a:spcPts val="0"/>
+              </a:spcAft>
+            </a:defPPr>
+            <a:lvl1pPr marR="0" lvl="0" algn="l" rtl="0">
+              <a:lnSpc>
+                <a:spcPct val="100000"/>
+              </a:lnSpc>
+              <a:spcBef>
+                <a:spcPts val="0"/>
+              </a:spcBef>
+              <a:spcAft>
+                <a:spcPts val="0"/>
+              </a:spcAft>
+              <a:buClr>
+                <a:srgbClr val="999999"/>
+              </a:buClr>
+              <a:buSzPct val="100000"/>
+              <a:buFont typeface="Karla"/>
+              <a:buChar char="▸"/>
+              <a:defRPr sz="1600" b="0" i="0" u="none" strike="noStrike" cap="none">
+                <a:solidFill>
+                  <a:srgbClr val="999999"/>
+                </a:solidFill>
+                <a:latin typeface="Karla"/>
+                <a:ea typeface="Karla"/>
+                <a:cs typeface="Karla"/>
+                <a:sym typeface="Karla"/>
+              </a:defRPr>
+            </a:lvl1pPr>
+            <a:lvl2pPr marR="0" lvl="1" algn="l" rtl="0">
+              <a:lnSpc>
+                <a:spcPct val="100000"/>
+              </a:lnSpc>
+              <a:spcBef>
+                <a:spcPts val="0"/>
+              </a:spcBef>
+              <a:spcAft>
+                <a:spcPts val="0"/>
+              </a:spcAft>
+              <a:buClr>
+                <a:srgbClr val="999999"/>
+              </a:buClr>
+              <a:buSzPct val="100000"/>
+              <a:buFont typeface="Karla"/>
+              <a:buChar char="▹"/>
+              <a:defRPr sz="1600" b="0" i="0" u="none" strike="noStrike" cap="none">
+                <a:solidFill>
+                  <a:srgbClr val="999999"/>
+                </a:solidFill>
+                <a:latin typeface="Karla"/>
+                <a:ea typeface="Karla"/>
+                <a:cs typeface="Karla"/>
+                <a:sym typeface="Karla"/>
+              </a:defRPr>
+            </a:lvl2pPr>
+            <a:lvl3pPr marR="0" lvl="2" algn="l" rtl="0">
+              <a:lnSpc>
+                <a:spcPct val="100000"/>
+              </a:lnSpc>
+              <a:spcBef>
+                <a:spcPts val="0"/>
+              </a:spcBef>
+              <a:spcAft>
+                <a:spcPts val="0"/>
+              </a:spcAft>
+              <a:buClr>
+                <a:srgbClr val="999999"/>
+              </a:buClr>
+              <a:buSzPct val="100000"/>
+              <a:buFont typeface="Karla"/>
+              <a:buChar char="▹"/>
+              <a:defRPr sz="1600" b="0" i="0" u="none" strike="noStrike" cap="none">
+                <a:solidFill>
+                  <a:srgbClr val="999999"/>
+                </a:solidFill>
+                <a:latin typeface="Karla"/>
+                <a:ea typeface="Karla"/>
+                <a:cs typeface="Karla"/>
+                <a:sym typeface="Karla"/>
+              </a:defRPr>
+            </a:lvl3pPr>
+            <a:lvl4pPr marR="0" lvl="3" algn="l" rtl="0">
+              <a:lnSpc>
+                <a:spcPct val="100000"/>
+              </a:lnSpc>
+              <a:spcBef>
+                <a:spcPts val="0"/>
+              </a:spcBef>
+              <a:spcAft>
+                <a:spcPts val="0"/>
+              </a:spcAft>
+              <a:buClr>
+                <a:srgbClr val="999999"/>
+              </a:buClr>
+              <a:buSzPct val="100000"/>
+              <a:buFont typeface="Karla"/>
+              <a:buNone/>
+              <a:defRPr sz="1600" b="0" i="0" u="none" strike="noStrike" cap="none">
+                <a:solidFill>
+                  <a:srgbClr val="999999"/>
+                </a:solidFill>
+                <a:latin typeface="Karla"/>
+                <a:ea typeface="Karla"/>
+                <a:cs typeface="Karla"/>
+                <a:sym typeface="Karla"/>
+              </a:defRPr>
+            </a:lvl4pPr>
+            <a:lvl5pPr marR="0" lvl="4" algn="l" rtl="0">
+              <a:lnSpc>
+                <a:spcPct val="100000"/>
+              </a:lnSpc>
+              <a:spcBef>
+                <a:spcPts val="0"/>
+              </a:spcBef>
+              <a:spcAft>
+                <a:spcPts val="0"/>
+              </a:spcAft>
+              <a:buClr>
+                <a:srgbClr val="999999"/>
+              </a:buClr>
+              <a:buSzPct val="100000"/>
+              <a:buFont typeface="Karla"/>
+              <a:buNone/>
+              <a:defRPr sz="1600" b="0" i="0" u="none" strike="noStrike" cap="none">
+                <a:solidFill>
+                  <a:srgbClr val="999999"/>
+                </a:solidFill>
+                <a:latin typeface="Karla"/>
+                <a:ea typeface="Karla"/>
+                <a:cs typeface="Karla"/>
+                <a:sym typeface="Karla"/>
+              </a:defRPr>
+            </a:lvl5pPr>
+            <a:lvl6pPr marR="0" lvl="5" algn="l" rtl="0">
+              <a:lnSpc>
+                <a:spcPct val="100000"/>
+              </a:lnSpc>
+              <a:spcBef>
+                <a:spcPts val="0"/>
+              </a:spcBef>
+              <a:spcAft>
+                <a:spcPts val="0"/>
+              </a:spcAft>
+              <a:buClr>
+                <a:srgbClr val="999999"/>
+              </a:buClr>
+              <a:buSzPct val="100000"/>
+              <a:buFont typeface="Karla"/>
+              <a:buNone/>
+              <a:defRPr sz="1600" b="0" i="0" u="none" strike="noStrike" cap="none">
+                <a:solidFill>
+                  <a:srgbClr val="999999"/>
+                </a:solidFill>
+                <a:latin typeface="Karla"/>
+                <a:ea typeface="Karla"/>
+                <a:cs typeface="Karla"/>
+                <a:sym typeface="Karla"/>
+              </a:defRPr>
+            </a:lvl6pPr>
+            <a:lvl7pPr marR="0" lvl="6" algn="l" rtl="0">
+              <a:lnSpc>
+                <a:spcPct val="100000"/>
+              </a:lnSpc>
+              <a:spcBef>
+                <a:spcPts val="0"/>
+              </a:spcBef>
+              <a:spcAft>
+                <a:spcPts val="0"/>
+              </a:spcAft>
+              <a:buClr>
+                <a:srgbClr val="999999"/>
+              </a:buClr>
+              <a:buSzPct val="100000"/>
+              <a:buFont typeface="Karla"/>
+              <a:buNone/>
+              <a:defRPr sz="1600" b="0" i="0" u="none" strike="noStrike" cap="none">
+                <a:solidFill>
+                  <a:srgbClr val="999999"/>
+                </a:solidFill>
+                <a:latin typeface="Karla"/>
+                <a:ea typeface="Karla"/>
+                <a:cs typeface="Karla"/>
+                <a:sym typeface="Karla"/>
+              </a:defRPr>
+            </a:lvl7pPr>
+            <a:lvl8pPr marR="0" lvl="7" algn="l" rtl="0">
+              <a:lnSpc>
+                <a:spcPct val="100000"/>
+              </a:lnSpc>
+              <a:spcBef>
+                <a:spcPts val="0"/>
+              </a:spcBef>
+              <a:spcAft>
+                <a:spcPts val="0"/>
+              </a:spcAft>
+              <a:buClr>
+                <a:srgbClr val="999999"/>
+              </a:buClr>
+              <a:buSzPct val="100000"/>
+              <a:buFont typeface="Karla"/>
+              <a:buNone/>
+              <a:defRPr sz="1600" b="0" i="0" u="none" strike="noStrike" cap="none">
+                <a:solidFill>
+                  <a:srgbClr val="999999"/>
+                </a:solidFill>
+                <a:latin typeface="Karla"/>
+                <a:ea typeface="Karla"/>
+                <a:cs typeface="Karla"/>
+                <a:sym typeface="Karla"/>
+              </a:defRPr>
+            </a:lvl8pPr>
+            <a:lvl9pPr marR="0" lvl="8" algn="l" rtl="0">
+              <a:lnSpc>
+                <a:spcPct val="100000"/>
+              </a:lnSpc>
+              <a:spcBef>
+                <a:spcPts val="0"/>
+              </a:spcBef>
+              <a:spcAft>
+                <a:spcPts val="0"/>
+              </a:spcAft>
+              <a:buClr>
+                <a:srgbClr val="999999"/>
+              </a:buClr>
+              <a:buSzPct val="100000"/>
+              <a:buFont typeface="Karla"/>
+              <a:buNone/>
+              <a:defRPr sz="1600" b="0" i="0" u="none" strike="noStrike" cap="none">
+                <a:solidFill>
+                  <a:srgbClr val="999999"/>
+                </a:solidFill>
+                <a:latin typeface="Karla"/>
+                <a:ea typeface="Karla"/>
+                <a:cs typeface="Karla"/>
+                <a:sym typeface="Karla"/>
+              </a:defRPr>
+            </a:lvl9pPr>
+          </a:lstStyle>
+          <a:p>
+            <a:pPr indent="-228600"/>
+            <a:r>
+              <a:rPr lang="en-US" sz="2000" dirty="0">
+                <a:solidFill>
+                  <a:schemeClr val="tx2">
+                    <a:lumMod val="50000"/>
+                  </a:schemeClr>
+                </a:solidFill>
+              </a:rPr>
+              <a:t>Different algorithms</a:t>
+            </a:r>
+          </a:p>
+          <a:p>
+            <a:pPr indent="-228600"/>
+            <a:r>
+              <a:rPr lang="en-US" sz="2000" dirty="0" smtClean="0">
+                <a:solidFill>
+                  <a:schemeClr val="tx2">
+                    <a:lumMod val="50000"/>
+                  </a:schemeClr>
+                </a:solidFill>
+              </a:rPr>
+              <a:t>More features: n-grams, anything else?</a:t>
+            </a:r>
+            <a:endParaRPr lang="en-US" sz="2000" dirty="0">
+              <a:solidFill>
+                <a:schemeClr val="tx2">
+                  <a:lumMod val="50000"/>
+                </a:schemeClr>
+              </a:solidFill>
+            </a:endParaRPr>
+          </a:p>
+          <a:p>
+            <a:pPr indent="-228600"/>
+            <a:r>
+              <a:rPr lang="en-US" sz="2000" dirty="0">
+                <a:solidFill>
+                  <a:schemeClr val="tx2">
+                    <a:lumMod val="50000"/>
+                  </a:schemeClr>
+                </a:solidFill>
+              </a:rPr>
+              <a:t>More </a:t>
+            </a:r>
+            <a:r>
+              <a:rPr lang="en-US" sz="2000" dirty="0" smtClean="0">
+                <a:solidFill>
+                  <a:schemeClr val="tx2">
+                    <a:lumMod val="50000"/>
+                  </a:schemeClr>
+                </a:solidFill>
+              </a:rPr>
+              <a:t>relative training data</a:t>
+            </a:r>
+          </a:p>
+          <a:p>
+            <a:pPr indent="-228600"/>
+            <a:r>
+              <a:rPr lang="en-US" sz="2000" dirty="0" smtClean="0">
+                <a:solidFill>
+                  <a:schemeClr val="tx2">
+                    <a:lumMod val="50000"/>
+                  </a:schemeClr>
+                </a:solidFill>
+              </a:rPr>
+              <a:t>Deep learning approach</a:t>
+            </a:r>
+            <a:endParaRPr lang="en-US" sz="2000" dirty="0">
+              <a:solidFill>
+                <a:schemeClr val="tx2">
+                  <a:lumMod val="50000"/>
+                </a:schemeClr>
+              </a:solidFill>
+            </a:endParaRPr>
+          </a:p>
+          <a:p>
+            <a:pPr indent="-228600"/>
+            <a:endParaRPr lang="en" sz="2000" dirty="0">
+              <a:solidFill>
+                <a:schemeClr val="tx2">
+                  <a:lumMod val="50000"/>
+                </a:schemeClr>
+              </a:solidFill>
+            </a:endParaRPr>
+          </a:p>
+        </p:txBody>
+      </p:sp>
+    </p:spTree>
+    <p:extLst>
+      <p:ext uri="{BB962C8B-B14F-4D97-AF65-F5344CB8AC3E}">
+        <p14:creationId xmlns:p14="http://schemas.microsoft.com/office/powerpoint/2010/main" val="1153337310"/>
+      </p:ext>
+    </p:extLst>
+  </p:cSld>
+  <p:clrMapOvr>
+    <a:masterClrMapping/>
+  </p:clrMapOvr>
+  <p:timing>
+    <p:tnLst>
+      <p:par>
+        <p:cTn id="1" dur="indefinite" restart="never" nodeType="tmRoot"/>
+      </p:par>
+    </p:tnLst>
+  </p:timing>
+</p:sld>
+</file>
+
+<file path=ppt/slides/slide16.xml><?xml version="1.0" encoding="utf-8"?>
 <p:sld xmlns:a="http://schemas.openxmlformats.org/drawingml/2006/main" xmlns:r="http://schemas.openxmlformats.org/officeDocument/2006/relationships" xmlns:p="http://schemas.openxmlformats.org/presentationml/2006/main">
   <p:cSld>
     <p:bg>
@@ -12947,7 +16996,7 @@
 </p:sld>
 </file>
 
-<file path=ppt/slides/slide15.xml><?xml version="1.0" encoding="utf-8"?>
+<file path=ppt/slides/slide17.xml><?xml version="1.0" encoding="utf-8"?>
 <p:sld xmlns:a="http://schemas.openxmlformats.org/drawingml/2006/main" xmlns:r="http://schemas.openxmlformats.org/officeDocument/2006/relationships" xmlns:p="http://schemas.openxmlformats.org/presentationml/2006/main">
   <p:cSld>
     <p:bg>
@@ -14358,7 +18407,7 @@
 </p:sld>
 </file>
 
-<file path=ppt/slides/slide16.xml><?xml version="1.0" encoding="utf-8"?>
+<file path=ppt/slides/slide18.xml><?xml version="1.0" encoding="utf-8"?>
 <p:sld xmlns:a="http://schemas.openxmlformats.org/drawingml/2006/main" xmlns:r="http://schemas.openxmlformats.org/officeDocument/2006/relationships" xmlns:p="http://schemas.openxmlformats.org/presentationml/2006/main">
   <p:cSld>
     <p:bg>
@@ -18712,17 +22761,7 @@
                   </a:schemeClr>
                 </a:solidFill>
               </a:rPr>
-              <a:t>385 </a:t>
-            </a:r>
-            <a:r>
-              <a:rPr lang="en-US" sz="2000" b="1" smtClean="0">
-                <a:solidFill>
-                  <a:schemeClr val="tx2">
-                    <a:lumMod val="50000"/>
-                  </a:schemeClr>
-                </a:solidFill>
-              </a:rPr>
-              <a:t>114</a:t>
+              <a:t>385 114</a:t>
             </a:r>
             <a:r>
               <a:rPr lang="en-US" sz="2000" smtClean="0">
@@ -20460,17 +24499,7 @@
                   </a:schemeClr>
                 </a:solidFill>
               </a:rPr>
-              <a:t> based on generated training </a:t>
-            </a:r>
-            <a:r>
-              <a:rPr lang="en-US" sz="2000" dirty="0" smtClean="0">
-                <a:solidFill>
-                  <a:schemeClr val="tx2">
-                    <a:lumMod val="50000"/>
-                  </a:schemeClr>
-                </a:solidFill>
-              </a:rPr>
-              <a:t>data</a:t>
+              <a:t> based on generated training data</a:t>
             </a:r>
             <a:endParaRPr lang="en-US" sz="2000" b="1" dirty="0">
               <a:solidFill>
@@ -20585,57 +24614,39 @@
                   </a:schemeClr>
                 </a:solidFill>
               </a:rPr>
-              <a:t> – getting all professions, and setting score, based on the order of appearance</a:t>
-            </a:r>
-            <a:endParaRPr lang="bg-BG" sz="2000" dirty="0" smtClean="0">
-              <a:solidFill>
-                <a:schemeClr val="tx2">
-                  <a:lumMod val="50000"/>
-                </a:schemeClr>
-              </a:solidFill>
-            </a:endParaRPr>
-          </a:p>
-          <a:p>
-            <a:pPr indent="-228600"/>
-            <a:r>
-              <a:rPr lang="en-US" sz="2000" b="1" dirty="0" smtClean="0">
-                <a:solidFill>
-                  <a:srgbClr val="D81C5C"/>
-                </a:solidFill>
-              </a:rPr>
-              <a:t>Word count, based on synonyms </a:t>
+              <a:t> </a:t>
             </a:r>
             <a:r>
-              <a:rPr lang="en-US" sz="1800" dirty="0" smtClean="0">
+              <a:rPr lang="en-US" sz="2000" smtClean="0">
                 <a:solidFill>
                   <a:schemeClr val="tx2">
                     <a:lumMod val="50000"/>
                   </a:schemeClr>
                 </a:solidFill>
               </a:rPr>
-              <a:t>– profession synonyms have </a:t>
+              <a:t>–set </a:t>
             </a:r>
             <a:r>
-              <a:rPr lang="en-US" sz="1800" dirty="0">
+              <a:rPr lang="en-US" sz="2000" dirty="0" smtClean="0">
                 <a:solidFill>
                   <a:schemeClr val="tx2">
                     <a:lumMod val="50000"/>
                   </a:schemeClr>
                 </a:solidFill>
               </a:rPr>
-              <a:t>been retrieved from </a:t>
+              <a:t>score, based on the order of </a:t>
             </a:r>
             <a:r>
-              <a:rPr lang="en-US" sz="1800" b="1" i="1" dirty="0">
+              <a:rPr lang="en-US" sz="2000" dirty="0" smtClean="0">
                 <a:solidFill>
                   <a:schemeClr val="tx2">
                     <a:lumMod val="50000"/>
                   </a:schemeClr>
                 </a:solidFill>
               </a:rPr>
-              <a:t>thesaurus.com</a:t>
+              <a:t>appearance</a:t>
             </a:r>
-            <a:endParaRPr lang="bg-BG" sz="1800" b="1" i="1" dirty="0">
+            <a:endParaRPr lang="bg-BG" sz="2000" dirty="0" smtClean="0">
               <a:solidFill>
                 <a:schemeClr val="tx2">
                   <a:lumMod val="50000"/>
